--- a/Crime Rate in relation to Weather in Atlanta.pptx
+++ b/Crime Rate in relation to Weather in Atlanta.pptx
@@ -11471,45 +11471,12 @@
           <a:lstStyle/>
           <a:p>
             <a:r>
-              <a:rPr lang="en-US" dirty="0" err="1"/>
-              <a:t>Predicition</a:t>
-            </a:r>
-            <a:r>
               <a:rPr lang="en-US" dirty="0"/>
-              <a:t> model based on Weather</a:t>
+              <a:t>Predication model based on Weather</a:t>
             </a:r>
           </a:p>
         </p:txBody>
       </p:sp>
-      <p:pic>
-        <p:nvPicPr>
-          <p:cNvPr id="6" name="Content Placeholder 5" descr="Chart, scatter chart&#10;&#10;Description automatically generated">
-            <a:extLst>
-              <a:ext uri="{FF2B5EF4-FFF2-40B4-BE49-F238E27FC236}">
-                <a16:creationId xmlns:a16="http://schemas.microsoft.com/office/drawing/2014/main" id="{38B04E02-3E94-CC9D-C0D0-A96FC0B1F6E5}"/>
-              </a:ext>
-            </a:extLst>
-          </p:cNvPr>
-          <p:cNvPicPr>
-            <a:picLocks noGrp="1" noChangeAspect="1"/>
-          </p:cNvPicPr>
-          <p:nvPr>
-            <p:ph idx="1"/>
-          </p:nvPr>
-        </p:nvPicPr>
-        <p:blipFill>
-          <a:blip r:embed="rId2"/>
-          <a:stretch>
-            <a:fillRect/>
-          </a:stretch>
-        </p:blipFill>
-        <p:spPr>
-          <a:xfrm>
-            <a:off x="5928037" y="1694877"/>
-            <a:ext cx="4990476" cy="3530159"/>
-          </a:xfrm>
-        </p:spPr>
-      </p:pic>
       <p:sp>
         <p:nvSpPr>
           <p:cNvPr id="4" name="Text Placeholder 3">
@@ -11535,6 +11502,38 @@
           </a:p>
         </p:txBody>
       </p:sp>
+      <p:pic>
+        <p:nvPicPr>
+          <p:cNvPr id="7" name="Content Placeholder 6">
+            <a:extLst>
+              <a:ext uri="{FF2B5EF4-FFF2-40B4-BE49-F238E27FC236}">
+                <a16:creationId xmlns:a16="http://schemas.microsoft.com/office/drawing/2014/main" id="{D9897587-4CCD-FC08-96DD-4E49B999CF5D}"/>
+              </a:ext>
+            </a:extLst>
+          </p:cNvPr>
+          <p:cNvPicPr>
+            <a:picLocks noGrp="1" noChangeAspect="1"/>
+          </p:cNvPicPr>
+          <p:nvPr>
+            <p:ph idx="1"/>
+          </p:nvPr>
+        </p:nvPicPr>
+        <p:blipFill>
+          <a:blip r:embed="rId2"/>
+          <a:stretch>
+            <a:fillRect/>
+          </a:stretch>
+        </p:blipFill>
+        <p:spPr>
+          <a:xfrm>
+            <a:off x="5459413" y="1457735"/>
+            <a:ext cx="5927725" cy="4004443"/>
+          </a:xfrm>
+          <a:prstGeom prst="rect">
+            <a:avLst/>
+          </a:prstGeom>
+        </p:spPr>
+      </p:pic>
     </p:spTree>
     <p:extLst>
       <p:ext uri="{BB962C8B-B14F-4D97-AF65-F5344CB8AC3E}">
@@ -13747,35 +13746,6 @@
           </a:p>
         </p:txBody>
       </p:sp>
-      <p:pic>
-        <p:nvPicPr>
-          <p:cNvPr id="6" name="Content Placeholder 5" descr="Chart&#10;&#10;Description automatically generated">
-            <a:extLst>
-              <a:ext uri="{FF2B5EF4-FFF2-40B4-BE49-F238E27FC236}">
-                <a16:creationId xmlns:a16="http://schemas.microsoft.com/office/drawing/2014/main" id="{DCB17369-3519-2BAC-4042-448E618FFECE}"/>
-              </a:ext>
-            </a:extLst>
-          </p:cNvPr>
-          <p:cNvPicPr>
-            <a:picLocks noGrp="1" noChangeAspect="1"/>
-          </p:cNvPicPr>
-          <p:nvPr>
-            <p:ph idx="1"/>
-          </p:nvPr>
-        </p:nvPicPr>
-        <p:blipFill>
-          <a:blip r:embed="rId2"/>
-          <a:stretch>
-            <a:fillRect/>
-          </a:stretch>
-        </p:blipFill>
-        <p:spPr>
-          <a:xfrm>
-            <a:off x="5889942" y="1459956"/>
-            <a:ext cx="5066666" cy="4000000"/>
-          </a:xfrm>
-        </p:spPr>
-      </p:pic>
       <p:sp>
         <p:nvSpPr>
           <p:cNvPr id="4" name="Text Placeholder 3">
@@ -13823,6 +13793,38 @@
           </a:p>
         </p:txBody>
       </p:sp>
+      <p:pic>
+        <p:nvPicPr>
+          <p:cNvPr id="8" name="Content Placeholder 7">
+            <a:extLst>
+              <a:ext uri="{FF2B5EF4-FFF2-40B4-BE49-F238E27FC236}">
+                <a16:creationId xmlns:a16="http://schemas.microsoft.com/office/drawing/2014/main" id="{B1358242-FCDD-56D3-3E3C-6E2D8972A75D}"/>
+              </a:ext>
+            </a:extLst>
+          </p:cNvPr>
+          <p:cNvPicPr>
+            <a:picLocks noGrp="1" noChangeAspect="1"/>
+          </p:cNvPicPr>
+          <p:nvPr>
+            <p:ph idx="1"/>
+          </p:nvPr>
+        </p:nvPicPr>
+        <p:blipFill>
+          <a:blip r:embed="rId2"/>
+          <a:stretch>
+            <a:fillRect/>
+          </a:stretch>
+        </p:blipFill>
+        <p:spPr>
+          <a:xfrm>
+            <a:off x="5459413" y="1455538"/>
+            <a:ext cx="5927725" cy="4008837"/>
+          </a:xfrm>
+          <a:prstGeom prst="rect">
+            <a:avLst/>
+          </a:prstGeom>
+        </p:spPr>
+      </p:pic>
     </p:spTree>
     <p:extLst>
       <p:ext uri="{BB962C8B-B14F-4D97-AF65-F5344CB8AC3E}">
@@ -14535,12 +14537,12 @@
 </file>
 
 <file path=customXml/item1.xml><?xml version="1.0" encoding="utf-8"?>
-<p:properties xmlns:p="http://schemas.microsoft.com/office/2006/metadata/properties" xmlns:xsi="http://www.w3.org/2001/XMLSchema-instance" xmlns:pc="http://schemas.microsoft.com/office/infopath/2007/PartnerControls">
-  <documentManagement>
-    <Status xmlns="71af3243-3dd4-4a8d-8c0d-dd76da1f02a5">Not started</Status>
-    <MediaServiceKeyPoints xmlns="71af3243-3dd4-4a8d-8c0d-dd76da1f02a5" xsi:nil="true"/>
-  </documentManagement>
-</p:properties>
+<?mso-contentType ?>
+<FormTemplates xmlns="http://schemas.microsoft.com/sharepoint/v3/contenttype/forms">
+  <Display>DocumentLibraryForm</Display>
+  <Edit>DocumentLibraryForm</Edit>
+  <New>DocumentLibraryForm</New>
+</FormTemplates>
 </file>
 
 <file path=customXml/item2.xml><?xml version="1.0" encoding="utf-8"?>
@@ -14765,20 +14767,18 @@
 </file>
 
 <file path=customXml/item3.xml><?xml version="1.0" encoding="utf-8"?>
-<?mso-contentType ?>
-<FormTemplates xmlns="http://schemas.microsoft.com/sharepoint/v3/contenttype/forms">
-  <Display>DocumentLibraryForm</Display>
-  <Edit>DocumentLibraryForm</Edit>
-  <New>DocumentLibraryForm</New>
-</FormTemplates>
+<p:properties xmlns:p="http://schemas.microsoft.com/office/2006/metadata/properties" xmlns:xsi="http://www.w3.org/2001/XMLSchema-instance" xmlns:pc="http://schemas.microsoft.com/office/infopath/2007/PartnerControls">
+  <documentManagement>
+    <Status xmlns="71af3243-3dd4-4a8d-8c0d-dd76da1f02a5">Not started</Status>
+    <MediaServiceKeyPoints xmlns="71af3243-3dd4-4a8d-8c0d-dd76da1f02a5" xsi:nil="true"/>
+  </documentManagement>
+</p:properties>
 </file>
 
 <file path=customXml/itemProps1.xml><?xml version="1.0" encoding="utf-8"?>
-<ds:datastoreItem xmlns:ds="http://schemas.openxmlformats.org/officeDocument/2006/customXml" ds:itemID="{A03EEFF0-FB57-4CB4-8BFC-DF397689E2ED}">
+<ds:datastoreItem xmlns:ds="http://schemas.openxmlformats.org/officeDocument/2006/customXml" ds:itemID="{AA3F7EDC-E5B4-4BBC-9D2A-CBE6D46C37AD}">
   <ds:schemaRefs>
-    <ds:schemaRef ds:uri="http://schemas.microsoft.com/office/2006/metadata/properties"/>
-    <ds:schemaRef ds:uri="http://schemas.microsoft.com/office/infopath/2007/PartnerControls"/>
-    <ds:schemaRef ds:uri="71af3243-3dd4-4a8d-8c0d-dd76da1f02a5"/>
+    <ds:schemaRef ds:uri="http://schemas.microsoft.com/sharepoint/v3/contenttype/forms"/>
   </ds:schemaRefs>
 </ds:datastoreItem>
 </file>
@@ -14803,9 +14803,11 @@
 </file>
 
 <file path=customXml/itemProps3.xml><?xml version="1.0" encoding="utf-8"?>
-<ds:datastoreItem xmlns:ds="http://schemas.openxmlformats.org/officeDocument/2006/customXml" ds:itemID="{AA3F7EDC-E5B4-4BBC-9D2A-CBE6D46C37AD}">
+<ds:datastoreItem xmlns:ds="http://schemas.openxmlformats.org/officeDocument/2006/customXml" ds:itemID="{A03EEFF0-FB57-4CB4-8BFC-DF397689E2ED}">
   <ds:schemaRefs>
-    <ds:schemaRef ds:uri="http://schemas.microsoft.com/sharepoint/v3/contenttype/forms"/>
+    <ds:schemaRef ds:uri="http://schemas.microsoft.com/office/2006/metadata/properties"/>
+    <ds:schemaRef ds:uri="http://schemas.microsoft.com/office/infopath/2007/PartnerControls"/>
+    <ds:schemaRef ds:uri="71af3243-3dd4-4a8d-8c0d-dd76da1f02a5"/>
   </ds:schemaRefs>
 </ds:datastoreItem>
 </file>
--- a/Crime Rate in relation to Weather in Atlanta.pptx
+++ b/Crime Rate in relation to Weather in Atlanta.pptx
@@ -21,6 +21,7 @@
     <p:sldId id="313" r:id="rId18"/>
     <p:sldId id="305" r:id="rId19"/>
     <p:sldId id="304" r:id="rId20"/>
+    <p:sldId id="314" r:id="rId21"/>
   </p:sldIdLst>
   <p:sldSz cx="12192000" cy="6858000"/>
   <p:notesSz cx="6858000" cy="9144000"/>
@@ -2261,10 +2262,9 @@
         <a:lstStyle/>
         <a:p>
           <a:r>
-            <a:rPr lang="en-US"/>
+            <a:rPr lang="en-US" dirty="0"/>
             <a:t>Aggravated Assault</a:t>
           </a:r>
-          <a:endParaRPr lang="en-US" dirty="0"/>
         </a:p>
       </dgm:t>
     </dgm:pt>
@@ -2298,10 +2298,9 @@
         <a:lstStyle/>
         <a:p>
           <a:r>
-            <a:rPr lang="en-US"/>
+            <a:rPr lang="en-US" dirty="0"/>
             <a:t>Auto Theft</a:t>
           </a:r>
-          <a:endParaRPr lang="en-US" dirty="0"/>
         </a:p>
       </dgm:t>
     </dgm:pt>
@@ -2371,10 +2370,9 @@
         <a:lstStyle/>
         <a:p>
           <a:r>
-            <a:rPr lang="en-US"/>
+            <a:rPr lang="en-US" dirty="0"/>
             <a:t>Residential Burglary</a:t>
           </a:r>
-          <a:endParaRPr lang="en-US" dirty="0"/>
         </a:p>
       </dgm:t>
     </dgm:pt>
@@ -2408,10 +2406,9 @@
         <a:lstStyle/>
         <a:p>
           <a:r>
-            <a:rPr lang="en-US"/>
+            <a:rPr lang="en-US" dirty="0"/>
             <a:t>Homicide</a:t>
           </a:r>
-          <a:endParaRPr lang="en-US" dirty="0"/>
         </a:p>
       </dgm:t>
     </dgm:pt>
@@ -2445,10 +2442,9 @@
         <a:lstStyle/>
         <a:p>
           <a:r>
-            <a:rPr lang="en-US"/>
+            <a:rPr lang="en-US" dirty="0"/>
             <a:t>Vehicle Larceny</a:t>
           </a:r>
-          <a:endParaRPr lang="en-US" dirty="0"/>
         </a:p>
       </dgm:t>
     </dgm:pt>
@@ -2482,10 +2478,9 @@
         <a:lstStyle/>
         <a:p>
           <a:r>
-            <a:rPr lang="en-US"/>
+            <a:rPr lang="en-US" dirty="0"/>
             <a:t>Non-Vehicle Larceny</a:t>
           </a:r>
-          <a:endParaRPr lang="en-US" dirty="0"/>
         </a:p>
       </dgm:t>
     </dgm:pt>
@@ -2519,10 +2514,9 @@
         <a:lstStyle/>
         <a:p>
           <a:r>
-            <a:rPr lang="en-US"/>
+            <a:rPr lang="en-US" dirty="0"/>
             <a:t>Rape</a:t>
           </a:r>
-          <a:endParaRPr lang="en-US" dirty="0"/>
         </a:p>
       </dgm:t>
     </dgm:pt>
@@ -2556,10 +2550,9 @@
         <a:lstStyle/>
         <a:p>
           <a:r>
-            <a:rPr lang="en-US"/>
+            <a:rPr lang="en-US" dirty="0"/>
             <a:t>Residential Robbery</a:t>
           </a:r>
-          <a:endParaRPr lang="en-US" dirty="0"/>
         </a:p>
       </dgm:t>
     </dgm:pt>
@@ -2593,10 +2586,9 @@
         <a:lstStyle/>
         <a:p>
           <a:r>
-            <a:rPr lang="en-US"/>
+            <a:rPr lang="en-US" dirty="0"/>
             <a:t>Pedestrian Robbery</a:t>
           </a:r>
-          <a:endParaRPr lang="en-US" dirty="0"/>
         </a:p>
       </dgm:t>
     </dgm:pt>
@@ -2630,10 +2622,9 @@
         <a:lstStyle/>
         <a:p>
           <a:r>
-            <a:rPr lang="en-US"/>
+            <a:rPr lang="en-US" dirty="0"/>
             <a:t>Commercial Robbery</a:t>
           </a:r>
-          <a:endParaRPr lang="en-US" dirty="0"/>
         </a:p>
       </dgm:t>
     </dgm:pt>
@@ -4030,10 +4021,9 @@
             <a:buNone/>
           </a:pPr>
           <a:r>
-            <a:rPr lang="en-US" sz="1800" kern="1200"/>
+            <a:rPr lang="en-US" sz="1800" kern="1200" dirty="0"/>
             <a:t>Aggravated Assault</a:t>
           </a:r>
-          <a:endParaRPr lang="en-US" sz="1800" kern="1200" dirty="0"/>
         </a:p>
       </dsp:txBody>
       <dsp:txXfrm>
@@ -4108,10 +4098,9 @@
             <a:buNone/>
           </a:pPr>
           <a:r>
-            <a:rPr lang="en-US" sz="1800" kern="1200"/>
+            <a:rPr lang="en-US" sz="1800" kern="1200" dirty="0"/>
             <a:t>Auto Theft</a:t>
           </a:r>
-          <a:endParaRPr lang="en-US" sz="1800" kern="1200" dirty="0"/>
         </a:p>
       </dsp:txBody>
       <dsp:txXfrm>
@@ -4263,10 +4252,9 @@
             <a:buNone/>
           </a:pPr>
           <a:r>
-            <a:rPr lang="en-US" sz="1800" kern="1200"/>
+            <a:rPr lang="en-US" sz="1800" kern="1200" dirty="0"/>
             <a:t>Residential Burglary</a:t>
           </a:r>
-          <a:endParaRPr lang="en-US" sz="1800" kern="1200" dirty="0"/>
         </a:p>
       </dsp:txBody>
       <dsp:txXfrm>
@@ -4341,10 +4329,9 @@
             <a:buNone/>
           </a:pPr>
           <a:r>
-            <a:rPr lang="en-US" sz="1800" kern="1200"/>
+            <a:rPr lang="en-US" sz="1800" kern="1200" dirty="0"/>
             <a:t>Homicide</a:t>
           </a:r>
-          <a:endParaRPr lang="en-US" sz="1800" kern="1200" dirty="0"/>
         </a:p>
       </dsp:txBody>
       <dsp:txXfrm>
@@ -4419,10 +4406,9 @@
             <a:buNone/>
           </a:pPr>
           <a:r>
-            <a:rPr lang="en-US" sz="1800" kern="1200"/>
+            <a:rPr lang="en-US" sz="1800" kern="1200" dirty="0"/>
             <a:t>Vehicle Larceny</a:t>
           </a:r>
-          <a:endParaRPr lang="en-US" sz="1800" kern="1200" dirty="0"/>
         </a:p>
       </dsp:txBody>
       <dsp:txXfrm>
@@ -4497,10 +4483,9 @@
             <a:buNone/>
           </a:pPr>
           <a:r>
-            <a:rPr lang="en-US" sz="1800" kern="1200"/>
+            <a:rPr lang="en-US" sz="1800" kern="1200" dirty="0"/>
             <a:t>Non-Vehicle Larceny</a:t>
           </a:r>
-          <a:endParaRPr lang="en-US" sz="1800" kern="1200" dirty="0"/>
         </a:p>
       </dsp:txBody>
       <dsp:txXfrm>
@@ -4575,10 +4560,9 @@
             <a:buNone/>
           </a:pPr>
           <a:r>
-            <a:rPr lang="en-US" sz="1800" kern="1200"/>
+            <a:rPr lang="en-US" sz="1800" kern="1200" dirty="0"/>
             <a:t>Rape</a:t>
           </a:r>
-          <a:endParaRPr lang="en-US" sz="1800" kern="1200" dirty="0"/>
         </a:p>
       </dsp:txBody>
       <dsp:txXfrm>
@@ -4653,10 +4637,9 @@
             <a:buNone/>
           </a:pPr>
           <a:r>
-            <a:rPr lang="en-US" sz="1800" kern="1200"/>
+            <a:rPr lang="en-US" sz="1800" kern="1200" dirty="0"/>
             <a:t>Residential Robbery</a:t>
           </a:r>
-          <a:endParaRPr lang="en-US" sz="1800" kern="1200" dirty="0"/>
         </a:p>
       </dsp:txBody>
       <dsp:txXfrm>
@@ -4731,10 +4714,9 @@
             <a:buNone/>
           </a:pPr>
           <a:r>
-            <a:rPr lang="en-US" sz="1800" kern="1200"/>
+            <a:rPr lang="en-US" sz="1800" kern="1200" dirty="0"/>
             <a:t>Pedestrian Robbery</a:t>
           </a:r>
-          <a:endParaRPr lang="en-US" sz="1800" kern="1200" dirty="0"/>
         </a:p>
       </dsp:txBody>
       <dsp:txXfrm>
@@ -4809,10 +4791,9 @@
             <a:buNone/>
           </a:pPr>
           <a:r>
-            <a:rPr lang="en-US" sz="1800" kern="1200"/>
+            <a:rPr lang="en-US" sz="1800" kern="1200" dirty="0"/>
             <a:t>Commercial Robbery</a:t>
           </a:r>
-          <a:endParaRPr lang="en-US" sz="1800" kern="1200" dirty="0"/>
         </a:p>
       </dsp:txBody>
       <dsp:txXfrm>
@@ -11073,6 +11054,84 @@
   <p:clrMapOvr>
     <a:overrideClrMapping bg1="dk1" tx1="lt1" bg2="dk2" tx2="lt2" accent1="accent1" accent2="accent2" accent3="accent3" accent4="accent4" accent5="accent5" accent6="accent6" hlink="hlink" folHlink="folHlink"/>
   </p:clrMapOvr>
+  <p:timing>
+    <p:tnLst>
+      <p:par>
+        <p:cTn id="1" dur="indefinite" restart="never" nodeType="tmRoot">
+          <p:childTnLst>
+            <p:seq concurrent="1" nextAc="seek">
+              <p:cTn id="2" dur="indefinite" nodeType="mainSeq">
+                <p:childTnLst>
+                  <p:par>
+                    <p:cTn id="3" fill="hold">
+                      <p:stCondLst>
+                        <p:cond delay="indefinite"/>
+                      </p:stCondLst>
+                      <p:childTnLst>
+                        <p:par>
+                          <p:cTn id="4" fill="hold">
+                            <p:stCondLst>
+                              <p:cond delay="0"/>
+                            </p:stCondLst>
+                            <p:childTnLst>
+                              <p:par>
+                                <p:cTn id="5" presetID="1" presetClass="entr" presetSubtype="0" fill="hold" grpId="0" nodeType="clickEffect">
+                                  <p:stCondLst>
+                                    <p:cond delay="0"/>
+                                  </p:stCondLst>
+                                  <p:childTnLst>
+                                    <p:set>
+                                      <p:cBhvr>
+                                        <p:cTn id="6" dur="1" fill="hold">
+                                          <p:stCondLst>
+                                            <p:cond delay="0"/>
+                                          </p:stCondLst>
+                                        </p:cTn>
+                                        <p:tgtEl>
+                                          <p:spTgt spid="2"/>
+                                        </p:tgtEl>
+                                        <p:attrNameLst>
+                                          <p:attrName>style.visibility</p:attrName>
+                                        </p:attrNameLst>
+                                      </p:cBhvr>
+                                      <p:to>
+                                        <p:strVal val="visible"/>
+                                      </p:to>
+                                    </p:set>
+                                  </p:childTnLst>
+                                </p:cTn>
+                              </p:par>
+                            </p:childTnLst>
+                          </p:cTn>
+                        </p:par>
+                      </p:childTnLst>
+                    </p:cTn>
+                  </p:par>
+                </p:childTnLst>
+              </p:cTn>
+              <p:prevCondLst>
+                <p:cond evt="onPrev" delay="0">
+                  <p:tgtEl>
+                    <p:sldTgt/>
+                  </p:tgtEl>
+                </p:cond>
+              </p:prevCondLst>
+              <p:nextCondLst>
+                <p:cond evt="onNext" delay="0">
+                  <p:tgtEl>
+                    <p:sldTgt/>
+                  </p:tgtEl>
+                </p:cond>
+              </p:nextCondLst>
+            </p:seq>
+          </p:childTnLst>
+        </p:cTn>
+      </p:par>
+    </p:tnLst>
+    <p:bldLst>
+      <p:bldP spid="2" grpId="0"/>
+    </p:bldLst>
+  </p:timing>
 </p:sld>
 </file>
 
@@ -11123,10 +11182,39 @@
       </p:sp>
       <p:pic>
         <p:nvPicPr>
-          <p:cNvPr id="11" name="Content Placeholder 7" descr="Chart, bar chart&#10;&#10;Description automatically generated">
+          <p:cNvPr id="6" name="Content Placeholder 5" descr="Chart&#10;&#10;Description automatically generated">
             <a:extLst>
               <a:ext uri="{FF2B5EF4-FFF2-40B4-BE49-F238E27FC236}">
-                <a16:creationId xmlns:a16="http://schemas.microsoft.com/office/drawing/2014/main" id="{B2E4B813-B4E6-9B4D-D54F-B73537EF2918}"/>
+                <a16:creationId xmlns:a16="http://schemas.microsoft.com/office/drawing/2014/main" id="{F3CE8342-BE87-83F9-21D6-4DE3AE59B5A5}"/>
+              </a:ext>
+            </a:extLst>
+          </p:cNvPr>
+          <p:cNvPicPr>
+            <a:picLocks noGrp="1" noChangeAspect="1"/>
+          </p:cNvPicPr>
+          <p:nvPr>
+            <p:ph sz="half" idx="1"/>
+          </p:nvPr>
+        </p:nvPicPr>
+        <p:blipFill>
+          <a:blip r:embed="rId2"/>
+          <a:stretch>
+            <a:fillRect/>
+          </a:stretch>
+        </p:blipFill>
+        <p:spPr>
+          <a:xfrm>
+            <a:off x="1096963" y="2172167"/>
+            <a:ext cx="4640262" cy="3645553"/>
+          </a:xfrm>
+        </p:spPr>
+      </p:pic>
+      <p:pic>
+        <p:nvPicPr>
+          <p:cNvPr id="10" name="Content Placeholder 9" descr="Chart, bar chart&#10;&#10;Description automatically generated">
+            <a:extLst>
+              <a:ext uri="{FF2B5EF4-FFF2-40B4-BE49-F238E27FC236}">
+                <a16:creationId xmlns:a16="http://schemas.microsoft.com/office/drawing/2014/main" id="{164EC37F-B41A-FEE4-B7A7-2F2335734328}"/>
               </a:ext>
             </a:extLst>
           </p:cNvPr>
@@ -11138,35 +11226,6 @@
           </p:nvPr>
         </p:nvPicPr>
         <p:blipFill>
-          <a:blip r:embed="rId2"/>
-          <a:stretch>
-            <a:fillRect/>
-          </a:stretch>
-        </p:blipFill>
-        <p:spPr>
-          <a:xfrm>
-            <a:off x="6516688" y="2221939"/>
-            <a:ext cx="4638675" cy="3546009"/>
-          </a:xfrm>
-        </p:spPr>
-      </p:pic>
-      <p:pic>
-        <p:nvPicPr>
-          <p:cNvPr id="12" name="Content Placeholder 11" descr="Chart&#10;&#10;Description automatically generated">
-            <a:extLst>
-              <a:ext uri="{FF2B5EF4-FFF2-40B4-BE49-F238E27FC236}">
-                <a16:creationId xmlns:a16="http://schemas.microsoft.com/office/drawing/2014/main" id="{07638EBC-827A-78DA-6E93-4F62C8CF9070}"/>
-              </a:ext>
-            </a:extLst>
-          </p:cNvPr>
-          <p:cNvPicPr>
-            <a:picLocks noGrp="1" noChangeAspect="1"/>
-          </p:cNvPicPr>
-          <p:nvPr>
-            <p:ph sz="half" idx="1"/>
-          </p:nvPr>
-        </p:nvPicPr>
-        <p:blipFill>
           <a:blip r:embed="rId3"/>
           <a:stretch>
             <a:fillRect/>
@@ -11174,12 +11233,9 @@
         </p:blipFill>
         <p:spPr>
           <a:xfrm>
-            <a:off x="1096963" y="2221333"/>
-            <a:ext cx="4640262" cy="3547222"/>
+            <a:off x="6516688" y="2172790"/>
+            <a:ext cx="4638675" cy="3644307"/>
           </a:xfrm>
-          <a:prstGeom prst="rect">
-            <a:avLst/>
-          </a:prstGeom>
         </p:spPr>
       </p:pic>
     </p:spTree>
@@ -11192,6 +11248,174 @@
   <p:clrMapOvr>
     <a:masterClrMapping/>
   </p:clrMapOvr>
+  <p:timing>
+    <p:tnLst>
+      <p:par>
+        <p:cTn id="1" dur="indefinite" restart="never" nodeType="tmRoot">
+          <p:childTnLst>
+            <p:seq concurrent="1" nextAc="seek">
+              <p:cTn id="2" dur="indefinite" nodeType="mainSeq">
+                <p:childTnLst>
+                  <p:par>
+                    <p:cTn id="3" fill="hold">
+                      <p:stCondLst>
+                        <p:cond delay="indefinite"/>
+                      </p:stCondLst>
+                      <p:childTnLst>
+                        <p:par>
+                          <p:cTn id="4" fill="hold">
+                            <p:stCondLst>
+                              <p:cond delay="0"/>
+                            </p:stCondLst>
+                            <p:childTnLst>
+                              <p:par>
+                                <p:cTn id="5" presetID="1" presetClass="entr" presetSubtype="0" fill="hold" grpId="0" nodeType="clickEffect">
+                                  <p:stCondLst>
+                                    <p:cond delay="0"/>
+                                  </p:stCondLst>
+                                  <p:childTnLst>
+                                    <p:set>
+                                      <p:cBhvr>
+                                        <p:cTn id="6" dur="1" fill="hold">
+                                          <p:stCondLst>
+                                            <p:cond delay="0"/>
+                                          </p:stCondLst>
+                                        </p:cTn>
+                                        <p:tgtEl>
+                                          <p:spTgt spid="5"/>
+                                        </p:tgtEl>
+                                        <p:attrNameLst>
+                                          <p:attrName>style.visibility</p:attrName>
+                                        </p:attrNameLst>
+                                      </p:cBhvr>
+                                      <p:to>
+                                        <p:strVal val="visible"/>
+                                      </p:to>
+                                    </p:set>
+                                  </p:childTnLst>
+                                </p:cTn>
+                              </p:par>
+                            </p:childTnLst>
+                          </p:cTn>
+                        </p:par>
+                      </p:childTnLst>
+                    </p:cTn>
+                  </p:par>
+                  <p:par>
+                    <p:cTn id="7" fill="hold">
+                      <p:stCondLst>
+                        <p:cond delay="indefinite"/>
+                      </p:stCondLst>
+                      <p:childTnLst>
+                        <p:par>
+                          <p:cTn id="8" fill="hold">
+                            <p:stCondLst>
+                              <p:cond delay="0"/>
+                            </p:stCondLst>
+                            <p:childTnLst>
+                              <p:par>
+                                <p:cTn id="9" presetID="1" presetClass="entr" presetSubtype="0" fill="hold" nodeType="clickEffect">
+                                  <p:stCondLst>
+                                    <p:cond delay="0"/>
+                                  </p:stCondLst>
+                                  <p:childTnLst>
+                                    <p:set>
+                                      <p:cBhvr>
+                                        <p:cTn id="10" dur="1" fill="hold">
+                                          <p:stCondLst>
+                                            <p:cond delay="0"/>
+                                          </p:stCondLst>
+                                        </p:cTn>
+                                        <p:tgtEl>
+                                          <p:spTgt spid="6"/>
+                                        </p:tgtEl>
+                                        <p:attrNameLst>
+                                          <p:attrName>style.visibility</p:attrName>
+                                        </p:attrNameLst>
+                                      </p:cBhvr>
+                                      <p:to>
+                                        <p:strVal val="visible"/>
+                                      </p:to>
+                                    </p:set>
+                                  </p:childTnLst>
+                                </p:cTn>
+                              </p:par>
+                            </p:childTnLst>
+                          </p:cTn>
+                        </p:par>
+                      </p:childTnLst>
+                    </p:cTn>
+                  </p:par>
+                  <p:par>
+                    <p:cTn id="11" fill="hold">
+                      <p:stCondLst>
+                        <p:cond delay="indefinite"/>
+                      </p:stCondLst>
+                      <p:childTnLst>
+                        <p:par>
+                          <p:cTn id="12" fill="hold">
+                            <p:stCondLst>
+                              <p:cond delay="0"/>
+                            </p:stCondLst>
+                            <p:childTnLst>
+                              <p:par>
+                                <p:cTn id="13" presetID="1" presetClass="entr" presetSubtype="0" fill="hold" nodeType="clickEffect">
+                                  <p:stCondLst>
+                                    <p:cond delay="0"/>
+                                  </p:stCondLst>
+                                  <p:childTnLst>
+                                    <p:set>
+                                      <p:cBhvr>
+                                        <p:cTn id="14" dur="1" fill="hold">
+                                          <p:stCondLst>
+                                            <p:cond delay="0"/>
+                                          </p:stCondLst>
+                                        </p:cTn>
+                                        <p:tgtEl>
+                                          <p:spTgt spid="10"/>
+                                        </p:tgtEl>
+                                        <p:attrNameLst>
+                                          <p:attrName>style.visibility</p:attrName>
+                                        </p:attrNameLst>
+                                      </p:cBhvr>
+                                      <p:to>
+                                        <p:strVal val="visible"/>
+                                      </p:to>
+                                    </p:set>
+                                  </p:childTnLst>
+                                </p:cTn>
+                              </p:par>
+                            </p:childTnLst>
+                          </p:cTn>
+                        </p:par>
+                      </p:childTnLst>
+                    </p:cTn>
+                  </p:par>
+                </p:childTnLst>
+              </p:cTn>
+              <p:prevCondLst>
+                <p:cond evt="onPrev" delay="0">
+                  <p:tgtEl>
+                    <p:sldTgt/>
+                  </p:tgtEl>
+                </p:cond>
+              </p:prevCondLst>
+              <p:nextCondLst>
+                <p:cond evt="onNext" delay="0">
+                  <p:tgtEl>
+                    <p:sldTgt/>
+                  </p:tgtEl>
+                </p:cond>
+              </p:nextCondLst>
+            </p:seq>
+          </p:childTnLst>
+        </p:cTn>
+      </p:par>
+    </p:tnLst>
+    <p:bldLst>
+      <p:bldP spid="5" grpId="0"/>
+    </p:bldLst>
+  </p:timing>
 </p:sld>
 </file>
 
@@ -11240,12 +11464,101 @@
           </a:p>
         </p:txBody>
       </p:sp>
+      <p:sp>
+        <p:nvSpPr>
+          <p:cNvPr id="4" name="Text Placeholder 3">
+            <a:extLst>
+              <a:ext uri="{FF2B5EF4-FFF2-40B4-BE49-F238E27FC236}">
+                <a16:creationId xmlns:a16="http://schemas.microsoft.com/office/drawing/2014/main" id="{DF065815-525C-633E-CEBF-8E0BA14E009A}"/>
+              </a:ext>
+            </a:extLst>
+          </p:cNvPr>
+          <p:cNvSpPr>
+            <a:spLocks noGrp="1"/>
+          </p:cNvSpPr>
+          <p:nvPr>
+            <p:ph type="body" sz="half" idx="2"/>
+          </p:nvPr>
+        </p:nvSpPr>
+        <p:spPr/>
+        <p:txBody>
+          <a:bodyPr>
+            <a:normAutofit fontScale="92500" lnSpcReduction="10000"/>
+          </a:bodyPr>
+          <a:lstStyle/>
+          <a:p>
+            <a:pPr marL="285750" indent="-285750">
+              <a:buFont typeface="Arial" panose="020B0604020202020204" pitchFamily="34" charset="0"/>
+              <a:buChar char="•"/>
+            </a:pPr>
+            <a:r>
+              <a:rPr lang="en-US" dirty="0"/>
+              <a:t>During third quarter moon, dip in crime</a:t>
+            </a:r>
+          </a:p>
+          <a:p>
+            <a:pPr marL="285750" indent="-285750">
+              <a:buFont typeface="Arial" panose="020B0604020202020204" pitchFamily="34" charset="0"/>
+              <a:buChar char="•"/>
+            </a:pPr>
+            <a:r>
+              <a:rPr lang="en-US" dirty="0"/>
+              <a:t>All other moon phases show similar crime rates.</a:t>
+            </a:r>
+          </a:p>
+          <a:p>
+            <a:pPr marL="285750" indent="-285750">
+              <a:buFont typeface="Arial" panose="020B0604020202020204" pitchFamily="34" charset="0"/>
+              <a:buChar char="•"/>
+            </a:pPr>
+            <a:r>
+              <a:rPr lang="en-US" dirty="0"/>
+              <a:t>We can conclude that less crime occur during the third quarter but no increase in crimes during full moon</a:t>
+            </a:r>
+          </a:p>
+          <a:p>
+            <a:pPr marL="742950" lvl="1" indent="-285750">
+              <a:buFont typeface="Arial" panose="020B0604020202020204" pitchFamily="34" charset="0"/>
+              <a:buChar char="•"/>
+            </a:pPr>
+            <a:r>
+              <a:rPr lang="en-US" dirty="0">
+                <a:solidFill>
+                  <a:schemeClr val="bg1"/>
+                </a:solidFill>
+              </a:rPr>
+              <a:t>Correlation does not equal causation!</a:t>
+            </a:r>
+          </a:p>
+          <a:p>
+            <a:pPr marL="742950" lvl="1" indent="-285750">
+              <a:buFont typeface="Arial" panose="020B0604020202020204" pitchFamily="34" charset="0"/>
+              <a:buChar char="•"/>
+            </a:pPr>
+            <a:r>
+              <a:rPr lang="en-US" dirty="0">
+                <a:solidFill>
+                  <a:schemeClr val="bg1"/>
+                </a:solidFill>
+              </a:rPr>
+              <a:t>Only two 2 days in the whole year!</a:t>
+            </a:r>
+          </a:p>
+          <a:p>
+            <a:pPr marL="285750" indent="-285750">
+              <a:buFont typeface="Arial" panose="020B0604020202020204" pitchFamily="34" charset="0"/>
+              <a:buChar char="•"/>
+            </a:pPr>
+            <a:endParaRPr lang="en-US" dirty="0"/>
+          </a:p>
+        </p:txBody>
+      </p:sp>
       <p:pic>
         <p:nvPicPr>
-          <p:cNvPr id="6" name="Content Placeholder 5" descr="Shape&#10;&#10;Description automatically generated with low confidence">
+          <p:cNvPr id="9" name="Content Placeholder 8" descr="Chart, line chart&#10;&#10;Description automatically generated">
             <a:extLst>
               <a:ext uri="{FF2B5EF4-FFF2-40B4-BE49-F238E27FC236}">
-                <a16:creationId xmlns:a16="http://schemas.microsoft.com/office/drawing/2014/main" id="{D58FF076-9533-5F16-DA5C-FAA6D5D3365A}"/>
+                <a16:creationId xmlns:a16="http://schemas.microsoft.com/office/drawing/2014/main" id="{FC0A8973-F25C-2E86-C350-01879BEB2255}"/>
               </a:ext>
             </a:extLst>
           </p:cNvPr>
@@ -11264,45 +11577,11 @@
         </p:blipFill>
         <p:spPr>
           <a:xfrm>
-            <a:off x="5997879" y="1218686"/>
-            <a:ext cx="4850793" cy="4482540"/>
+            <a:off x="5459413" y="1126875"/>
+            <a:ext cx="5927725" cy="4666162"/>
           </a:xfrm>
         </p:spPr>
       </p:pic>
-      <p:sp>
-        <p:nvSpPr>
-          <p:cNvPr id="4" name="Text Placeholder 3">
-            <a:extLst>
-              <a:ext uri="{FF2B5EF4-FFF2-40B4-BE49-F238E27FC236}">
-                <a16:creationId xmlns:a16="http://schemas.microsoft.com/office/drawing/2014/main" id="{DF065815-525C-633E-CEBF-8E0BA14E009A}"/>
-              </a:ext>
-            </a:extLst>
-          </p:cNvPr>
-          <p:cNvSpPr>
-            <a:spLocks noGrp="1"/>
-          </p:cNvSpPr>
-          <p:nvPr>
-            <p:ph type="body" sz="half" idx="2"/>
-          </p:nvPr>
-        </p:nvSpPr>
-        <p:spPr/>
-        <p:txBody>
-          <a:bodyPr/>
-          <a:lstStyle/>
-          <a:p>
-            <a:r>
-              <a:rPr lang="en-US" dirty="0"/>
-              <a:t>During third quarter moon, dip in crime</a:t>
-            </a:r>
-          </a:p>
-          <a:p>
-            <a:r>
-              <a:rPr lang="en-US" dirty="0"/>
-              <a:t>We cannot conclude that Full moon has any affect on crime</a:t>
-            </a:r>
-          </a:p>
-        </p:txBody>
-      </p:sp>
     </p:spTree>
     <p:extLst>
       <p:ext uri="{BB962C8B-B14F-4D97-AF65-F5344CB8AC3E}">
@@ -11313,6 +11592,339 @@
   <p:clrMapOvr>
     <a:masterClrMapping/>
   </p:clrMapOvr>
+  <p:timing>
+    <p:tnLst>
+      <p:par>
+        <p:cTn id="1" dur="indefinite" restart="never" nodeType="tmRoot">
+          <p:childTnLst>
+            <p:seq concurrent="1" nextAc="seek">
+              <p:cTn id="2" dur="indefinite" nodeType="mainSeq">
+                <p:childTnLst>
+                  <p:par>
+                    <p:cTn id="3" fill="hold">
+                      <p:stCondLst>
+                        <p:cond delay="indefinite"/>
+                      </p:stCondLst>
+                      <p:childTnLst>
+                        <p:par>
+                          <p:cTn id="4" fill="hold">
+                            <p:stCondLst>
+                              <p:cond delay="0"/>
+                            </p:stCondLst>
+                            <p:childTnLst>
+                              <p:par>
+                                <p:cTn id="5" presetID="1" presetClass="entr" presetSubtype="0" fill="hold" grpId="0" nodeType="clickEffect">
+                                  <p:stCondLst>
+                                    <p:cond delay="0"/>
+                                  </p:stCondLst>
+                                  <p:childTnLst>
+                                    <p:set>
+                                      <p:cBhvr>
+                                        <p:cTn id="6" dur="1" fill="hold">
+                                          <p:stCondLst>
+                                            <p:cond delay="0"/>
+                                          </p:stCondLst>
+                                        </p:cTn>
+                                        <p:tgtEl>
+                                          <p:spTgt spid="2"/>
+                                        </p:tgtEl>
+                                        <p:attrNameLst>
+                                          <p:attrName>style.visibility</p:attrName>
+                                        </p:attrNameLst>
+                                      </p:cBhvr>
+                                      <p:to>
+                                        <p:strVal val="visible"/>
+                                      </p:to>
+                                    </p:set>
+                                  </p:childTnLst>
+                                </p:cTn>
+                              </p:par>
+                            </p:childTnLst>
+                          </p:cTn>
+                        </p:par>
+                      </p:childTnLst>
+                    </p:cTn>
+                  </p:par>
+                  <p:par>
+                    <p:cTn id="7" fill="hold">
+                      <p:stCondLst>
+                        <p:cond delay="indefinite"/>
+                      </p:stCondLst>
+                      <p:childTnLst>
+                        <p:par>
+                          <p:cTn id="8" fill="hold">
+                            <p:stCondLst>
+                              <p:cond delay="0"/>
+                            </p:stCondLst>
+                            <p:childTnLst>
+                              <p:par>
+                                <p:cTn id="9" presetID="1" presetClass="entr" presetSubtype="0" fill="hold" nodeType="clickEffect">
+                                  <p:stCondLst>
+                                    <p:cond delay="0"/>
+                                  </p:stCondLst>
+                                  <p:childTnLst>
+                                    <p:set>
+                                      <p:cBhvr>
+                                        <p:cTn id="10" dur="1" fill="hold">
+                                          <p:stCondLst>
+                                            <p:cond delay="0"/>
+                                          </p:stCondLst>
+                                        </p:cTn>
+                                        <p:tgtEl>
+                                          <p:spTgt spid="9"/>
+                                        </p:tgtEl>
+                                        <p:attrNameLst>
+                                          <p:attrName>style.visibility</p:attrName>
+                                        </p:attrNameLst>
+                                      </p:cBhvr>
+                                      <p:to>
+                                        <p:strVal val="visible"/>
+                                      </p:to>
+                                    </p:set>
+                                  </p:childTnLst>
+                                </p:cTn>
+                              </p:par>
+                            </p:childTnLst>
+                          </p:cTn>
+                        </p:par>
+                      </p:childTnLst>
+                    </p:cTn>
+                  </p:par>
+                  <p:par>
+                    <p:cTn id="11" fill="hold">
+                      <p:stCondLst>
+                        <p:cond delay="indefinite"/>
+                      </p:stCondLst>
+                      <p:childTnLst>
+                        <p:par>
+                          <p:cTn id="12" fill="hold">
+                            <p:stCondLst>
+                              <p:cond delay="0"/>
+                            </p:stCondLst>
+                            <p:childTnLst>
+                              <p:par>
+                                <p:cTn id="13" presetID="1" presetClass="entr" presetSubtype="0" fill="hold" grpId="0" nodeType="clickEffect">
+                                  <p:stCondLst>
+                                    <p:cond delay="0"/>
+                                  </p:stCondLst>
+                                  <p:childTnLst>
+                                    <p:set>
+                                      <p:cBhvr>
+                                        <p:cTn id="14" dur="1" fill="hold">
+                                          <p:stCondLst>
+                                            <p:cond delay="0"/>
+                                          </p:stCondLst>
+                                        </p:cTn>
+                                        <p:tgtEl>
+                                          <p:spTgt spid="4">
+                                            <p:txEl>
+                                              <p:pRg st="0" end="0"/>
+                                            </p:txEl>
+                                          </p:spTgt>
+                                        </p:tgtEl>
+                                        <p:attrNameLst>
+                                          <p:attrName>style.visibility</p:attrName>
+                                        </p:attrNameLst>
+                                      </p:cBhvr>
+                                      <p:to>
+                                        <p:strVal val="visible"/>
+                                      </p:to>
+                                    </p:set>
+                                  </p:childTnLst>
+                                </p:cTn>
+                              </p:par>
+                            </p:childTnLst>
+                          </p:cTn>
+                        </p:par>
+                      </p:childTnLst>
+                    </p:cTn>
+                  </p:par>
+                  <p:par>
+                    <p:cTn id="15" fill="hold">
+                      <p:stCondLst>
+                        <p:cond delay="indefinite"/>
+                      </p:stCondLst>
+                      <p:childTnLst>
+                        <p:par>
+                          <p:cTn id="16" fill="hold">
+                            <p:stCondLst>
+                              <p:cond delay="0"/>
+                            </p:stCondLst>
+                            <p:childTnLst>
+                              <p:par>
+                                <p:cTn id="17" presetID="1" presetClass="entr" presetSubtype="0" fill="hold" grpId="0" nodeType="clickEffect">
+                                  <p:stCondLst>
+                                    <p:cond delay="0"/>
+                                  </p:stCondLst>
+                                  <p:childTnLst>
+                                    <p:set>
+                                      <p:cBhvr>
+                                        <p:cTn id="18" dur="1" fill="hold">
+                                          <p:stCondLst>
+                                            <p:cond delay="0"/>
+                                          </p:stCondLst>
+                                        </p:cTn>
+                                        <p:tgtEl>
+                                          <p:spTgt spid="4">
+                                            <p:txEl>
+                                              <p:pRg st="1" end="1"/>
+                                            </p:txEl>
+                                          </p:spTgt>
+                                        </p:tgtEl>
+                                        <p:attrNameLst>
+                                          <p:attrName>style.visibility</p:attrName>
+                                        </p:attrNameLst>
+                                      </p:cBhvr>
+                                      <p:to>
+                                        <p:strVal val="visible"/>
+                                      </p:to>
+                                    </p:set>
+                                  </p:childTnLst>
+                                </p:cTn>
+                              </p:par>
+                            </p:childTnLst>
+                          </p:cTn>
+                        </p:par>
+                      </p:childTnLst>
+                    </p:cTn>
+                  </p:par>
+                  <p:par>
+                    <p:cTn id="19" fill="hold">
+                      <p:stCondLst>
+                        <p:cond delay="indefinite"/>
+                      </p:stCondLst>
+                      <p:childTnLst>
+                        <p:par>
+                          <p:cTn id="20" fill="hold">
+                            <p:stCondLst>
+                              <p:cond delay="0"/>
+                            </p:stCondLst>
+                            <p:childTnLst>
+                              <p:par>
+                                <p:cTn id="21" presetID="1" presetClass="entr" presetSubtype="0" fill="hold" grpId="0" nodeType="clickEffect">
+                                  <p:stCondLst>
+                                    <p:cond delay="0"/>
+                                  </p:stCondLst>
+                                  <p:childTnLst>
+                                    <p:set>
+                                      <p:cBhvr>
+                                        <p:cTn id="22" dur="1" fill="hold">
+                                          <p:stCondLst>
+                                            <p:cond delay="0"/>
+                                          </p:stCondLst>
+                                        </p:cTn>
+                                        <p:tgtEl>
+                                          <p:spTgt spid="4">
+                                            <p:txEl>
+                                              <p:pRg st="2" end="2"/>
+                                            </p:txEl>
+                                          </p:spTgt>
+                                        </p:tgtEl>
+                                        <p:attrNameLst>
+                                          <p:attrName>style.visibility</p:attrName>
+                                        </p:attrNameLst>
+                                      </p:cBhvr>
+                                      <p:to>
+                                        <p:strVal val="visible"/>
+                                      </p:to>
+                                    </p:set>
+                                  </p:childTnLst>
+                                </p:cTn>
+                              </p:par>
+                              <p:par>
+                                <p:cTn id="23" presetID="1" presetClass="entr" presetSubtype="0" fill="hold" grpId="0" nodeType="withEffect">
+                                  <p:stCondLst>
+                                    <p:cond delay="0"/>
+                                  </p:stCondLst>
+                                  <p:childTnLst>
+                                    <p:set>
+                                      <p:cBhvr>
+                                        <p:cTn id="24" dur="1" fill="hold">
+                                          <p:stCondLst>
+                                            <p:cond delay="0"/>
+                                          </p:stCondLst>
+                                        </p:cTn>
+                                        <p:tgtEl>
+                                          <p:spTgt spid="4">
+                                            <p:txEl>
+                                              <p:pRg st="3" end="3"/>
+                                            </p:txEl>
+                                          </p:spTgt>
+                                        </p:tgtEl>
+                                        <p:attrNameLst>
+                                          <p:attrName>style.visibility</p:attrName>
+                                        </p:attrNameLst>
+                                      </p:cBhvr>
+                                      <p:to>
+                                        <p:strVal val="visible"/>
+                                      </p:to>
+                                    </p:set>
+                                  </p:childTnLst>
+                                </p:cTn>
+                              </p:par>
+                              <p:par>
+                                <p:cTn id="25" presetID="1" presetClass="entr" presetSubtype="0" fill="hold" grpId="0" nodeType="withEffect">
+                                  <p:stCondLst>
+                                    <p:cond delay="0"/>
+                                  </p:stCondLst>
+                                  <p:childTnLst>
+                                    <p:set>
+                                      <p:cBhvr>
+                                        <p:cTn id="26" dur="1" fill="hold">
+                                          <p:stCondLst>
+                                            <p:cond delay="0"/>
+                                          </p:stCondLst>
+                                        </p:cTn>
+                                        <p:tgtEl>
+                                          <p:spTgt spid="4">
+                                            <p:txEl>
+                                              <p:pRg st="4" end="4"/>
+                                            </p:txEl>
+                                          </p:spTgt>
+                                        </p:tgtEl>
+                                        <p:attrNameLst>
+                                          <p:attrName>style.visibility</p:attrName>
+                                        </p:attrNameLst>
+                                      </p:cBhvr>
+                                      <p:to>
+                                        <p:strVal val="visible"/>
+                                      </p:to>
+                                    </p:set>
+                                  </p:childTnLst>
+                                </p:cTn>
+                              </p:par>
+                            </p:childTnLst>
+                          </p:cTn>
+                        </p:par>
+                      </p:childTnLst>
+                    </p:cTn>
+                  </p:par>
+                </p:childTnLst>
+              </p:cTn>
+              <p:prevCondLst>
+                <p:cond evt="onPrev" delay="0">
+                  <p:tgtEl>
+                    <p:sldTgt/>
+                  </p:tgtEl>
+                </p:cond>
+              </p:prevCondLst>
+              <p:nextCondLst>
+                <p:cond evt="onNext" delay="0">
+                  <p:tgtEl>
+                    <p:sldTgt/>
+                  </p:tgtEl>
+                </p:cond>
+              </p:nextCondLst>
+            </p:seq>
+          </p:childTnLst>
+        </p:cTn>
+      </p:par>
+    </p:tnLst>
+    <p:bldLst>
+      <p:bldP spid="2" grpId="0"/>
+      <p:bldP spid="4" grpId="0" build="p"/>
+    </p:bldLst>
+  </p:timing>
 </p:sld>
 </file>
 
@@ -11361,12 +11973,141 @@
           </a:p>
         </p:txBody>
       </p:sp>
+      <p:sp>
+        <p:nvSpPr>
+          <p:cNvPr id="4" name="Text Placeholder 3">
+            <a:extLst>
+              <a:ext uri="{FF2B5EF4-FFF2-40B4-BE49-F238E27FC236}">
+                <a16:creationId xmlns:a16="http://schemas.microsoft.com/office/drawing/2014/main" id="{D489C01C-3C14-88A9-BE91-A8182FECF224}"/>
+              </a:ext>
+            </a:extLst>
+          </p:cNvPr>
+          <p:cNvSpPr>
+            <a:spLocks noGrp="1"/>
+          </p:cNvSpPr>
+          <p:nvPr>
+            <p:ph type="body" sz="half" idx="2"/>
+          </p:nvPr>
+        </p:nvSpPr>
+        <p:spPr/>
+        <p:txBody>
+          <a:bodyPr>
+            <a:normAutofit fontScale="92500" lnSpcReduction="10000"/>
+          </a:bodyPr>
+          <a:lstStyle/>
+          <a:p>
+            <a:pPr marL="285750" indent="-285750">
+              <a:buFont typeface="Arial" panose="020B0604020202020204" pitchFamily="34" charset="0"/>
+              <a:buChar char="•"/>
+            </a:pPr>
+            <a:r>
+              <a:rPr lang="en-US" dirty="0"/>
+              <a:t>Top 5 neighborhoods with highest crime volume</a:t>
+            </a:r>
+          </a:p>
+          <a:p>
+            <a:pPr marL="742950" lvl="1" indent="-285750">
+              <a:buFont typeface="Arial" panose="020B0604020202020204" pitchFamily="34" charset="0"/>
+              <a:buChar char="•"/>
+            </a:pPr>
+            <a:r>
+              <a:rPr lang="en-US" dirty="0">
+                <a:solidFill>
+                  <a:schemeClr val="bg1"/>
+                </a:solidFill>
+              </a:rPr>
+              <a:t>Downtown</a:t>
+            </a:r>
+          </a:p>
+          <a:p>
+            <a:pPr marL="742950" lvl="1" indent="-285750">
+              <a:buFont typeface="Arial" panose="020B0604020202020204" pitchFamily="34" charset="0"/>
+              <a:buChar char="•"/>
+            </a:pPr>
+            <a:r>
+              <a:rPr lang="en-US" dirty="0">
+                <a:solidFill>
+                  <a:schemeClr val="bg1"/>
+                </a:solidFill>
+              </a:rPr>
+              <a:t>Midtown</a:t>
+            </a:r>
+          </a:p>
+          <a:p>
+            <a:pPr marL="742950" lvl="1" indent="-285750">
+              <a:buFont typeface="Arial" panose="020B0604020202020204" pitchFamily="34" charset="0"/>
+              <a:buChar char="•"/>
+            </a:pPr>
+            <a:r>
+              <a:rPr lang="en-US" dirty="0">
+                <a:solidFill>
+                  <a:schemeClr val="bg1"/>
+                </a:solidFill>
+              </a:rPr>
+              <a:t>Old Fourth Ward</a:t>
+            </a:r>
+          </a:p>
+          <a:p>
+            <a:pPr marL="742950" lvl="1" indent="-285750">
+              <a:buFont typeface="Arial" panose="020B0604020202020204" pitchFamily="34" charset="0"/>
+              <a:buChar char="•"/>
+            </a:pPr>
+            <a:r>
+              <a:rPr lang="en-US" dirty="0">
+                <a:solidFill>
+                  <a:schemeClr val="bg1"/>
+                </a:solidFill>
+              </a:rPr>
+              <a:t>Vine City</a:t>
+            </a:r>
+          </a:p>
+          <a:p>
+            <a:pPr marL="742950" lvl="1" indent="-285750">
+              <a:buFont typeface="Arial" panose="020B0604020202020204" pitchFamily="34" charset="0"/>
+              <a:buChar char="•"/>
+            </a:pPr>
+            <a:r>
+              <a:rPr lang="en-US" dirty="0">
+                <a:solidFill>
+                  <a:schemeClr val="bg1"/>
+                </a:solidFill>
+              </a:rPr>
+              <a:t>West end</a:t>
+            </a:r>
+          </a:p>
+          <a:p>
+            <a:pPr marL="285750" indent="-285750">
+              <a:buFont typeface="Arial" panose="020B0604020202020204" pitchFamily="34" charset="0"/>
+              <a:buChar char="•"/>
+            </a:pPr>
+            <a:r>
+              <a:rPr lang="en-US" dirty="0">
+                <a:solidFill>
+                  <a:schemeClr val="bg1"/>
+                </a:solidFill>
+              </a:rPr>
+              <a:t>Similar to earlier over</a:t>
+            </a:r>
+            <a:r>
+              <a:rPr lang="en-US" dirty="0"/>
+              <a:t>all temperature graph with each neighborhood having a “sweet spot”</a:t>
+            </a:r>
+          </a:p>
+          <a:p>
+            <a:pPr marL="742950" lvl="1" indent="-285750">
+              <a:buFont typeface="Arial" panose="020B0604020202020204" pitchFamily="34" charset="0"/>
+              <a:buChar char="•"/>
+            </a:pPr>
+            <a:endParaRPr lang="en-US" dirty="0"/>
+          </a:p>
+        </p:txBody>
+      </p:sp>
       <p:pic>
         <p:nvPicPr>
-          <p:cNvPr id="6" name="Content Placeholder 5" descr="Chart, histogram&#10;&#10;Description automatically generated">
+          <p:cNvPr id="8" name="Content Placeholder 7" descr="Chart, bar chart, histogram&#10;&#10;Description automatically generated">
             <a:extLst>
               <a:ext uri="{FF2B5EF4-FFF2-40B4-BE49-F238E27FC236}">
-                <a16:creationId xmlns:a16="http://schemas.microsoft.com/office/drawing/2014/main" id="{7843C90E-C65D-50DE-94E8-CDD20688D9D0}"/>
+                <a16:creationId xmlns:a16="http://schemas.microsoft.com/office/drawing/2014/main" id="{ACD5E4B5-6DBC-C173-59DF-6EA4AA673FA6}"/>
               </a:ext>
             </a:extLst>
           </p:cNvPr>
@@ -11385,40 +12126,11 @@
         </p:blipFill>
         <p:spPr>
           <a:xfrm>
-            <a:off x="5459413" y="1008366"/>
-            <a:ext cx="5927725" cy="4903180"/>
+            <a:off x="5459413" y="943778"/>
+            <a:ext cx="5927725" cy="5032357"/>
           </a:xfrm>
         </p:spPr>
       </p:pic>
-      <p:sp>
-        <p:nvSpPr>
-          <p:cNvPr id="4" name="Text Placeholder 3">
-            <a:extLst>
-              <a:ext uri="{FF2B5EF4-FFF2-40B4-BE49-F238E27FC236}">
-                <a16:creationId xmlns:a16="http://schemas.microsoft.com/office/drawing/2014/main" id="{D489C01C-3C14-88A9-BE91-A8182FECF224}"/>
-              </a:ext>
-            </a:extLst>
-          </p:cNvPr>
-          <p:cNvSpPr>
-            <a:spLocks noGrp="1"/>
-          </p:cNvSpPr>
-          <p:nvPr>
-            <p:ph type="body" sz="half" idx="2"/>
-          </p:nvPr>
-        </p:nvSpPr>
-        <p:spPr/>
-        <p:txBody>
-          <a:bodyPr/>
-          <a:lstStyle/>
-          <a:p>
-            <a:pPr marL="285750" indent="-285750">
-              <a:buFont typeface="Arial" panose="020B0604020202020204" pitchFamily="34" charset="0"/>
-              <a:buChar char="•"/>
-            </a:pPr>
-            <a:endParaRPr lang="en-US" dirty="0"/>
-          </a:p>
-        </p:txBody>
-      </p:sp>
     </p:spTree>
     <p:extLst>
       <p:ext uri="{BB962C8B-B14F-4D97-AF65-F5344CB8AC3E}">
@@ -11429,6 +12141,383 @@
   <p:clrMapOvr>
     <a:masterClrMapping/>
   </p:clrMapOvr>
+  <p:timing>
+    <p:tnLst>
+      <p:par>
+        <p:cTn id="1" dur="indefinite" restart="never" nodeType="tmRoot">
+          <p:childTnLst>
+            <p:seq concurrent="1" nextAc="seek">
+              <p:cTn id="2" dur="indefinite" nodeType="mainSeq">
+                <p:childTnLst>
+                  <p:par>
+                    <p:cTn id="3" fill="hold">
+                      <p:stCondLst>
+                        <p:cond delay="indefinite"/>
+                      </p:stCondLst>
+                      <p:childTnLst>
+                        <p:par>
+                          <p:cTn id="4" fill="hold">
+                            <p:stCondLst>
+                              <p:cond delay="0"/>
+                            </p:stCondLst>
+                            <p:childTnLst>
+                              <p:par>
+                                <p:cTn id="5" presetID="1" presetClass="entr" presetSubtype="0" fill="hold" grpId="0" nodeType="clickEffect">
+                                  <p:stCondLst>
+                                    <p:cond delay="0"/>
+                                  </p:stCondLst>
+                                  <p:childTnLst>
+                                    <p:set>
+                                      <p:cBhvr>
+                                        <p:cTn id="6" dur="1" fill="hold">
+                                          <p:stCondLst>
+                                            <p:cond delay="0"/>
+                                          </p:stCondLst>
+                                        </p:cTn>
+                                        <p:tgtEl>
+                                          <p:spTgt spid="2"/>
+                                        </p:tgtEl>
+                                        <p:attrNameLst>
+                                          <p:attrName>style.visibility</p:attrName>
+                                        </p:attrNameLst>
+                                      </p:cBhvr>
+                                      <p:to>
+                                        <p:strVal val="visible"/>
+                                      </p:to>
+                                    </p:set>
+                                  </p:childTnLst>
+                                </p:cTn>
+                              </p:par>
+                            </p:childTnLst>
+                          </p:cTn>
+                        </p:par>
+                      </p:childTnLst>
+                    </p:cTn>
+                  </p:par>
+                  <p:par>
+                    <p:cTn id="7" fill="hold">
+                      <p:stCondLst>
+                        <p:cond delay="indefinite"/>
+                      </p:stCondLst>
+                      <p:childTnLst>
+                        <p:par>
+                          <p:cTn id="8" fill="hold">
+                            <p:stCondLst>
+                              <p:cond delay="0"/>
+                            </p:stCondLst>
+                            <p:childTnLst>
+                              <p:par>
+                                <p:cTn id="9" presetID="1" presetClass="entr" presetSubtype="0" fill="hold" nodeType="clickEffect">
+                                  <p:stCondLst>
+                                    <p:cond delay="0"/>
+                                  </p:stCondLst>
+                                  <p:childTnLst>
+                                    <p:set>
+                                      <p:cBhvr>
+                                        <p:cTn id="10" dur="1" fill="hold">
+                                          <p:stCondLst>
+                                            <p:cond delay="0"/>
+                                          </p:stCondLst>
+                                        </p:cTn>
+                                        <p:tgtEl>
+                                          <p:spTgt spid="8"/>
+                                        </p:tgtEl>
+                                        <p:attrNameLst>
+                                          <p:attrName>style.visibility</p:attrName>
+                                        </p:attrNameLst>
+                                      </p:cBhvr>
+                                      <p:to>
+                                        <p:strVal val="visible"/>
+                                      </p:to>
+                                    </p:set>
+                                  </p:childTnLst>
+                                </p:cTn>
+                              </p:par>
+                            </p:childTnLst>
+                          </p:cTn>
+                        </p:par>
+                      </p:childTnLst>
+                    </p:cTn>
+                  </p:par>
+                  <p:par>
+                    <p:cTn id="11" fill="hold">
+                      <p:stCondLst>
+                        <p:cond delay="indefinite"/>
+                      </p:stCondLst>
+                      <p:childTnLst>
+                        <p:par>
+                          <p:cTn id="12" fill="hold">
+                            <p:stCondLst>
+                              <p:cond delay="0"/>
+                            </p:stCondLst>
+                            <p:childTnLst>
+                              <p:par>
+                                <p:cTn id="13" presetID="1" presetClass="entr" presetSubtype="0" fill="hold" grpId="0" nodeType="clickEffect">
+                                  <p:stCondLst>
+                                    <p:cond delay="0"/>
+                                  </p:stCondLst>
+                                  <p:childTnLst>
+                                    <p:set>
+                                      <p:cBhvr>
+                                        <p:cTn id="14" dur="1" fill="hold">
+                                          <p:stCondLst>
+                                            <p:cond delay="0"/>
+                                          </p:stCondLst>
+                                        </p:cTn>
+                                        <p:tgtEl>
+                                          <p:spTgt spid="4">
+                                            <p:txEl>
+                                              <p:pRg st="0" end="0"/>
+                                            </p:txEl>
+                                          </p:spTgt>
+                                        </p:tgtEl>
+                                        <p:attrNameLst>
+                                          <p:attrName>style.visibility</p:attrName>
+                                        </p:attrNameLst>
+                                      </p:cBhvr>
+                                      <p:to>
+                                        <p:strVal val="visible"/>
+                                      </p:to>
+                                    </p:set>
+                                  </p:childTnLst>
+                                </p:cTn>
+                              </p:par>
+                              <p:par>
+                                <p:cTn id="15" presetID="1" presetClass="entr" presetSubtype="0" fill="hold" grpId="0" nodeType="withEffect">
+                                  <p:stCondLst>
+                                    <p:cond delay="0"/>
+                                  </p:stCondLst>
+                                  <p:childTnLst>
+                                    <p:set>
+                                      <p:cBhvr>
+                                        <p:cTn id="16" dur="1" fill="hold">
+                                          <p:stCondLst>
+                                            <p:cond delay="0"/>
+                                          </p:stCondLst>
+                                        </p:cTn>
+                                        <p:tgtEl>
+                                          <p:spTgt spid="4">
+                                            <p:txEl>
+                                              <p:pRg st="1" end="1"/>
+                                            </p:txEl>
+                                          </p:spTgt>
+                                        </p:tgtEl>
+                                        <p:attrNameLst>
+                                          <p:attrName>style.visibility</p:attrName>
+                                        </p:attrNameLst>
+                                      </p:cBhvr>
+                                      <p:to>
+                                        <p:strVal val="visible"/>
+                                      </p:to>
+                                    </p:set>
+                                  </p:childTnLst>
+                                </p:cTn>
+                              </p:par>
+                              <p:par>
+                                <p:cTn id="17" presetID="1" presetClass="entr" presetSubtype="0" fill="hold" grpId="0" nodeType="withEffect">
+                                  <p:stCondLst>
+                                    <p:cond delay="0"/>
+                                  </p:stCondLst>
+                                  <p:childTnLst>
+                                    <p:set>
+                                      <p:cBhvr>
+                                        <p:cTn id="18" dur="1" fill="hold">
+                                          <p:stCondLst>
+                                            <p:cond delay="0"/>
+                                          </p:stCondLst>
+                                        </p:cTn>
+                                        <p:tgtEl>
+                                          <p:spTgt spid="4">
+                                            <p:txEl>
+                                              <p:pRg st="2" end="2"/>
+                                            </p:txEl>
+                                          </p:spTgt>
+                                        </p:tgtEl>
+                                        <p:attrNameLst>
+                                          <p:attrName>style.visibility</p:attrName>
+                                        </p:attrNameLst>
+                                      </p:cBhvr>
+                                      <p:to>
+                                        <p:strVal val="visible"/>
+                                      </p:to>
+                                    </p:set>
+                                  </p:childTnLst>
+                                </p:cTn>
+                              </p:par>
+                              <p:par>
+                                <p:cTn id="19" presetID="1" presetClass="entr" presetSubtype="0" fill="hold" grpId="0" nodeType="withEffect">
+                                  <p:stCondLst>
+                                    <p:cond delay="0"/>
+                                  </p:stCondLst>
+                                  <p:childTnLst>
+                                    <p:set>
+                                      <p:cBhvr>
+                                        <p:cTn id="20" dur="1" fill="hold">
+                                          <p:stCondLst>
+                                            <p:cond delay="0"/>
+                                          </p:stCondLst>
+                                        </p:cTn>
+                                        <p:tgtEl>
+                                          <p:spTgt spid="4">
+                                            <p:txEl>
+                                              <p:pRg st="3" end="3"/>
+                                            </p:txEl>
+                                          </p:spTgt>
+                                        </p:tgtEl>
+                                        <p:attrNameLst>
+                                          <p:attrName>style.visibility</p:attrName>
+                                        </p:attrNameLst>
+                                      </p:cBhvr>
+                                      <p:to>
+                                        <p:strVal val="visible"/>
+                                      </p:to>
+                                    </p:set>
+                                  </p:childTnLst>
+                                </p:cTn>
+                              </p:par>
+                              <p:par>
+                                <p:cTn id="21" presetID="1" presetClass="entr" presetSubtype="0" fill="hold" grpId="0" nodeType="withEffect">
+                                  <p:stCondLst>
+                                    <p:cond delay="0"/>
+                                  </p:stCondLst>
+                                  <p:childTnLst>
+                                    <p:set>
+                                      <p:cBhvr>
+                                        <p:cTn id="22" dur="1" fill="hold">
+                                          <p:stCondLst>
+                                            <p:cond delay="0"/>
+                                          </p:stCondLst>
+                                        </p:cTn>
+                                        <p:tgtEl>
+                                          <p:spTgt spid="4">
+                                            <p:txEl>
+                                              <p:pRg st="4" end="4"/>
+                                            </p:txEl>
+                                          </p:spTgt>
+                                        </p:tgtEl>
+                                        <p:attrNameLst>
+                                          <p:attrName>style.visibility</p:attrName>
+                                        </p:attrNameLst>
+                                      </p:cBhvr>
+                                      <p:to>
+                                        <p:strVal val="visible"/>
+                                      </p:to>
+                                    </p:set>
+                                  </p:childTnLst>
+                                </p:cTn>
+                              </p:par>
+                              <p:par>
+                                <p:cTn id="23" presetID="1" presetClass="entr" presetSubtype="0" fill="hold" grpId="0" nodeType="withEffect">
+                                  <p:stCondLst>
+                                    <p:cond delay="0"/>
+                                  </p:stCondLst>
+                                  <p:childTnLst>
+                                    <p:set>
+                                      <p:cBhvr>
+                                        <p:cTn id="24" dur="1" fill="hold">
+                                          <p:stCondLst>
+                                            <p:cond delay="0"/>
+                                          </p:stCondLst>
+                                        </p:cTn>
+                                        <p:tgtEl>
+                                          <p:spTgt spid="4">
+                                            <p:txEl>
+                                              <p:pRg st="5" end="5"/>
+                                            </p:txEl>
+                                          </p:spTgt>
+                                        </p:tgtEl>
+                                        <p:attrNameLst>
+                                          <p:attrName>style.visibility</p:attrName>
+                                        </p:attrNameLst>
+                                      </p:cBhvr>
+                                      <p:to>
+                                        <p:strVal val="visible"/>
+                                      </p:to>
+                                    </p:set>
+                                  </p:childTnLst>
+                                </p:cTn>
+                              </p:par>
+                            </p:childTnLst>
+                          </p:cTn>
+                        </p:par>
+                      </p:childTnLst>
+                    </p:cTn>
+                  </p:par>
+                  <p:par>
+                    <p:cTn id="25" fill="hold">
+                      <p:stCondLst>
+                        <p:cond delay="indefinite"/>
+                      </p:stCondLst>
+                      <p:childTnLst>
+                        <p:par>
+                          <p:cTn id="26" fill="hold">
+                            <p:stCondLst>
+                              <p:cond delay="0"/>
+                            </p:stCondLst>
+                            <p:childTnLst>
+                              <p:par>
+                                <p:cTn id="27" presetID="1" presetClass="entr" presetSubtype="0" fill="hold" grpId="0" nodeType="clickEffect">
+                                  <p:stCondLst>
+                                    <p:cond delay="0"/>
+                                  </p:stCondLst>
+                                  <p:childTnLst>
+                                    <p:set>
+                                      <p:cBhvr>
+                                        <p:cTn id="28" dur="1" fill="hold">
+                                          <p:stCondLst>
+                                            <p:cond delay="0"/>
+                                          </p:stCondLst>
+                                        </p:cTn>
+                                        <p:tgtEl>
+                                          <p:spTgt spid="4">
+                                            <p:txEl>
+                                              <p:pRg st="6" end="6"/>
+                                            </p:txEl>
+                                          </p:spTgt>
+                                        </p:tgtEl>
+                                        <p:attrNameLst>
+                                          <p:attrName>style.visibility</p:attrName>
+                                        </p:attrNameLst>
+                                      </p:cBhvr>
+                                      <p:to>
+                                        <p:strVal val="visible"/>
+                                      </p:to>
+                                    </p:set>
+                                  </p:childTnLst>
+                                </p:cTn>
+                              </p:par>
+                            </p:childTnLst>
+                          </p:cTn>
+                        </p:par>
+                      </p:childTnLst>
+                    </p:cTn>
+                  </p:par>
+                </p:childTnLst>
+              </p:cTn>
+              <p:prevCondLst>
+                <p:cond evt="onPrev" delay="0">
+                  <p:tgtEl>
+                    <p:sldTgt/>
+                  </p:tgtEl>
+                </p:cond>
+              </p:prevCondLst>
+              <p:nextCondLst>
+                <p:cond evt="onNext" delay="0">
+                  <p:tgtEl>
+                    <p:sldTgt/>
+                  </p:tgtEl>
+                </p:cond>
+              </p:nextCondLst>
+            </p:seq>
+          </p:childTnLst>
+        </p:cTn>
+      </p:par>
+    </p:tnLst>
+    <p:bldLst>
+      <p:bldP spid="2" grpId="0"/>
+      <p:bldP spid="4" grpId="0" build="p"/>
+    </p:bldLst>
+  </p:timing>
 </p:sld>
 </file>
 
@@ -11472,7 +12561,7 @@
           <a:p>
             <a:r>
               <a:rPr lang="en-US" dirty="0"/>
-              <a:t>Predication model based on Weather</a:t>
+              <a:t>Prediction model based on Weather</a:t>
             </a:r>
           </a:p>
         </p:txBody>
@@ -11498,7 +12587,42 @@
           <a:bodyPr/>
           <a:lstStyle/>
           <a:p>
-            <a:endParaRPr lang="en-US"/>
+            <a:pPr marL="285750" indent="-285750">
+              <a:buFont typeface="Arial" panose="020B0604020202020204" pitchFamily="34" charset="0"/>
+              <a:buChar char="•"/>
+            </a:pPr>
+            <a:r>
+              <a:rPr lang="en-US" dirty="0"/>
+              <a:t>Using a regression model we can predict</a:t>
+            </a:r>
+          </a:p>
+          <a:p>
+            <a:pPr marL="742950" lvl="1" indent="-285750">
+              <a:buFont typeface="Arial" panose="020B0604020202020204" pitchFamily="34" charset="0"/>
+              <a:buChar char="•"/>
+            </a:pPr>
+            <a:r>
+              <a:rPr lang="en-US" sz="1600" dirty="0">
+                <a:solidFill>
+                  <a:schemeClr val="bg1"/>
+                </a:solidFill>
+              </a:rPr>
+              <a:t>The higher the temperature, the higher the likeliness of crimes occurring within the Atlanta area.</a:t>
+            </a:r>
+          </a:p>
+          <a:p>
+            <a:pPr marL="742950" lvl="1" indent="-285750">
+              <a:buFont typeface="Arial" panose="020B0604020202020204" pitchFamily="34" charset="0"/>
+              <a:buChar char="•"/>
+            </a:pPr>
+            <a:r>
+              <a:rPr lang="en-US" sz="1600" dirty="0">
+                <a:solidFill>
+                  <a:schemeClr val="bg1"/>
+                </a:solidFill>
+              </a:rPr>
+              <a:t>R value= .097</a:t>
+            </a:r>
           </a:p>
         </p:txBody>
       </p:sp>
@@ -11507,7 +12631,7 @@
           <p:cNvPr id="7" name="Content Placeholder 6">
             <a:extLst>
               <a:ext uri="{FF2B5EF4-FFF2-40B4-BE49-F238E27FC236}">
-                <a16:creationId xmlns:a16="http://schemas.microsoft.com/office/drawing/2014/main" id="{D9897587-4CCD-FC08-96DD-4E49B999CF5D}"/>
+                <a16:creationId xmlns:a16="http://schemas.microsoft.com/office/drawing/2014/main" id="{D9824CD5-7F79-953D-0531-8E242C86C890}"/>
               </a:ext>
             </a:extLst>
           </p:cNvPr>
@@ -11544,6 +12668,241 @@
   <p:clrMapOvr>
     <a:masterClrMapping/>
   </p:clrMapOvr>
+  <p:timing>
+    <p:tnLst>
+      <p:par>
+        <p:cTn id="1" dur="indefinite" restart="never" nodeType="tmRoot">
+          <p:childTnLst>
+            <p:seq concurrent="1" nextAc="seek">
+              <p:cTn id="2" dur="indefinite" nodeType="mainSeq">
+                <p:childTnLst>
+                  <p:par>
+                    <p:cTn id="3" fill="hold">
+                      <p:stCondLst>
+                        <p:cond delay="indefinite"/>
+                      </p:stCondLst>
+                      <p:childTnLst>
+                        <p:par>
+                          <p:cTn id="4" fill="hold">
+                            <p:stCondLst>
+                              <p:cond delay="0"/>
+                            </p:stCondLst>
+                            <p:childTnLst>
+                              <p:par>
+                                <p:cTn id="5" presetID="1" presetClass="entr" presetSubtype="0" fill="hold" nodeType="clickEffect">
+                                  <p:stCondLst>
+                                    <p:cond delay="0"/>
+                                  </p:stCondLst>
+                                  <p:childTnLst>
+                                    <p:set>
+                                      <p:cBhvr>
+                                        <p:cTn id="6" dur="1" fill="hold">
+                                          <p:stCondLst>
+                                            <p:cond delay="0"/>
+                                          </p:stCondLst>
+                                        </p:cTn>
+                                        <p:tgtEl>
+                                          <p:spTgt spid="7"/>
+                                        </p:tgtEl>
+                                        <p:attrNameLst>
+                                          <p:attrName>style.visibility</p:attrName>
+                                        </p:attrNameLst>
+                                      </p:cBhvr>
+                                      <p:to>
+                                        <p:strVal val="visible"/>
+                                      </p:to>
+                                    </p:set>
+                                  </p:childTnLst>
+                                </p:cTn>
+                              </p:par>
+                            </p:childTnLst>
+                          </p:cTn>
+                        </p:par>
+                      </p:childTnLst>
+                    </p:cTn>
+                  </p:par>
+                  <p:par>
+                    <p:cTn id="7" fill="hold">
+                      <p:stCondLst>
+                        <p:cond delay="indefinite"/>
+                      </p:stCondLst>
+                      <p:childTnLst>
+                        <p:par>
+                          <p:cTn id="8" fill="hold">
+                            <p:stCondLst>
+                              <p:cond delay="0"/>
+                            </p:stCondLst>
+                            <p:childTnLst>
+                              <p:par>
+                                <p:cTn id="9" presetID="1" presetClass="entr" presetSubtype="0" fill="hold" grpId="0" nodeType="clickEffect">
+                                  <p:stCondLst>
+                                    <p:cond delay="0"/>
+                                  </p:stCondLst>
+                                  <p:childTnLst>
+                                    <p:set>
+                                      <p:cBhvr>
+                                        <p:cTn id="10" dur="1" fill="hold">
+                                          <p:stCondLst>
+                                            <p:cond delay="0"/>
+                                          </p:stCondLst>
+                                        </p:cTn>
+                                        <p:tgtEl>
+                                          <p:spTgt spid="2"/>
+                                        </p:tgtEl>
+                                        <p:attrNameLst>
+                                          <p:attrName>style.visibility</p:attrName>
+                                        </p:attrNameLst>
+                                      </p:cBhvr>
+                                      <p:to>
+                                        <p:strVal val="visible"/>
+                                      </p:to>
+                                    </p:set>
+                                  </p:childTnLst>
+                                </p:cTn>
+                              </p:par>
+                            </p:childTnLst>
+                          </p:cTn>
+                        </p:par>
+                      </p:childTnLst>
+                    </p:cTn>
+                  </p:par>
+                  <p:par>
+                    <p:cTn id="11" fill="hold">
+                      <p:stCondLst>
+                        <p:cond delay="indefinite"/>
+                      </p:stCondLst>
+                      <p:childTnLst>
+                        <p:par>
+                          <p:cTn id="12" fill="hold">
+                            <p:stCondLst>
+                              <p:cond delay="0"/>
+                            </p:stCondLst>
+                            <p:childTnLst>
+                              <p:par>
+                                <p:cTn id="13" presetID="1" presetClass="entr" presetSubtype="0" fill="hold" grpId="0" nodeType="clickEffect">
+                                  <p:stCondLst>
+                                    <p:cond delay="0"/>
+                                  </p:stCondLst>
+                                  <p:childTnLst>
+                                    <p:set>
+                                      <p:cBhvr>
+                                        <p:cTn id="14" dur="1" fill="hold">
+                                          <p:stCondLst>
+                                            <p:cond delay="0"/>
+                                          </p:stCondLst>
+                                        </p:cTn>
+                                        <p:tgtEl>
+                                          <p:spTgt spid="4">
+                                            <p:txEl>
+                                              <p:pRg st="0" end="0"/>
+                                            </p:txEl>
+                                          </p:spTgt>
+                                        </p:tgtEl>
+                                        <p:attrNameLst>
+                                          <p:attrName>style.visibility</p:attrName>
+                                        </p:attrNameLst>
+                                      </p:cBhvr>
+                                      <p:to>
+                                        <p:strVal val="visible"/>
+                                      </p:to>
+                                    </p:set>
+                                  </p:childTnLst>
+                                </p:cTn>
+                              </p:par>
+                              <p:par>
+                                <p:cTn id="15" presetID="1" presetClass="entr" presetSubtype="0" fill="hold" grpId="0" nodeType="withEffect">
+                                  <p:stCondLst>
+                                    <p:cond delay="0"/>
+                                  </p:stCondLst>
+                                  <p:childTnLst>
+                                    <p:set>
+                                      <p:cBhvr>
+                                        <p:cTn id="16" dur="1" fill="hold">
+                                          <p:stCondLst>
+                                            <p:cond delay="0"/>
+                                          </p:stCondLst>
+                                        </p:cTn>
+                                        <p:tgtEl>
+                                          <p:spTgt spid="4">
+                                            <p:txEl>
+                                              <p:pRg st="1" end="1"/>
+                                            </p:txEl>
+                                          </p:spTgt>
+                                        </p:tgtEl>
+                                        <p:attrNameLst>
+                                          <p:attrName>style.visibility</p:attrName>
+                                        </p:attrNameLst>
+                                      </p:cBhvr>
+                                      <p:to>
+                                        <p:strVal val="visible"/>
+                                      </p:to>
+                                    </p:set>
+                                  </p:childTnLst>
+                                </p:cTn>
+                              </p:par>
+                              <p:par>
+                                <p:cTn id="17" presetID="1" presetClass="entr" presetSubtype="0" fill="hold" grpId="0" nodeType="withEffect">
+                                  <p:stCondLst>
+                                    <p:cond delay="0"/>
+                                  </p:stCondLst>
+                                  <p:childTnLst>
+                                    <p:set>
+                                      <p:cBhvr>
+                                        <p:cTn id="18" dur="1" fill="hold">
+                                          <p:stCondLst>
+                                            <p:cond delay="0"/>
+                                          </p:stCondLst>
+                                        </p:cTn>
+                                        <p:tgtEl>
+                                          <p:spTgt spid="4">
+                                            <p:txEl>
+                                              <p:pRg st="2" end="2"/>
+                                            </p:txEl>
+                                          </p:spTgt>
+                                        </p:tgtEl>
+                                        <p:attrNameLst>
+                                          <p:attrName>style.visibility</p:attrName>
+                                        </p:attrNameLst>
+                                      </p:cBhvr>
+                                      <p:to>
+                                        <p:strVal val="visible"/>
+                                      </p:to>
+                                    </p:set>
+                                  </p:childTnLst>
+                                </p:cTn>
+                              </p:par>
+                            </p:childTnLst>
+                          </p:cTn>
+                        </p:par>
+                      </p:childTnLst>
+                    </p:cTn>
+                  </p:par>
+                </p:childTnLst>
+              </p:cTn>
+              <p:prevCondLst>
+                <p:cond evt="onPrev" delay="0">
+                  <p:tgtEl>
+                    <p:sldTgt/>
+                  </p:tgtEl>
+                </p:cond>
+              </p:prevCondLst>
+              <p:nextCondLst>
+                <p:cond evt="onNext" delay="0">
+                  <p:tgtEl>
+                    <p:sldTgt/>
+                  </p:tgtEl>
+                </p:cond>
+              </p:nextCondLst>
+            </p:seq>
+          </p:childTnLst>
+        </p:cTn>
+      </p:par>
+    </p:tnLst>
+    <p:bldLst>
+      <p:bldP spid="2" grpId="0"/>
+      <p:bldP spid="4" grpId="0" build="p"/>
+    </p:bldLst>
+  </p:timing>
 </p:sld>
 </file>
 
@@ -11642,7 +13001,69 @@
           <a:bodyPr/>
           <a:lstStyle/>
           <a:p>
-            <a:endParaRPr lang="en-US"/>
+            <a:pPr marL="285750" indent="-285750">
+              <a:buFont typeface="Arial" panose="020B0604020202020204" pitchFamily="34" charset="0"/>
+              <a:buChar char="•"/>
+            </a:pPr>
+            <a:r>
+              <a:rPr lang="en-US" dirty="0"/>
+              <a:t>Using a regression model based on precipitation we can predict:</a:t>
+            </a:r>
+          </a:p>
+          <a:p>
+            <a:pPr marL="742950" lvl="1" indent="-285750">
+              <a:buFont typeface="Arial" panose="020B0604020202020204" pitchFamily="34" charset="0"/>
+              <a:buChar char="•"/>
+            </a:pPr>
+            <a:r>
+              <a:rPr lang="en-US" sz="1600" dirty="0">
+                <a:solidFill>
+                  <a:schemeClr val="bg1"/>
+                </a:solidFill>
+              </a:rPr>
+              <a:t>The less precipitation, the higher the occurrence of crime and vice versa.</a:t>
+            </a:r>
+          </a:p>
+          <a:p>
+            <a:pPr marL="742950" lvl="1" indent="-285750">
+              <a:buFont typeface="Arial" panose="020B0604020202020204" pitchFamily="34" charset="0"/>
+              <a:buChar char="•"/>
+            </a:pPr>
+            <a:r>
+              <a:rPr lang="en-US" sz="1600" dirty="0">
+                <a:solidFill>
+                  <a:schemeClr val="bg1"/>
+                </a:solidFill>
+              </a:rPr>
+              <a:t>R value = .160</a:t>
+            </a:r>
+          </a:p>
+          <a:p>
+            <a:pPr marL="742950" lvl="1" indent="-285750">
+              <a:buFont typeface="Arial" panose="020B0604020202020204" pitchFamily="34" charset="0"/>
+              <a:buChar char="•"/>
+            </a:pPr>
+            <a:r>
+              <a:rPr lang="en-US" sz="1600" dirty="0">
+                <a:solidFill>
+                  <a:schemeClr val="bg1"/>
+                </a:solidFill>
+              </a:rPr>
+              <a:t>Zero values </a:t>
+            </a:r>
+            <a:r>
+              <a:rPr lang="en-US" sz="1600">
+                <a:solidFill>
+                  <a:schemeClr val="bg1"/>
+                </a:solidFill>
+              </a:rPr>
+              <a:t>were removed.</a:t>
+            </a:r>
+            <a:endParaRPr lang="en-US" sz="1600" dirty="0">
+              <a:solidFill>
+                <a:schemeClr val="bg1"/>
+              </a:solidFill>
+            </a:endParaRPr>
           </a:p>
         </p:txBody>
       </p:sp>
@@ -11656,12 +13077,1843 @@
   <p:clrMapOvr>
     <a:masterClrMapping/>
   </p:clrMapOvr>
+  <p:timing>
+    <p:tnLst>
+      <p:par>
+        <p:cTn id="1" dur="indefinite" restart="never" nodeType="tmRoot">
+          <p:childTnLst>
+            <p:seq concurrent="1" nextAc="seek">
+              <p:cTn id="2" dur="indefinite" nodeType="mainSeq">
+                <p:childTnLst>
+                  <p:par>
+                    <p:cTn id="3" fill="hold">
+                      <p:stCondLst>
+                        <p:cond delay="indefinite"/>
+                      </p:stCondLst>
+                      <p:childTnLst>
+                        <p:par>
+                          <p:cTn id="4" fill="hold">
+                            <p:stCondLst>
+                              <p:cond delay="0"/>
+                            </p:stCondLst>
+                            <p:childTnLst>
+                              <p:par>
+                                <p:cTn id="5" presetID="1" presetClass="entr" presetSubtype="0" fill="hold" nodeType="clickEffect">
+                                  <p:stCondLst>
+                                    <p:cond delay="0"/>
+                                  </p:stCondLst>
+                                  <p:childTnLst>
+                                    <p:set>
+                                      <p:cBhvr>
+                                        <p:cTn id="6" dur="1" fill="hold">
+                                          <p:stCondLst>
+                                            <p:cond delay="0"/>
+                                          </p:stCondLst>
+                                        </p:cTn>
+                                        <p:tgtEl>
+                                          <p:spTgt spid="6"/>
+                                        </p:tgtEl>
+                                        <p:attrNameLst>
+                                          <p:attrName>style.visibility</p:attrName>
+                                        </p:attrNameLst>
+                                      </p:cBhvr>
+                                      <p:to>
+                                        <p:strVal val="visible"/>
+                                      </p:to>
+                                    </p:set>
+                                  </p:childTnLst>
+                                </p:cTn>
+                              </p:par>
+                            </p:childTnLst>
+                          </p:cTn>
+                        </p:par>
+                      </p:childTnLst>
+                    </p:cTn>
+                  </p:par>
+                  <p:par>
+                    <p:cTn id="7" fill="hold">
+                      <p:stCondLst>
+                        <p:cond delay="indefinite"/>
+                      </p:stCondLst>
+                      <p:childTnLst>
+                        <p:par>
+                          <p:cTn id="8" fill="hold">
+                            <p:stCondLst>
+                              <p:cond delay="0"/>
+                            </p:stCondLst>
+                            <p:childTnLst>
+                              <p:par>
+                                <p:cTn id="9" presetID="1" presetClass="entr" presetSubtype="0" fill="hold" grpId="0" nodeType="clickEffect">
+                                  <p:stCondLst>
+                                    <p:cond delay="0"/>
+                                  </p:stCondLst>
+                                  <p:childTnLst>
+                                    <p:set>
+                                      <p:cBhvr>
+                                        <p:cTn id="10" dur="1" fill="hold">
+                                          <p:stCondLst>
+                                            <p:cond delay="0"/>
+                                          </p:stCondLst>
+                                        </p:cTn>
+                                        <p:tgtEl>
+                                          <p:spTgt spid="2"/>
+                                        </p:tgtEl>
+                                        <p:attrNameLst>
+                                          <p:attrName>style.visibility</p:attrName>
+                                        </p:attrNameLst>
+                                      </p:cBhvr>
+                                      <p:to>
+                                        <p:strVal val="visible"/>
+                                      </p:to>
+                                    </p:set>
+                                  </p:childTnLst>
+                                </p:cTn>
+                              </p:par>
+                            </p:childTnLst>
+                          </p:cTn>
+                        </p:par>
+                      </p:childTnLst>
+                    </p:cTn>
+                  </p:par>
+                  <p:par>
+                    <p:cTn id="11" fill="hold">
+                      <p:stCondLst>
+                        <p:cond delay="indefinite"/>
+                      </p:stCondLst>
+                      <p:childTnLst>
+                        <p:par>
+                          <p:cTn id="12" fill="hold">
+                            <p:stCondLst>
+                              <p:cond delay="0"/>
+                            </p:stCondLst>
+                            <p:childTnLst>
+                              <p:par>
+                                <p:cTn id="13" presetID="1" presetClass="entr" presetSubtype="0" fill="hold" grpId="0" nodeType="clickEffect">
+                                  <p:stCondLst>
+                                    <p:cond delay="0"/>
+                                  </p:stCondLst>
+                                  <p:childTnLst>
+                                    <p:set>
+                                      <p:cBhvr>
+                                        <p:cTn id="14" dur="1" fill="hold">
+                                          <p:stCondLst>
+                                            <p:cond delay="0"/>
+                                          </p:stCondLst>
+                                        </p:cTn>
+                                        <p:tgtEl>
+                                          <p:spTgt spid="4">
+                                            <p:txEl>
+                                              <p:pRg st="0" end="0"/>
+                                            </p:txEl>
+                                          </p:spTgt>
+                                        </p:tgtEl>
+                                        <p:attrNameLst>
+                                          <p:attrName>style.visibility</p:attrName>
+                                        </p:attrNameLst>
+                                      </p:cBhvr>
+                                      <p:to>
+                                        <p:strVal val="visible"/>
+                                      </p:to>
+                                    </p:set>
+                                  </p:childTnLst>
+                                </p:cTn>
+                              </p:par>
+                              <p:par>
+                                <p:cTn id="15" presetID="1" presetClass="entr" presetSubtype="0" fill="hold" grpId="0" nodeType="withEffect">
+                                  <p:stCondLst>
+                                    <p:cond delay="0"/>
+                                  </p:stCondLst>
+                                  <p:childTnLst>
+                                    <p:set>
+                                      <p:cBhvr>
+                                        <p:cTn id="16" dur="1" fill="hold">
+                                          <p:stCondLst>
+                                            <p:cond delay="0"/>
+                                          </p:stCondLst>
+                                        </p:cTn>
+                                        <p:tgtEl>
+                                          <p:spTgt spid="4">
+                                            <p:txEl>
+                                              <p:pRg st="1" end="1"/>
+                                            </p:txEl>
+                                          </p:spTgt>
+                                        </p:tgtEl>
+                                        <p:attrNameLst>
+                                          <p:attrName>style.visibility</p:attrName>
+                                        </p:attrNameLst>
+                                      </p:cBhvr>
+                                      <p:to>
+                                        <p:strVal val="visible"/>
+                                      </p:to>
+                                    </p:set>
+                                  </p:childTnLst>
+                                </p:cTn>
+                              </p:par>
+                              <p:par>
+                                <p:cTn id="17" presetID="1" presetClass="entr" presetSubtype="0" fill="hold" grpId="0" nodeType="withEffect">
+                                  <p:stCondLst>
+                                    <p:cond delay="0"/>
+                                  </p:stCondLst>
+                                  <p:childTnLst>
+                                    <p:set>
+                                      <p:cBhvr>
+                                        <p:cTn id="18" dur="1" fill="hold">
+                                          <p:stCondLst>
+                                            <p:cond delay="0"/>
+                                          </p:stCondLst>
+                                        </p:cTn>
+                                        <p:tgtEl>
+                                          <p:spTgt spid="4">
+                                            <p:txEl>
+                                              <p:pRg st="2" end="2"/>
+                                            </p:txEl>
+                                          </p:spTgt>
+                                        </p:tgtEl>
+                                        <p:attrNameLst>
+                                          <p:attrName>style.visibility</p:attrName>
+                                        </p:attrNameLst>
+                                      </p:cBhvr>
+                                      <p:to>
+                                        <p:strVal val="visible"/>
+                                      </p:to>
+                                    </p:set>
+                                  </p:childTnLst>
+                                </p:cTn>
+                              </p:par>
+                              <p:par>
+                                <p:cTn id="19" presetID="1" presetClass="entr" presetSubtype="0" fill="hold" grpId="0" nodeType="withEffect">
+                                  <p:stCondLst>
+                                    <p:cond delay="0"/>
+                                  </p:stCondLst>
+                                  <p:childTnLst>
+                                    <p:set>
+                                      <p:cBhvr>
+                                        <p:cTn id="20" dur="1" fill="hold">
+                                          <p:stCondLst>
+                                            <p:cond delay="0"/>
+                                          </p:stCondLst>
+                                        </p:cTn>
+                                        <p:tgtEl>
+                                          <p:spTgt spid="4">
+                                            <p:txEl>
+                                              <p:pRg st="3" end="3"/>
+                                            </p:txEl>
+                                          </p:spTgt>
+                                        </p:tgtEl>
+                                        <p:attrNameLst>
+                                          <p:attrName>style.visibility</p:attrName>
+                                        </p:attrNameLst>
+                                      </p:cBhvr>
+                                      <p:to>
+                                        <p:strVal val="visible"/>
+                                      </p:to>
+                                    </p:set>
+                                  </p:childTnLst>
+                                </p:cTn>
+                              </p:par>
+                            </p:childTnLst>
+                          </p:cTn>
+                        </p:par>
+                      </p:childTnLst>
+                    </p:cTn>
+                  </p:par>
+                </p:childTnLst>
+              </p:cTn>
+              <p:prevCondLst>
+                <p:cond evt="onPrev" delay="0">
+                  <p:tgtEl>
+                    <p:sldTgt/>
+                  </p:tgtEl>
+                </p:cond>
+              </p:prevCondLst>
+              <p:nextCondLst>
+                <p:cond evt="onNext" delay="0">
+                  <p:tgtEl>
+                    <p:sldTgt/>
+                  </p:tgtEl>
+                </p:cond>
+              </p:nextCondLst>
+            </p:seq>
+          </p:childTnLst>
+        </p:cTn>
+      </p:par>
+    </p:tnLst>
+    <p:bldLst>
+      <p:bldP spid="2" grpId="0"/>
+      <p:bldP spid="4" grpId="0" build="p"/>
+    </p:bldLst>
+  </p:timing>
 </p:sld>
 </file>
 
 <file path=ppt/slides/slide15.xml><?xml version="1.0" encoding="utf-8"?>
 <p:sld xmlns:a="http://schemas.openxmlformats.org/drawingml/2006/main" xmlns:r="http://schemas.openxmlformats.org/officeDocument/2006/relationships" xmlns:p="http://schemas.openxmlformats.org/presentationml/2006/main">
   <p:cSld>
+    <p:bg>
+      <p:bgPr>
+        <a:solidFill>
+          <a:schemeClr val="bg1"/>
+        </a:solidFill>
+        <a:effectLst/>
+      </p:bgPr>
+    </p:bg>
+    <p:spTree>
+      <p:nvGrpSpPr>
+        <p:cNvPr id="1" name=""/>
+        <p:cNvGrpSpPr/>
+        <p:nvPr/>
+      </p:nvGrpSpPr>
+      <p:grpSpPr>
+        <a:xfrm>
+          <a:off x="0" y="0"/>
+          <a:ext cx="0" cy="0"/>
+          <a:chOff x="0" y="0"/>
+          <a:chExt cx="0" cy="0"/>
+        </a:xfrm>
+      </p:grpSpPr>
+      <p:sp useBgFill="1">
+        <p:nvSpPr>
+          <p:cNvPr id="14" name="Rectangle 13">
+            <a:extLst>
+              <a:ext uri="{FF2B5EF4-FFF2-40B4-BE49-F238E27FC236}">
+                <a16:creationId xmlns:a16="http://schemas.microsoft.com/office/drawing/2014/main" id="{B0E58038-8ACE-4AD9-B404-25C603550D83}"/>
+              </a:ext>
+              <a:ext uri="{C183D7F6-B498-43B3-948B-1728B52AA6E4}">
+                <adec:decorative xmlns:adec="http://schemas.microsoft.com/office/drawing/2017/decorative" val="1"/>
+              </a:ext>
+            </a:extLst>
+          </p:cNvPr>
+          <p:cNvSpPr>
+            <a:spLocks noGrp="1" noRot="1" noChangeAspect="1" noMove="1" noResize="1" noEditPoints="1" noAdjustHandles="1" noChangeArrowheads="1" noChangeShapeType="1" noTextEdit="1"/>
+          </p:cNvSpPr>
+          <p:nvPr>
+            <p:extLst>
+              <p:ext uri="{386F3935-93C4-4BCD-93E2-E3B085C9AB24}">
+                <p16:designElem xmlns:p16="http://schemas.microsoft.com/office/powerpoint/2015/main" val="1"/>
+              </p:ext>
+            </p:extLst>
+          </p:nvPr>
+        </p:nvSpPr>
+        <p:spPr>
+          <a:xfrm>
+            <a:off x="0" y="0"/>
+            <a:ext cx="12191999" cy="6858000"/>
+          </a:xfrm>
+          <a:prstGeom prst="rect">
+            <a:avLst/>
+          </a:prstGeom>
+          <a:ln>
+            <a:noFill/>
+          </a:ln>
+        </p:spPr>
+        <p:style>
+          <a:lnRef idx="2">
+            <a:schemeClr val="accent1">
+              <a:shade val="50000"/>
+            </a:schemeClr>
+          </a:lnRef>
+          <a:fillRef idx="1">
+            <a:schemeClr val="accent1"/>
+          </a:fillRef>
+          <a:effectRef idx="0">
+            <a:schemeClr val="accent1"/>
+          </a:effectRef>
+          <a:fontRef idx="minor">
+            <a:schemeClr val="lt1"/>
+          </a:fontRef>
+        </p:style>
+        <p:txBody>
+          <a:bodyPr rtlCol="0" anchor="ctr"/>
+          <a:lstStyle/>
+          <a:p>
+            <a:pPr algn="ctr"/>
+            <a:endParaRPr lang="en-US" dirty="0"/>
+          </a:p>
+        </p:txBody>
+      </p:sp>
+      <p:pic>
+        <p:nvPicPr>
+          <p:cNvPr id="8" name="Picture 7" descr="Text, whiteboard&#10;&#10;Description automatically generated">
+            <a:extLst>
+              <a:ext uri="{FF2B5EF4-FFF2-40B4-BE49-F238E27FC236}">
+                <a16:creationId xmlns:a16="http://schemas.microsoft.com/office/drawing/2014/main" id="{AD6E7831-8F4D-07CD-4CBE-7A98F9AB8A2F}"/>
+              </a:ext>
+            </a:extLst>
+          </p:cNvPr>
+          <p:cNvPicPr>
+            <a:picLocks noChangeAspect="1"/>
+          </p:cNvPicPr>
+          <p:nvPr/>
+        </p:nvPicPr>
+        <p:blipFill rotWithShape="1">
+          <a:blip r:embed="rId2">
+            <a:duotone>
+              <a:schemeClr val="bg2">
+                <a:shade val="45000"/>
+                <a:satMod val="135000"/>
+              </a:schemeClr>
+              <a:prstClr val="white"/>
+            </a:duotone>
+            <a:alphaModFix amt="45000"/>
+            <a:extLst>
+              <a:ext uri="{837473B0-CC2E-450A-ABE3-18F120FF3D39}">
+                <a1611:picAttrSrcUrl xmlns:a1611="http://schemas.microsoft.com/office/drawing/2016/11/main" r:id="rId3"/>
+              </a:ext>
+            </a:extLst>
+          </a:blip>
+          <a:srcRect b="15730"/>
+          <a:stretch/>
+        </p:blipFill>
+        <p:spPr>
+          <a:xfrm>
+            <a:off x="20" y="10"/>
+            <a:ext cx="12191980" cy="6857990"/>
+          </a:xfrm>
+          <a:prstGeom prst="rect">
+            <a:avLst/>
+          </a:prstGeom>
+        </p:spPr>
+      </p:pic>
+      <p:sp>
+        <p:nvSpPr>
+          <p:cNvPr id="5" name="Title 4">
+            <a:extLst>
+              <a:ext uri="{FF2B5EF4-FFF2-40B4-BE49-F238E27FC236}">
+                <a16:creationId xmlns:a16="http://schemas.microsoft.com/office/drawing/2014/main" id="{A6BA56BE-7AB3-0766-02B8-676D97C6C8C6}"/>
+              </a:ext>
+            </a:extLst>
+          </p:cNvPr>
+          <p:cNvSpPr>
+            <a:spLocks noGrp="1"/>
+          </p:cNvSpPr>
+          <p:nvPr>
+            <p:ph type="title"/>
+          </p:nvPr>
+        </p:nvSpPr>
+        <p:spPr>
+          <a:xfrm>
+            <a:off x="1097280" y="286603"/>
+            <a:ext cx="10058400" cy="1450757"/>
+          </a:xfrm>
+        </p:spPr>
+        <p:txBody>
+          <a:bodyPr>
+            <a:normAutofit/>
+          </a:bodyPr>
+          <a:lstStyle/>
+          <a:p>
+            <a:r>
+              <a:rPr lang="en-US" dirty="0"/>
+              <a:t>Final Conclusions</a:t>
+            </a:r>
+          </a:p>
+        </p:txBody>
+      </p:sp>
+      <p:cxnSp>
+        <p:nvCxnSpPr>
+          <p:cNvPr id="16" name="Straight Connector 15">
+            <a:extLst>
+              <a:ext uri="{FF2B5EF4-FFF2-40B4-BE49-F238E27FC236}">
+                <a16:creationId xmlns:a16="http://schemas.microsoft.com/office/drawing/2014/main" id="{38A34772-9011-42B5-AA63-FD6DEC92EE72}"/>
+              </a:ext>
+              <a:ext uri="{C183D7F6-B498-43B3-948B-1728B52AA6E4}">
+                <adec:decorative xmlns:adec="http://schemas.microsoft.com/office/drawing/2017/decorative" val="1"/>
+              </a:ext>
+            </a:extLst>
+          </p:cNvPr>
+          <p:cNvCxnSpPr>
+            <a:cxnSpLocks noGrp="1" noRot="1" noChangeAspect="1" noMove="1" noResize="1" noEditPoints="1" noAdjustHandles="1" noChangeArrowheads="1" noChangeShapeType="1"/>
+          </p:cNvCxnSpPr>
+          <p:nvPr>
+            <p:extLst>
+              <p:ext uri="{386F3935-93C4-4BCD-93E2-E3B085C9AB24}">
+                <p16:designElem xmlns:p16="http://schemas.microsoft.com/office/powerpoint/2015/main" val="1"/>
+              </p:ext>
+            </p:extLst>
+          </p:nvPr>
+        </p:nvCxnSpPr>
+        <p:spPr>
+          <a:xfrm>
+            <a:off x="1193532" y="1910746"/>
+            <a:ext cx="9966960" cy="0"/>
+          </a:xfrm>
+          <a:prstGeom prst="line">
+            <a:avLst/>
+          </a:prstGeom>
+          <a:ln w="12700">
+            <a:solidFill>
+              <a:schemeClr val="tx1">
+                <a:lumMod val="75000"/>
+                <a:lumOff val="25000"/>
+              </a:schemeClr>
+            </a:solidFill>
+          </a:ln>
+        </p:spPr>
+        <p:style>
+          <a:lnRef idx="1">
+            <a:schemeClr val="accent1"/>
+          </a:lnRef>
+          <a:fillRef idx="0">
+            <a:schemeClr val="accent1"/>
+          </a:fillRef>
+          <a:effectRef idx="0">
+            <a:schemeClr val="accent1"/>
+          </a:effectRef>
+          <a:fontRef idx="minor">
+            <a:schemeClr val="tx1"/>
+          </a:fontRef>
+        </p:style>
+      </p:cxnSp>
+      <p:sp>
+        <p:nvSpPr>
+          <p:cNvPr id="6" name="Content Placeholder 5">
+            <a:extLst>
+              <a:ext uri="{FF2B5EF4-FFF2-40B4-BE49-F238E27FC236}">
+                <a16:creationId xmlns:a16="http://schemas.microsoft.com/office/drawing/2014/main" id="{21F9A24A-83A7-D527-C4C1-4D66562F404D}"/>
+              </a:ext>
+            </a:extLst>
+          </p:cNvPr>
+          <p:cNvSpPr>
+            <a:spLocks noGrp="1"/>
+          </p:cNvSpPr>
+          <p:nvPr>
+            <p:ph idx="1"/>
+          </p:nvPr>
+        </p:nvSpPr>
+        <p:spPr>
+          <a:xfrm>
+            <a:off x="1097280" y="2108201"/>
+            <a:ext cx="10058400" cy="3760891"/>
+          </a:xfrm>
+        </p:spPr>
+        <p:txBody>
+          <a:bodyPr>
+            <a:normAutofit/>
+          </a:bodyPr>
+          <a:lstStyle/>
+          <a:p>
+            <a:pPr>
+              <a:buFont typeface="Wingdings" panose="05000000000000000000" pitchFamily="2" charset="2"/>
+              <a:buChar char="Ø"/>
+            </a:pPr>
+            <a:r>
+              <a:rPr lang="en-US" dirty="0"/>
+              <a:t>Hotter weather does lead to higher crime rates, but there is a “sweet spot” of about 71-81 degrees Fahrenheit</a:t>
+            </a:r>
+          </a:p>
+          <a:p>
+            <a:pPr lvl="1">
+              <a:buFont typeface="Wingdings" panose="05000000000000000000" pitchFamily="2" charset="2"/>
+              <a:buChar char="Ø"/>
+            </a:pPr>
+            <a:r>
+              <a:rPr lang="en-US" dirty="0"/>
+              <a:t>Any higher and crime tends to dip down</a:t>
+            </a:r>
+          </a:p>
+          <a:p>
+            <a:pPr>
+              <a:buFont typeface="Wingdings" panose="05000000000000000000" pitchFamily="2" charset="2"/>
+              <a:buChar char="Ø"/>
+            </a:pPr>
+            <a:r>
+              <a:rPr lang="en-US" dirty="0"/>
+              <a:t>All types of crime tend to increase in “Good” weather.</a:t>
+            </a:r>
+          </a:p>
+          <a:p>
+            <a:pPr lvl="1">
+              <a:buFont typeface="Wingdings" panose="05000000000000000000" pitchFamily="2" charset="2"/>
+              <a:buChar char="Ø"/>
+            </a:pPr>
+            <a:r>
+              <a:rPr lang="en-US" dirty="0"/>
+              <a:t>Vehicle larceny has the highest increase and highest count in both cases</a:t>
+            </a:r>
+          </a:p>
+          <a:p>
+            <a:pPr>
+              <a:buFont typeface="Wingdings" panose="05000000000000000000" pitchFamily="2" charset="2"/>
+              <a:buChar char="Ø"/>
+            </a:pPr>
+            <a:r>
+              <a:rPr lang="en-US" dirty="0"/>
+              <a:t>The Full moon does not have marked difference in crime as previously posed in our research question</a:t>
+            </a:r>
+          </a:p>
+          <a:p>
+            <a:pPr>
+              <a:buFont typeface="Wingdings" panose="05000000000000000000" pitchFamily="2" charset="2"/>
+              <a:buChar char="Ø"/>
+            </a:pPr>
+            <a:r>
+              <a:rPr lang="en-US" dirty="0"/>
+              <a:t>Using our regression models, we can predict crime rate and volume based on temperature and on precipitation</a:t>
+            </a:r>
+          </a:p>
+          <a:p>
+            <a:pPr>
+              <a:buFont typeface="Wingdings" panose="05000000000000000000" pitchFamily="2" charset="2"/>
+              <a:buChar char="Ø"/>
+            </a:pPr>
+            <a:endParaRPr lang="en-US" dirty="0"/>
+          </a:p>
+          <a:p>
+            <a:pPr>
+              <a:buFont typeface="Wingdings" panose="05000000000000000000" pitchFamily="2" charset="2"/>
+              <a:buChar char="Ø"/>
+            </a:pPr>
+            <a:endParaRPr lang="en-US" dirty="0"/>
+          </a:p>
+          <a:p>
+            <a:pPr>
+              <a:buFont typeface="Wingdings" panose="05000000000000000000" pitchFamily="2" charset="2"/>
+              <a:buChar char="Ø"/>
+            </a:pPr>
+            <a:endParaRPr lang="en-US" dirty="0"/>
+          </a:p>
+          <a:p>
+            <a:pPr>
+              <a:buFont typeface="Wingdings" panose="05000000000000000000" pitchFamily="2" charset="2"/>
+              <a:buChar char="Ø"/>
+            </a:pPr>
+            <a:endParaRPr lang="en-US" dirty="0"/>
+          </a:p>
+        </p:txBody>
+      </p:sp>
+      <p:sp>
+        <p:nvSpPr>
+          <p:cNvPr id="18" name="Rectangle 17">
+            <a:extLst>
+              <a:ext uri="{FF2B5EF4-FFF2-40B4-BE49-F238E27FC236}">
+                <a16:creationId xmlns:a16="http://schemas.microsoft.com/office/drawing/2014/main" id="{82BCDE19-2810-4337-9C49-8589C421767D}"/>
+              </a:ext>
+              <a:ext uri="{C183D7F6-B498-43B3-948B-1728B52AA6E4}">
+                <adec:decorative xmlns:adec="http://schemas.microsoft.com/office/drawing/2017/decorative" val="1"/>
+              </a:ext>
+            </a:extLst>
+          </p:cNvPr>
+          <p:cNvSpPr>
+            <a:spLocks noGrp="1" noRot="1" noChangeAspect="1" noMove="1" noResize="1" noEditPoints="1" noAdjustHandles="1" noChangeArrowheads="1" noChangeShapeType="1" noTextEdit="1"/>
+          </p:cNvSpPr>
+          <p:nvPr>
+            <p:extLst>
+              <p:ext uri="{386F3935-93C4-4BCD-93E2-E3B085C9AB24}">
+                <p16:designElem xmlns:p16="http://schemas.microsoft.com/office/powerpoint/2015/main" val="1"/>
+              </p:ext>
+            </p:extLst>
+          </p:nvPr>
+        </p:nvSpPr>
+        <p:spPr>
+          <a:xfrm>
+            <a:off x="1" y="6400800"/>
+            <a:ext cx="12192000" cy="457200"/>
+          </a:xfrm>
+          <a:prstGeom prst="rect">
+            <a:avLst/>
+          </a:prstGeom>
+          <a:solidFill>
+            <a:srgbClr val="262626"/>
+          </a:solidFill>
+          <a:ln>
+            <a:noFill/>
+          </a:ln>
+        </p:spPr>
+        <p:style>
+          <a:lnRef idx="2">
+            <a:schemeClr val="accent1">
+              <a:shade val="50000"/>
+            </a:schemeClr>
+          </a:lnRef>
+          <a:fillRef idx="1">
+            <a:schemeClr val="accent1"/>
+          </a:fillRef>
+          <a:effectRef idx="0">
+            <a:schemeClr val="accent1"/>
+          </a:effectRef>
+          <a:fontRef idx="minor">
+            <a:schemeClr val="lt1"/>
+          </a:fontRef>
+        </p:style>
+      </p:sp>
+      <p:sp>
+        <p:nvSpPr>
+          <p:cNvPr id="9" name="TextBox 8">
+            <a:extLst>
+              <a:ext uri="{FF2B5EF4-FFF2-40B4-BE49-F238E27FC236}">
+                <a16:creationId xmlns:a16="http://schemas.microsoft.com/office/drawing/2014/main" id="{845D6F5D-EF4D-2586-A124-E01583A92947}"/>
+              </a:ext>
+            </a:extLst>
+          </p:cNvPr>
+          <p:cNvSpPr txBox="1"/>
+          <p:nvPr/>
+        </p:nvSpPr>
+        <p:spPr>
+          <a:xfrm>
+            <a:off x="9830456" y="6657945"/>
+            <a:ext cx="2361544" cy="200055"/>
+          </a:xfrm>
+          <a:prstGeom prst="rect">
+            <a:avLst/>
+          </a:prstGeom>
+          <a:solidFill>
+            <a:srgbClr val="000000"/>
+          </a:solidFill>
+        </p:spPr>
+        <p:txBody>
+          <a:bodyPr wrap="none" rtlCol="0">
+            <a:spAutoFit/>
+          </a:bodyPr>
+          <a:lstStyle/>
+          <a:p>
+            <a:pPr algn="r">
+              <a:spcAft>
+                <a:spcPts val="600"/>
+              </a:spcAft>
+            </a:pPr>
+            <a:r>
+              <a:rPr lang="en-US" sz="700" dirty="0">
+                <a:solidFill>
+                  <a:srgbClr val="FFFFFF"/>
+                </a:solidFill>
+                <a:hlinkClick r:id="rId3" tooltip="https://www.thebluediamondgallery.com/handwriting/e/evidence-based.html">
+                  <a:extLst>
+                    <a:ext uri="{A12FA001-AC4F-418D-AE19-62706E023703}">
+                      <ahyp:hlinkClr xmlns:ahyp="http://schemas.microsoft.com/office/drawing/2018/hyperlinkcolor" val="tx"/>
+                    </a:ext>
+                  </a:extLst>
+                </a:hlinkClick>
+              </a:rPr>
+              <a:t>This Photo</a:t>
+            </a:r>
+            <a:r>
+              <a:rPr lang="en-US" sz="700" dirty="0">
+                <a:solidFill>
+                  <a:srgbClr val="FFFFFF"/>
+                </a:solidFill>
+              </a:rPr>
+              <a:t> by Unknown Author is licensed under </a:t>
+            </a:r>
+            <a:r>
+              <a:rPr lang="en-US" sz="700" dirty="0">
+                <a:solidFill>
+                  <a:srgbClr val="FFFFFF"/>
+                </a:solidFill>
+                <a:hlinkClick r:id="rId4" tooltip="https://creativecommons.org/licenses/by-sa/3.0/">
+                  <a:extLst>
+                    <a:ext uri="{A12FA001-AC4F-418D-AE19-62706E023703}">
+                      <ahyp:hlinkClr xmlns:ahyp="http://schemas.microsoft.com/office/drawing/2018/hyperlinkcolor" val="tx"/>
+                    </a:ext>
+                  </a:extLst>
+                </a:hlinkClick>
+              </a:rPr>
+              <a:t>CC BY-SA</a:t>
+            </a:r>
+            <a:endParaRPr lang="en-US" sz="700" dirty="0">
+              <a:solidFill>
+                <a:srgbClr val="FFFFFF"/>
+              </a:solidFill>
+            </a:endParaRPr>
+          </a:p>
+        </p:txBody>
+      </p:sp>
+    </p:spTree>
+    <p:extLst>
+      <p:ext uri="{BB962C8B-B14F-4D97-AF65-F5344CB8AC3E}">
+        <p14:creationId xmlns:p14="http://schemas.microsoft.com/office/powerpoint/2010/main" val="2770968654"/>
+      </p:ext>
+    </p:extLst>
+  </p:cSld>
+  <p:clrMapOvr>
+    <a:masterClrMapping/>
+  </p:clrMapOvr>
+  <p:timing>
+    <p:tnLst>
+      <p:par>
+        <p:cTn id="1" dur="indefinite" restart="never" nodeType="tmRoot">
+          <p:childTnLst>
+            <p:seq concurrent="1" nextAc="seek">
+              <p:cTn id="2" dur="indefinite" nodeType="mainSeq">
+                <p:childTnLst>
+                  <p:par>
+                    <p:cTn id="3" fill="hold">
+                      <p:stCondLst>
+                        <p:cond delay="indefinite"/>
+                      </p:stCondLst>
+                      <p:childTnLst>
+                        <p:par>
+                          <p:cTn id="4" fill="hold">
+                            <p:stCondLst>
+                              <p:cond delay="0"/>
+                            </p:stCondLst>
+                            <p:childTnLst>
+                              <p:par>
+                                <p:cTn id="5" presetID="1" presetClass="entr" presetSubtype="0" fill="hold" grpId="0" nodeType="clickEffect">
+                                  <p:stCondLst>
+                                    <p:cond delay="0"/>
+                                  </p:stCondLst>
+                                  <p:childTnLst>
+                                    <p:set>
+                                      <p:cBhvr>
+                                        <p:cTn id="6" dur="1" fill="hold">
+                                          <p:stCondLst>
+                                            <p:cond delay="0"/>
+                                          </p:stCondLst>
+                                        </p:cTn>
+                                        <p:tgtEl>
+                                          <p:spTgt spid="5"/>
+                                        </p:tgtEl>
+                                        <p:attrNameLst>
+                                          <p:attrName>style.visibility</p:attrName>
+                                        </p:attrNameLst>
+                                      </p:cBhvr>
+                                      <p:to>
+                                        <p:strVal val="visible"/>
+                                      </p:to>
+                                    </p:set>
+                                  </p:childTnLst>
+                                </p:cTn>
+                              </p:par>
+                            </p:childTnLst>
+                          </p:cTn>
+                        </p:par>
+                      </p:childTnLst>
+                    </p:cTn>
+                  </p:par>
+                  <p:par>
+                    <p:cTn id="7" fill="hold">
+                      <p:stCondLst>
+                        <p:cond delay="indefinite"/>
+                      </p:stCondLst>
+                      <p:childTnLst>
+                        <p:par>
+                          <p:cTn id="8" fill="hold">
+                            <p:stCondLst>
+                              <p:cond delay="0"/>
+                            </p:stCondLst>
+                            <p:childTnLst>
+                              <p:par>
+                                <p:cTn id="9" presetID="1" presetClass="entr" presetSubtype="0" fill="hold" grpId="0" nodeType="clickEffect">
+                                  <p:stCondLst>
+                                    <p:cond delay="0"/>
+                                  </p:stCondLst>
+                                  <p:childTnLst>
+                                    <p:set>
+                                      <p:cBhvr>
+                                        <p:cTn id="10" dur="1" fill="hold">
+                                          <p:stCondLst>
+                                            <p:cond delay="0"/>
+                                          </p:stCondLst>
+                                        </p:cTn>
+                                        <p:tgtEl>
+                                          <p:spTgt spid="6">
+                                            <p:txEl>
+                                              <p:pRg st="0" end="0"/>
+                                            </p:txEl>
+                                          </p:spTgt>
+                                        </p:tgtEl>
+                                        <p:attrNameLst>
+                                          <p:attrName>style.visibility</p:attrName>
+                                        </p:attrNameLst>
+                                      </p:cBhvr>
+                                      <p:to>
+                                        <p:strVal val="visible"/>
+                                      </p:to>
+                                    </p:set>
+                                  </p:childTnLst>
+                                </p:cTn>
+                              </p:par>
+                              <p:par>
+                                <p:cTn id="11" presetID="1" presetClass="entr" presetSubtype="0" fill="hold" grpId="0" nodeType="withEffect">
+                                  <p:stCondLst>
+                                    <p:cond delay="0"/>
+                                  </p:stCondLst>
+                                  <p:childTnLst>
+                                    <p:set>
+                                      <p:cBhvr>
+                                        <p:cTn id="12" dur="1" fill="hold">
+                                          <p:stCondLst>
+                                            <p:cond delay="0"/>
+                                          </p:stCondLst>
+                                        </p:cTn>
+                                        <p:tgtEl>
+                                          <p:spTgt spid="6">
+                                            <p:txEl>
+                                              <p:pRg st="1" end="1"/>
+                                            </p:txEl>
+                                          </p:spTgt>
+                                        </p:tgtEl>
+                                        <p:attrNameLst>
+                                          <p:attrName>style.visibility</p:attrName>
+                                        </p:attrNameLst>
+                                      </p:cBhvr>
+                                      <p:to>
+                                        <p:strVal val="visible"/>
+                                      </p:to>
+                                    </p:set>
+                                  </p:childTnLst>
+                                </p:cTn>
+                              </p:par>
+                            </p:childTnLst>
+                          </p:cTn>
+                        </p:par>
+                      </p:childTnLst>
+                    </p:cTn>
+                  </p:par>
+                  <p:par>
+                    <p:cTn id="13" fill="hold">
+                      <p:stCondLst>
+                        <p:cond delay="indefinite"/>
+                      </p:stCondLst>
+                      <p:childTnLst>
+                        <p:par>
+                          <p:cTn id="14" fill="hold">
+                            <p:stCondLst>
+                              <p:cond delay="0"/>
+                            </p:stCondLst>
+                            <p:childTnLst>
+                              <p:par>
+                                <p:cTn id="15" presetID="1" presetClass="entr" presetSubtype="0" fill="hold" grpId="0" nodeType="clickEffect">
+                                  <p:stCondLst>
+                                    <p:cond delay="0"/>
+                                  </p:stCondLst>
+                                  <p:childTnLst>
+                                    <p:set>
+                                      <p:cBhvr>
+                                        <p:cTn id="16" dur="1" fill="hold">
+                                          <p:stCondLst>
+                                            <p:cond delay="0"/>
+                                          </p:stCondLst>
+                                        </p:cTn>
+                                        <p:tgtEl>
+                                          <p:spTgt spid="6">
+                                            <p:txEl>
+                                              <p:pRg st="2" end="2"/>
+                                            </p:txEl>
+                                          </p:spTgt>
+                                        </p:tgtEl>
+                                        <p:attrNameLst>
+                                          <p:attrName>style.visibility</p:attrName>
+                                        </p:attrNameLst>
+                                      </p:cBhvr>
+                                      <p:to>
+                                        <p:strVal val="visible"/>
+                                      </p:to>
+                                    </p:set>
+                                  </p:childTnLst>
+                                </p:cTn>
+                              </p:par>
+                              <p:par>
+                                <p:cTn id="17" presetID="1" presetClass="entr" presetSubtype="0" fill="hold" grpId="0" nodeType="withEffect">
+                                  <p:stCondLst>
+                                    <p:cond delay="0"/>
+                                  </p:stCondLst>
+                                  <p:childTnLst>
+                                    <p:set>
+                                      <p:cBhvr>
+                                        <p:cTn id="18" dur="1" fill="hold">
+                                          <p:stCondLst>
+                                            <p:cond delay="0"/>
+                                          </p:stCondLst>
+                                        </p:cTn>
+                                        <p:tgtEl>
+                                          <p:spTgt spid="6">
+                                            <p:txEl>
+                                              <p:pRg st="3" end="3"/>
+                                            </p:txEl>
+                                          </p:spTgt>
+                                        </p:tgtEl>
+                                        <p:attrNameLst>
+                                          <p:attrName>style.visibility</p:attrName>
+                                        </p:attrNameLst>
+                                      </p:cBhvr>
+                                      <p:to>
+                                        <p:strVal val="visible"/>
+                                      </p:to>
+                                    </p:set>
+                                  </p:childTnLst>
+                                </p:cTn>
+                              </p:par>
+                            </p:childTnLst>
+                          </p:cTn>
+                        </p:par>
+                      </p:childTnLst>
+                    </p:cTn>
+                  </p:par>
+                  <p:par>
+                    <p:cTn id="19" fill="hold">
+                      <p:stCondLst>
+                        <p:cond delay="indefinite"/>
+                      </p:stCondLst>
+                      <p:childTnLst>
+                        <p:par>
+                          <p:cTn id="20" fill="hold">
+                            <p:stCondLst>
+                              <p:cond delay="0"/>
+                            </p:stCondLst>
+                            <p:childTnLst>
+                              <p:par>
+                                <p:cTn id="21" presetID="1" presetClass="entr" presetSubtype="0" fill="hold" grpId="0" nodeType="clickEffect">
+                                  <p:stCondLst>
+                                    <p:cond delay="0"/>
+                                  </p:stCondLst>
+                                  <p:childTnLst>
+                                    <p:set>
+                                      <p:cBhvr>
+                                        <p:cTn id="22" dur="1" fill="hold">
+                                          <p:stCondLst>
+                                            <p:cond delay="0"/>
+                                          </p:stCondLst>
+                                        </p:cTn>
+                                        <p:tgtEl>
+                                          <p:spTgt spid="6">
+                                            <p:txEl>
+                                              <p:pRg st="4" end="4"/>
+                                            </p:txEl>
+                                          </p:spTgt>
+                                        </p:tgtEl>
+                                        <p:attrNameLst>
+                                          <p:attrName>style.visibility</p:attrName>
+                                        </p:attrNameLst>
+                                      </p:cBhvr>
+                                      <p:to>
+                                        <p:strVal val="visible"/>
+                                      </p:to>
+                                    </p:set>
+                                  </p:childTnLst>
+                                </p:cTn>
+                              </p:par>
+                            </p:childTnLst>
+                          </p:cTn>
+                        </p:par>
+                      </p:childTnLst>
+                    </p:cTn>
+                  </p:par>
+                  <p:par>
+                    <p:cTn id="23" fill="hold">
+                      <p:stCondLst>
+                        <p:cond delay="indefinite"/>
+                      </p:stCondLst>
+                      <p:childTnLst>
+                        <p:par>
+                          <p:cTn id="24" fill="hold">
+                            <p:stCondLst>
+                              <p:cond delay="0"/>
+                            </p:stCondLst>
+                            <p:childTnLst>
+                              <p:par>
+                                <p:cTn id="25" presetID="1" presetClass="entr" presetSubtype="0" fill="hold" grpId="0" nodeType="clickEffect">
+                                  <p:stCondLst>
+                                    <p:cond delay="0"/>
+                                  </p:stCondLst>
+                                  <p:childTnLst>
+                                    <p:set>
+                                      <p:cBhvr>
+                                        <p:cTn id="26" dur="1" fill="hold">
+                                          <p:stCondLst>
+                                            <p:cond delay="0"/>
+                                          </p:stCondLst>
+                                        </p:cTn>
+                                        <p:tgtEl>
+                                          <p:spTgt spid="6">
+                                            <p:txEl>
+                                              <p:pRg st="5" end="5"/>
+                                            </p:txEl>
+                                          </p:spTgt>
+                                        </p:tgtEl>
+                                        <p:attrNameLst>
+                                          <p:attrName>style.visibility</p:attrName>
+                                        </p:attrNameLst>
+                                      </p:cBhvr>
+                                      <p:to>
+                                        <p:strVal val="visible"/>
+                                      </p:to>
+                                    </p:set>
+                                  </p:childTnLst>
+                                </p:cTn>
+                              </p:par>
+                            </p:childTnLst>
+                          </p:cTn>
+                        </p:par>
+                      </p:childTnLst>
+                    </p:cTn>
+                  </p:par>
+                </p:childTnLst>
+              </p:cTn>
+              <p:prevCondLst>
+                <p:cond evt="onPrev" delay="0">
+                  <p:tgtEl>
+                    <p:sldTgt/>
+                  </p:tgtEl>
+                </p:cond>
+              </p:prevCondLst>
+              <p:nextCondLst>
+                <p:cond evt="onNext" delay="0">
+                  <p:tgtEl>
+                    <p:sldTgt/>
+                  </p:tgtEl>
+                </p:cond>
+              </p:nextCondLst>
+            </p:seq>
+          </p:childTnLst>
+        </p:cTn>
+      </p:par>
+    </p:tnLst>
+    <p:bldLst>
+      <p:bldP spid="5" grpId="0"/>
+      <p:bldP spid="6" grpId="0" build="p"/>
+    </p:bldLst>
+  </p:timing>
+</p:sld>
+</file>
+
+<file path=ppt/slides/slide16.xml><?xml version="1.0" encoding="utf-8"?>
+<p:sld xmlns:a="http://schemas.openxmlformats.org/drawingml/2006/main" xmlns:r="http://schemas.openxmlformats.org/officeDocument/2006/relationships" xmlns:p="http://schemas.openxmlformats.org/presentationml/2006/main">
+  <p:cSld>
+    <p:bg>
+      <p:bgPr>
+        <a:solidFill>
+          <a:schemeClr val="bg1"/>
+        </a:solidFill>
+        <a:effectLst/>
+      </p:bgPr>
+    </p:bg>
+    <p:spTree>
+      <p:nvGrpSpPr>
+        <p:cNvPr id="1" name=""/>
+        <p:cNvGrpSpPr/>
+        <p:nvPr/>
+      </p:nvGrpSpPr>
+      <p:grpSpPr>
+        <a:xfrm>
+          <a:off x="0" y="0"/>
+          <a:ext cx="0" cy="0"/>
+          <a:chOff x="0" y="0"/>
+          <a:chExt cx="0" cy="0"/>
+        </a:xfrm>
+      </p:grpSpPr>
+      <p:sp useBgFill="1">
+        <p:nvSpPr>
+          <p:cNvPr id="11" name="Rectangle 10">
+            <a:extLst>
+              <a:ext uri="{FF2B5EF4-FFF2-40B4-BE49-F238E27FC236}">
+                <a16:creationId xmlns:a16="http://schemas.microsoft.com/office/drawing/2014/main" id="{B0E58038-8ACE-4AD9-B404-25C603550D83}"/>
+              </a:ext>
+              <a:ext uri="{C183D7F6-B498-43B3-948B-1728B52AA6E4}">
+                <adec:decorative xmlns:adec="http://schemas.microsoft.com/office/drawing/2017/decorative" val="1"/>
+              </a:ext>
+            </a:extLst>
+          </p:cNvPr>
+          <p:cNvSpPr>
+            <a:spLocks noGrp="1" noRot="1" noChangeAspect="1" noMove="1" noResize="1" noEditPoints="1" noAdjustHandles="1" noChangeArrowheads="1" noChangeShapeType="1" noTextEdit="1"/>
+          </p:cNvSpPr>
+          <p:nvPr>
+            <p:extLst>
+              <p:ext uri="{386F3935-93C4-4BCD-93E2-E3B085C9AB24}">
+                <p16:designElem xmlns:p16="http://schemas.microsoft.com/office/powerpoint/2015/main" val="1"/>
+              </p:ext>
+            </p:extLst>
+          </p:nvPr>
+        </p:nvSpPr>
+        <p:spPr>
+          <a:xfrm>
+            <a:off x="0" y="0"/>
+            <a:ext cx="12191999" cy="6858000"/>
+          </a:xfrm>
+          <a:prstGeom prst="rect">
+            <a:avLst/>
+          </a:prstGeom>
+          <a:ln>
+            <a:noFill/>
+          </a:ln>
+        </p:spPr>
+        <p:style>
+          <a:lnRef idx="2">
+            <a:schemeClr val="accent1">
+              <a:shade val="50000"/>
+            </a:schemeClr>
+          </a:lnRef>
+          <a:fillRef idx="1">
+            <a:schemeClr val="accent1"/>
+          </a:fillRef>
+          <a:effectRef idx="0">
+            <a:schemeClr val="accent1"/>
+          </a:effectRef>
+          <a:fontRef idx="minor">
+            <a:schemeClr val="lt1"/>
+          </a:fontRef>
+        </p:style>
+        <p:txBody>
+          <a:bodyPr rtlCol="0" anchor="ctr"/>
+          <a:lstStyle/>
+          <a:p>
+            <a:pPr algn="ctr"/>
+            <a:endParaRPr lang="en-US" dirty="0"/>
+          </a:p>
+        </p:txBody>
+      </p:sp>
+      <p:pic>
+        <p:nvPicPr>
+          <p:cNvPr id="3" name="Picture 2">
+            <a:extLst>
+              <a:ext uri="{FF2B5EF4-FFF2-40B4-BE49-F238E27FC236}">
+                <a16:creationId xmlns:a16="http://schemas.microsoft.com/office/drawing/2014/main" id="{1463BE0F-B9A6-99F1-5386-140720460B79}"/>
+              </a:ext>
+            </a:extLst>
+          </p:cNvPr>
+          <p:cNvPicPr>
+            <a:picLocks noChangeAspect="1"/>
+          </p:cNvPicPr>
+          <p:nvPr/>
+        </p:nvPicPr>
+        <p:blipFill rotWithShape="1">
+          <a:blip r:embed="rId2">
+            <a:alphaModFix amt="35000"/>
+            <a:extLst>
+              <a:ext uri="{837473B0-CC2E-450A-ABE3-18F120FF3D39}">
+                <a1611:picAttrSrcUrl xmlns:a1611="http://schemas.microsoft.com/office/drawing/2016/11/main" r:id="rId3"/>
+              </a:ext>
+            </a:extLst>
+          </a:blip>
+          <a:srcRect t="10748" b="4983"/>
+          <a:stretch/>
+        </p:blipFill>
+        <p:spPr>
+          <a:xfrm>
+            <a:off x="20" y="10"/>
+            <a:ext cx="12191980" cy="6857990"/>
+          </a:xfrm>
+          <a:prstGeom prst="rect">
+            <a:avLst/>
+          </a:prstGeom>
+        </p:spPr>
+      </p:pic>
+      <p:sp>
+        <p:nvSpPr>
+          <p:cNvPr id="5" name="Title 4">
+            <a:extLst>
+              <a:ext uri="{FF2B5EF4-FFF2-40B4-BE49-F238E27FC236}">
+                <a16:creationId xmlns:a16="http://schemas.microsoft.com/office/drawing/2014/main" id="{2B05747A-A010-4074-83BC-4F274C86DEB4}"/>
+              </a:ext>
+            </a:extLst>
+          </p:cNvPr>
+          <p:cNvSpPr>
+            <a:spLocks noGrp="1"/>
+          </p:cNvSpPr>
+          <p:nvPr>
+            <p:ph type="title"/>
+          </p:nvPr>
+        </p:nvSpPr>
+        <p:spPr>
+          <a:xfrm>
+            <a:off x="1097280" y="286603"/>
+            <a:ext cx="10058400" cy="1450757"/>
+          </a:xfrm>
+        </p:spPr>
+        <p:txBody>
+          <a:bodyPr>
+            <a:normAutofit/>
+          </a:bodyPr>
+          <a:lstStyle/>
+          <a:p>
+            <a:r>
+              <a:rPr lang="en-US" dirty="0"/>
+              <a:t>Limitations</a:t>
+            </a:r>
+          </a:p>
+        </p:txBody>
+      </p:sp>
+      <p:cxnSp>
+        <p:nvCxnSpPr>
+          <p:cNvPr id="13" name="Straight Connector 12">
+            <a:extLst>
+              <a:ext uri="{FF2B5EF4-FFF2-40B4-BE49-F238E27FC236}">
+                <a16:creationId xmlns:a16="http://schemas.microsoft.com/office/drawing/2014/main" id="{38A34772-9011-42B5-AA63-FD6DEC92EE72}"/>
+              </a:ext>
+              <a:ext uri="{C183D7F6-B498-43B3-948B-1728B52AA6E4}">
+                <adec:decorative xmlns:adec="http://schemas.microsoft.com/office/drawing/2017/decorative" val="1"/>
+              </a:ext>
+            </a:extLst>
+          </p:cNvPr>
+          <p:cNvCxnSpPr>
+            <a:cxnSpLocks noGrp="1" noRot="1" noChangeAspect="1" noMove="1" noResize="1" noEditPoints="1" noAdjustHandles="1" noChangeArrowheads="1" noChangeShapeType="1"/>
+          </p:cNvCxnSpPr>
+          <p:nvPr>
+            <p:extLst>
+              <p:ext uri="{386F3935-93C4-4BCD-93E2-E3B085C9AB24}">
+                <p16:designElem xmlns:p16="http://schemas.microsoft.com/office/powerpoint/2015/main" val="1"/>
+              </p:ext>
+            </p:extLst>
+          </p:nvPr>
+        </p:nvCxnSpPr>
+        <p:spPr>
+          <a:xfrm>
+            <a:off x="1193532" y="1910746"/>
+            <a:ext cx="9966960" cy="0"/>
+          </a:xfrm>
+          <a:prstGeom prst="line">
+            <a:avLst/>
+          </a:prstGeom>
+          <a:ln w="12700">
+            <a:solidFill>
+              <a:schemeClr val="tx1"/>
+            </a:solidFill>
+          </a:ln>
+        </p:spPr>
+        <p:style>
+          <a:lnRef idx="1">
+            <a:schemeClr val="accent1"/>
+          </a:lnRef>
+          <a:fillRef idx="0">
+            <a:schemeClr val="accent1"/>
+          </a:fillRef>
+          <a:effectRef idx="0">
+            <a:schemeClr val="accent1"/>
+          </a:effectRef>
+          <a:fontRef idx="minor">
+            <a:schemeClr val="tx1"/>
+          </a:fontRef>
+        </p:style>
+      </p:cxnSp>
+      <p:sp>
+        <p:nvSpPr>
+          <p:cNvPr id="6" name="Content Placeholder 5">
+            <a:extLst>
+              <a:ext uri="{FF2B5EF4-FFF2-40B4-BE49-F238E27FC236}">
+                <a16:creationId xmlns:a16="http://schemas.microsoft.com/office/drawing/2014/main" id="{D89585F6-1411-E2D7-B88E-F6B41183079D}"/>
+              </a:ext>
+            </a:extLst>
+          </p:cNvPr>
+          <p:cNvSpPr>
+            <a:spLocks noGrp="1"/>
+          </p:cNvSpPr>
+          <p:nvPr>
+            <p:ph idx="1"/>
+          </p:nvPr>
+        </p:nvSpPr>
+        <p:spPr>
+          <a:xfrm>
+            <a:off x="1097280" y="2108201"/>
+            <a:ext cx="10058400" cy="3760891"/>
+          </a:xfrm>
+        </p:spPr>
+        <p:txBody>
+          <a:bodyPr>
+            <a:normAutofit/>
+          </a:bodyPr>
+          <a:lstStyle/>
+          <a:p>
+            <a:pPr>
+              <a:buFont typeface="Wingdings" panose="05000000000000000000" pitchFamily="2" charset="2"/>
+              <a:buChar char="Ø"/>
+            </a:pPr>
+            <a:r>
+              <a:rPr lang="en-US" dirty="0"/>
+              <a:t>Atlanta Weather is not broken down by neighborhood while crime type is broken down by neighborhood in our datasets</a:t>
+            </a:r>
+          </a:p>
+          <a:p>
+            <a:pPr>
+              <a:buFont typeface="Wingdings" panose="05000000000000000000" pitchFamily="2" charset="2"/>
+              <a:buChar char="Ø"/>
+            </a:pPr>
+            <a:r>
+              <a:rPr lang="en-US" dirty="0"/>
+              <a:t>Our data does not really account for change in demographics</a:t>
+            </a:r>
+          </a:p>
+          <a:p>
+            <a:pPr lvl="1">
+              <a:buFont typeface="Wingdings" panose="05000000000000000000" pitchFamily="2" charset="2"/>
+              <a:buChar char="Ø"/>
+            </a:pPr>
+            <a:r>
+              <a:rPr lang="en-US" dirty="0"/>
+              <a:t>For example Old fourth ward and the gentrification that has occurred there</a:t>
+            </a:r>
+          </a:p>
+          <a:p>
+            <a:pPr>
+              <a:buFont typeface="Wingdings" panose="05000000000000000000" pitchFamily="2" charset="2"/>
+              <a:buChar char="Ø"/>
+            </a:pPr>
+            <a:r>
+              <a:rPr lang="en-US" dirty="0"/>
+              <a:t>Weather and crime is not broken down by time of day.</a:t>
+            </a:r>
+          </a:p>
+          <a:p>
+            <a:pPr lvl="1">
+              <a:buFont typeface="Wingdings" panose="05000000000000000000" pitchFamily="2" charset="2"/>
+              <a:buChar char="Ø"/>
+            </a:pPr>
+            <a:r>
+              <a:rPr lang="en-US" dirty="0"/>
+              <a:t>Weather can change on an hour to hour basis</a:t>
+            </a:r>
+          </a:p>
+          <a:p>
+            <a:pPr>
+              <a:buFont typeface="Wingdings" panose="05000000000000000000" pitchFamily="2" charset="2"/>
+              <a:buChar char="Ø"/>
+            </a:pPr>
+            <a:endParaRPr lang="en-US" dirty="0"/>
+          </a:p>
+          <a:p>
+            <a:endParaRPr lang="en-US" dirty="0"/>
+          </a:p>
+        </p:txBody>
+      </p:sp>
+      <p:sp>
+        <p:nvSpPr>
+          <p:cNvPr id="15" name="Rectangle 14">
+            <a:extLst>
+              <a:ext uri="{FF2B5EF4-FFF2-40B4-BE49-F238E27FC236}">
+                <a16:creationId xmlns:a16="http://schemas.microsoft.com/office/drawing/2014/main" id="{82BCDE19-2810-4337-9C49-8589C421767D}"/>
+              </a:ext>
+              <a:ext uri="{C183D7F6-B498-43B3-948B-1728B52AA6E4}">
+                <adec:decorative xmlns:adec="http://schemas.microsoft.com/office/drawing/2017/decorative" val="1"/>
+              </a:ext>
+            </a:extLst>
+          </p:cNvPr>
+          <p:cNvSpPr>
+            <a:spLocks noGrp="1" noRot="1" noChangeAspect="1" noMove="1" noResize="1" noEditPoints="1" noAdjustHandles="1" noChangeArrowheads="1" noChangeShapeType="1" noTextEdit="1"/>
+          </p:cNvSpPr>
+          <p:nvPr>
+            <p:extLst>
+              <p:ext uri="{386F3935-93C4-4BCD-93E2-E3B085C9AB24}">
+                <p16:designElem xmlns:p16="http://schemas.microsoft.com/office/powerpoint/2015/main" val="1"/>
+              </p:ext>
+            </p:extLst>
+          </p:nvPr>
+        </p:nvSpPr>
+        <p:spPr>
+          <a:xfrm>
+            <a:off x="1" y="6400800"/>
+            <a:ext cx="12192000" cy="457200"/>
+          </a:xfrm>
+          <a:prstGeom prst="rect">
+            <a:avLst/>
+          </a:prstGeom>
+          <a:solidFill>
+            <a:srgbClr val="262626">
+              <a:alpha val="95000"/>
+            </a:srgbClr>
+          </a:solidFill>
+          <a:ln>
+            <a:noFill/>
+          </a:ln>
+        </p:spPr>
+        <p:style>
+          <a:lnRef idx="2">
+            <a:schemeClr val="accent1">
+              <a:shade val="50000"/>
+            </a:schemeClr>
+          </a:lnRef>
+          <a:fillRef idx="1">
+            <a:schemeClr val="accent1"/>
+          </a:fillRef>
+          <a:effectRef idx="0">
+            <a:schemeClr val="accent1"/>
+          </a:effectRef>
+          <a:fontRef idx="minor">
+            <a:schemeClr val="lt1"/>
+          </a:fontRef>
+        </p:style>
+      </p:sp>
+      <p:sp>
+        <p:nvSpPr>
+          <p:cNvPr id="4" name="TextBox 3">
+            <a:extLst>
+              <a:ext uri="{FF2B5EF4-FFF2-40B4-BE49-F238E27FC236}">
+                <a16:creationId xmlns:a16="http://schemas.microsoft.com/office/drawing/2014/main" id="{ECC372D3-BA75-0E64-A4EE-DC3375F0DEE8}"/>
+              </a:ext>
+            </a:extLst>
+          </p:cNvPr>
+          <p:cNvSpPr txBox="1"/>
+          <p:nvPr/>
+        </p:nvSpPr>
+        <p:spPr>
+          <a:xfrm>
+            <a:off x="9952284" y="6657945"/>
+            <a:ext cx="2239716" cy="200055"/>
+          </a:xfrm>
+          <a:prstGeom prst="rect">
+            <a:avLst/>
+          </a:prstGeom>
+          <a:solidFill>
+            <a:srgbClr val="000000"/>
+          </a:solidFill>
+        </p:spPr>
+        <p:txBody>
+          <a:bodyPr wrap="none" rtlCol="0">
+            <a:spAutoFit/>
+          </a:bodyPr>
+          <a:lstStyle/>
+          <a:p>
+            <a:pPr algn="r">
+              <a:spcAft>
+                <a:spcPts val="600"/>
+              </a:spcAft>
+            </a:pPr>
+            <a:r>
+              <a:rPr lang="en-US" sz="700" dirty="0">
+                <a:solidFill>
+                  <a:srgbClr val="FFFFFF"/>
+                </a:solidFill>
+                <a:hlinkClick r:id="rId3" tooltip="https://researchleap.com/crouching-bear-hidden-dragon-limitations-sino-russian-alliance/crouching-bear-and-hidden-dragon-the-limitations-in-the-sino-russian-alliance/">
+                  <a:extLst>
+                    <a:ext uri="{A12FA001-AC4F-418D-AE19-62706E023703}">
+                      <ahyp:hlinkClr xmlns:ahyp="http://schemas.microsoft.com/office/drawing/2018/hyperlinkcolor" val="tx"/>
+                    </a:ext>
+                  </a:extLst>
+                </a:hlinkClick>
+              </a:rPr>
+              <a:t>This Photo</a:t>
+            </a:r>
+            <a:r>
+              <a:rPr lang="en-US" sz="700" dirty="0">
+                <a:solidFill>
+                  <a:srgbClr val="FFFFFF"/>
+                </a:solidFill>
+              </a:rPr>
+              <a:t> by Unknown Author is licensed under </a:t>
+            </a:r>
+            <a:r>
+              <a:rPr lang="en-US" sz="700" dirty="0">
+                <a:solidFill>
+                  <a:srgbClr val="FFFFFF"/>
+                </a:solidFill>
+                <a:hlinkClick r:id="rId4" tooltip="https://creativecommons.org/licenses/by/3.0/">
+                  <a:extLst>
+                    <a:ext uri="{A12FA001-AC4F-418D-AE19-62706E023703}">
+                      <ahyp:hlinkClr xmlns:ahyp="http://schemas.microsoft.com/office/drawing/2018/hyperlinkcolor" val="tx"/>
+                    </a:ext>
+                  </a:extLst>
+                </a:hlinkClick>
+              </a:rPr>
+              <a:t>CC BY</a:t>
+            </a:r>
+            <a:endParaRPr lang="en-US" sz="700" dirty="0">
+              <a:solidFill>
+                <a:srgbClr val="FFFFFF"/>
+              </a:solidFill>
+            </a:endParaRPr>
+          </a:p>
+        </p:txBody>
+      </p:sp>
+    </p:spTree>
+    <p:extLst>
+      <p:ext uri="{BB962C8B-B14F-4D97-AF65-F5344CB8AC3E}">
+        <p14:creationId xmlns:p14="http://schemas.microsoft.com/office/powerpoint/2010/main" val="3456646603"/>
+      </p:ext>
+    </p:extLst>
+  </p:cSld>
+  <p:clrMapOvr>
+    <a:overrideClrMapping bg1="dk1" tx1="lt1" bg2="dk2" tx2="lt2" accent1="accent1" accent2="accent2" accent3="accent3" accent4="accent4" accent5="accent5" accent6="accent6" hlink="hlink" folHlink="folHlink"/>
+  </p:clrMapOvr>
+  <p:timing>
+    <p:tnLst>
+      <p:par>
+        <p:cTn id="1" dur="indefinite" restart="never" nodeType="tmRoot">
+          <p:childTnLst>
+            <p:seq concurrent="1" nextAc="seek">
+              <p:cTn id="2" dur="indefinite" nodeType="mainSeq">
+                <p:childTnLst>
+                  <p:par>
+                    <p:cTn id="3" fill="hold">
+                      <p:stCondLst>
+                        <p:cond delay="indefinite"/>
+                      </p:stCondLst>
+                      <p:childTnLst>
+                        <p:par>
+                          <p:cTn id="4" fill="hold">
+                            <p:stCondLst>
+                              <p:cond delay="0"/>
+                            </p:stCondLst>
+                            <p:childTnLst>
+                              <p:par>
+                                <p:cTn id="5" presetID="1" presetClass="entr" presetSubtype="0" fill="hold" grpId="0" nodeType="clickEffect">
+                                  <p:stCondLst>
+                                    <p:cond delay="0"/>
+                                  </p:stCondLst>
+                                  <p:childTnLst>
+                                    <p:set>
+                                      <p:cBhvr>
+                                        <p:cTn id="6" dur="1" fill="hold">
+                                          <p:stCondLst>
+                                            <p:cond delay="0"/>
+                                          </p:stCondLst>
+                                        </p:cTn>
+                                        <p:tgtEl>
+                                          <p:spTgt spid="5"/>
+                                        </p:tgtEl>
+                                        <p:attrNameLst>
+                                          <p:attrName>style.visibility</p:attrName>
+                                        </p:attrNameLst>
+                                      </p:cBhvr>
+                                      <p:to>
+                                        <p:strVal val="visible"/>
+                                      </p:to>
+                                    </p:set>
+                                  </p:childTnLst>
+                                </p:cTn>
+                              </p:par>
+                            </p:childTnLst>
+                          </p:cTn>
+                        </p:par>
+                      </p:childTnLst>
+                    </p:cTn>
+                  </p:par>
+                  <p:par>
+                    <p:cTn id="7" fill="hold">
+                      <p:stCondLst>
+                        <p:cond delay="indefinite"/>
+                      </p:stCondLst>
+                      <p:childTnLst>
+                        <p:par>
+                          <p:cTn id="8" fill="hold">
+                            <p:stCondLst>
+                              <p:cond delay="0"/>
+                            </p:stCondLst>
+                            <p:childTnLst>
+                              <p:par>
+                                <p:cTn id="9" presetID="1" presetClass="entr" presetSubtype="0" fill="hold" grpId="0" nodeType="clickEffect">
+                                  <p:stCondLst>
+                                    <p:cond delay="0"/>
+                                  </p:stCondLst>
+                                  <p:childTnLst>
+                                    <p:set>
+                                      <p:cBhvr>
+                                        <p:cTn id="10" dur="1" fill="hold">
+                                          <p:stCondLst>
+                                            <p:cond delay="0"/>
+                                          </p:stCondLst>
+                                        </p:cTn>
+                                        <p:tgtEl>
+                                          <p:spTgt spid="6">
+                                            <p:txEl>
+                                              <p:pRg st="0" end="0"/>
+                                            </p:txEl>
+                                          </p:spTgt>
+                                        </p:tgtEl>
+                                        <p:attrNameLst>
+                                          <p:attrName>style.visibility</p:attrName>
+                                        </p:attrNameLst>
+                                      </p:cBhvr>
+                                      <p:to>
+                                        <p:strVal val="visible"/>
+                                      </p:to>
+                                    </p:set>
+                                  </p:childTnLst>
+                                </p:cTn>
+                              </p:par>
+                            </p:childTnLst>
+                          </p:cTn>
+                        </p:par>
+                      </p:childTnLst>
+                    </p:cTn>
+                  </p:par>
+                  <p:par>
+                    <p:cTn id="11" fill="hold">
+                      <p:stCondLst>
+                        <p:cond delay="indefinite"/>
+                      </p:stCondLst>
+                      <p:childTnLst>
+                        <p:par>
+                          <p:cTn id="12" fill="hold">
+                            <p:stCondLst>
+                              <p:cond delay="0"/>
+                            </p:stCondLst>
+                            <p:childTnLst>
+                              <p:par>
+                                <p:cTn id="13" presetID="1" presetClass="entr" presetSubtype="0" fill="hold" grpId="0" nodeType="clickEffect">
+                                  <p:stCondLst>
+                                    <p:cond delay="0"/>
+                                  </p:stCondLst>
+                                  <p:childTnLst>
+                                    <p:set>
+                                      <p:cBhvr>
+                                        <p:cTn id="14" dur="1" fill="hold">
+                                          <p:stCondLst>
+                                            <p:cond delay="0"/>
+                                          </p:stCondLst>
+                                        </p:cTn>
+                                        <p:tgtEl>
+                                          <p:spTgt spid="6">
+                                            <p:txEl>
+                                              <p:pRg st="1" end="1"/>
+                                            </p:txEl>
+                                          </p:spTgt>
+                                        </p:tgtEl>
+                                        <p:attrNameLst>
+                                          <p:attrName>style.visibility</p:attrName>
+                                        </p:attrNameLst>
+                                      </p:cBhvr>
+                                      <p:to>
+                                        <p:strVal val="visible"/>
+                                      </p:to>
+                                    </p:set>
+                                  </p:childTnLst>
+                                </p:cTn>
+                              </p:par>
+                              <p:par>
+                                <p:cTn id="15" presetID="1" presetClass="entr" presetSubtype="0" fill="hold" grpId="0" nodeType="withEffect">
+                                  <p:stCondLst>
+                                    <p:cond delay="0"/>
+                                  </p:stCondLst>
+                                  <p:childTnLst>
+                                    <p:set>
+                                      <p:cBhvr>
+                                        <p:cTn id="16" dur="1" fill="hold">
+                                          <p:stCondLst>
+                                            <p:cond delay="0"/>
+                                          </p:stCondLst>
+                                        </p:cTn>
+                                        <p:tgtEl>
+                                          <p:spTgt spid="6">
+                                            <p:txEl>
+                                              <p:pRg st="2" end="2"/>
+                                            </p:txEl>
+                                          </p:spTgt>
+                                        </p:tgtEl>
+                                        <p:attrNameLst>
+                                          <p:attrName>style.visibility</p:attrName>
+                                        </p:attrNameLst>
+                                      </p:cBhvr>
+                                      <p:to>
+                                        <p:strVal val="visible"/>
+                                      </p:to>
+                                    </p:set>
+                                  </p:childTnLst>
+                                </p:cTn>
+                              </p:par>
+                            </p:childTnLst>
+                          </p:cTn>
+                        </p:par>
+                      </p:childTnLst>
+                    </p:cTn>
+                  </p:par>
+                  <p:par>
+                    <p:cTn id="17" fill="hold">
+                      <p:stCondLst>
+                        <p:cond delay="indefinite"/>
+                      </p:stCondLst>
+                      <p:childTnLst>
+                        <p:par>
+                          <p:cTn id="18" fill="hold">
+                            <p:stCondLst>
+                              <p:cond delay="0"/>
+                            </p:stCondLst>
+                            <p:childTnLst>
+                              <p:par>
+                                <p:cTn id="19" presetID="1" presetClass="entr" presetSubtype="0" fill="hold" grpId="0" nodeType="clickEffect">
+                                  <p:stCondLst>
+                                    <p:cond delay="0"/>
+                                  </p:stCondLst>
+                                  <p:childTnLst>
+                                    <p:set>
+                                      <p:cBhvr>
+                                        <p:cTn id="20" dur="1" fill="hold">
+                                          <p:stCondLst>
+                                            <p:cond delay="0"/>
+                                          </p:stCondLst>
+                                        </p:cTn>
+                                        <p:tgtEl>
+                                          <p:spTgt spid="6">
+                                            <p:txEl>
+                                              <p:pRg st="3" end="3"/>
+                                            </p:txEl>
+                                          </p:spTgt>
+                                        </p:tgtEl>
+                                        <p:attrNameLst>
+                                          <p:attrName>style.visibility</p:attrName>
+                                        </p:attrNameLst>
+                                      </p:cBhvr>
+                                      <p:to>
+                                        <p:strVal val="visible"/>
+                                      </p:to>
+                                    </p:set>
+                                  </p:childTnLst>
+                                </p:cTn>
+                              </p:par>
+                              <p:par>
+                                <p:cTn id="21" presetID="1" presetClass="entr" presetSubtype="0" fill="hold" grpId="0" nodeType="withEffect">
+                                  <p:stCondLst>
+                                    <p:cond delay="0"/>
+                                  </p:stCondLst>
+                                  <p:childTnLst>
+                                    <p:set>
+                                      <p:cBhvr>
+                                        <p:cTn id="22" dur="1" fill="hold">
+                                          <p:stCondLst>
+                                            <p:cond delay="0"/>
+                                          </p:stCondLst>
+                                        </p:cTn>
+                                        <p:tgtEl>
+                                          <p:spTgt spid="6">
+                                            <p:txEl>
+                                              <p:pRg st="4" end="4"/>
+                                            </p:txEl>
+                                          </p:spTgt>
+                                        </p:tgtEl>
+                                        <p:attrNameLst>
+                                          <p:attrName>style.visibility</p:attrName>
+                                        </p:attrNameLst>
+                                      </p:cBhvr>
+                                      <p:to>
+                                        <p:strVal val="visible"/>
+                                      </p:to>
+                                    </p:set>
+                                  </p:childTnLst>
+                                </p:cTn>
+                              </p:par>
+                            </p:childTnLst>
+                          </p:cTn>
+                        </p:par>
+                      </p:childTnLst>
+                    </p:cTn>
+                  </p:par>
+                </p:childTnLst>
+              </p:cTn>
+              <p:prevCondLst>
+                <p:cond evt="onPrev" delay="0">
+                  <p:tgtEl>
+                    <p:sldTgt/>
+                  </p:tgtEl>
+                </p:cond>
+              </p:prevCondLst>
+              <p:nextCondLst>
+                <p:cond evt="onNext" delay="0">
+                  <p:tgtEl>
+                    <p:sldTgt/>
+                  </p:tgtEl>
+                </p:cond>
+              </p:nextCondLst>
+            </p:seq>
+          </p:childTnLst>
+        </p:cTn>
+      </p:par>
+    </p:tnLst>
+    <p:bldLst>
+      <p:bldP spid="5" grpId="0"/>
+      <p:bldP spid="6" grpId="0" build="p"/>
+    </p:bldLst>
+  </p:timing>
+</p:sld>
+</file>
+
+<file path=ppt/slides/slide17.xml><?xml version="1.0" encoding="utf-8"?>
+<p:sld xmlns:a="http://schemas.openxmlformats.org/drawingml/2006/main" xmlns:r="http://schemas.openxmlformats.org/officeDocument/2006/relationships" xmlns:p="http://schemas.openxmlformats.org/presentationml/2006/main">
+  <p:cSld>
+    <p:bg>
+      <p:bgPr>
+        <a:solidFill>
+          <a:schemeClr val="bg1"/>
+        </a:solidFill>
+        <a:effectLst/>
+      </p:bgPr>
+    </p:bg>
     <p:spTree>
       <p:nvGrpSpPr>
         <p:cNvPr id="1" name=""/>
@@ -11678,10 +14930,109 @@
       </p:grpSpPr>
       <p:sp>
         <p:nvSpPr>
-          <p:cNvPr id="5" name="Title 4">
+          <p:cNvPr id="14" name="Rectangle 13">
             <a:extLst>
               <a:ext uri="{FF2B5EF4-FFF2-40B4-BE49-F238E27FC236}">
-                <a16:creationId xmlns:a16="http://schemas.microsoft.com/office/drawing/2014/main" id="{A6BA56BE-7AB3-0766-02B8-676D97C6C8C6}"/>
+                <a16:creationId xmlns:a16="http://schemas.microsoft.com/office/drawing/2014/main" id="{0AF4F2BA-3C03-4E2C-8ABC-0949B61B3C5E}"/>
+              </a:ext>
+              <a:ext uri="{C183D7F6-B498-43B3-948B-1728B52AA6E4}">
+                <adec:decorative xmlns:adec="http://schemas.microsoft.com/office/drawing/2017/decorative" val="1"/>
+              </a:ext>
+            </a:extLst>
+          </p:cNvPr>
+          <p:cNvSpPr>
+            <a:spLocks noGrp="1" noRot="1" noChangeAspect="1" noMove="1" noResize="1" noEditPoints="1" noAdjustHandles="1" noChangeArrowheads="1" noChangeShapeType="1" noTextEdit="1"/>
+          </p:cNvSpPr>
+          <p:nvPr>
+            <p:extLst>
+              <p:ext uri="{386F3935-93C4-4BCD-93E2-E3B085C9AB24}">
+                <p16:designElem xmlns:p16="http://schemas.microsoft.com/office/powerpoint/2015/main" val="1"/>
+              </p:ext>
+            </p:extLst>
+          </p:nvPr>
+        </p:nvSpPr>
+        <p:spPr>
+          <a:xfrm>
+            <a:off x="0" y="0"/>
+            <a:ext cx="12192000" cy="6858000"/>
+          </a:xfrm>
+          <a:prstGeom prst="rect">
+            <a:avLst/>
+          </a:prstGeom>
+          <a:solidFill>
+            <a:srgbClr val="000000"/>
+          </a:solidFill>
+          <a:ln>
+            <a:noFill/>
+          </a:ln>
+        </p:spPr>
+        <p:style>
+          <a:lnRef idx="2">
+            <a:schemeClr val="accent1">
+              <a:shade val="50000"/>
+            </a:schemeClr>
+          </a:lnRef>
+          <a:fillRef idx="1">
+            <a:schemeClr val="accent1"/>
+          </a:fillRef>
+          <a:effectRef idx="0">
+            <a:schemeClr val="accent1"/>
+          </a:effectRef>
+          <a:fontRef idx="minor">
+            <a:schemeClr val="lt1"/>
+          </a:fontRef>
+        </p:style>
+        <p:txBody>
+          <a:bodyPr rtlCol="0" anchor="ctr"/>
+          <a:lstStyle/>
+          <a:p>
+            <a:pPr algn="ctr"/>
+            <a:endParaRPr lang="en-US" dirty="0"/>
+          </a:p>
+        </p:txBody>
+      </p:sp>
+      <p:pic>
+        <p:nvPicPr>
+          <p:cNvPr id="8" name="Picture 7" descr="A person walking in the rain with an umbrella&#10;&#10;Description automatically generated">
+            <a:extLst>
+              <a:ext uri="{FF2B5EF4-FFF2-40B4-BE49-F238E27FC236}">
+                <a16:creationId xmlns:a16="http://schemas.microsoft.com/office/drawing/2014/main" id="{AA4CC73C-569E-063E-5CA6-4A7D9B34B600}"/>
+              </a:ext>
+            </a:extLst>
+          </p:cNvPr>
+          <p:cNvPicPr>
+            <a:picLocks noChangeAspect="1"/>
+          </p:cNvPicPr>
+          <p:nvPr/>
+        </p:nvPicPr>
+        <p:blipFill rotWithShape="1">
+          <a:blip r:embed="rId2">
+            <a:alphaModFix amt="35000"/>
+            <a:extLst>
+              <a:ext uri="{837473B0-CC2E-450A-ABE3-18F120FF3D39}">
+                <a1611:picAttrSrcUrl xmlns:a1611="http://schemas.microsoft.com/office/drawing/2016/11/main" r:id="rId3"/>
+              </a:ext>
+            </a:extLst>
+          </a:blip>
+          <a:srcRect/>
+          <a:stretch/>
+        </p:blipFill>
+        <p:spPr>
+          <a:xfrm>
+            <a:off x="20" y="10"/>
+            <a:ext cx="12191980" cy="6857990"/>
+          </a:xfrm>
+          <a:prstGeom prst="rect">
+            <a:avLst/>
+          </a:prstGeom>
+        </p:spPr>
+      </p:pic>
+      <p:sp>
+        <p:nvSpPr>
+          <p:cNvPr id="4" name="Title 3">
+            <a:extLst>
+              <a:ext uri="{FF2B5EF4-FFF2-40B4-BE49-F238E27FC236}">
+                <a16:creationId xmlns:a16="http://schemas.microsoft.com/office/drawing/2014/main" id="{C5CC5FCA-D58F-AFD9-DA78-B7EE4E9FF113}"/>
               </a:ext>
             </a:extLst>
           </p:cNvPr>
@@ -11689,27 +15040,38 @@
             <a:spLocks noGrp="1"/>
           </p:cNvSpPr>
           <p:nvPr>
-            <p:ph type="title"/>
+            <p:ph type="ctrTitle"/>
           </p:nvPr>
         </p:nvSpPr>
-        <p:spPr/>
+        <p:spPr>
+          <a:xfrm>
+            <a:off x="1097280" y="758952"/>
+            <a:ext cx="10058400" cy="3566160"/>
+          </a:xfrm>
+        </p:spPr>
         <p:txBody>
-          <a:bodyPr/>
+          <a:bodyPr>
+            <a:normAutofit/>
+          </a:bodyPr>
           <a:lstStyle/>
           <a:p>
             <a:r>
-              <a:rPr lang="en-US" dirty="0"/>
-              <a:t>Conclusions</a:t>
+              <a:rPr lang="en-US" dirty="0">
+                <a:solidFill>
+                  <a:srgbClr val="FFFFFF"/>
+                </a:solidFill>
+              </a:rPr>
+              <a:t>Thank you!</a:t>
             </a:r>
           </a:p>
         </p:txBody>
       </p:sp>
       <p:sp>
         <p:nvSpPr>
-          <p:cNvPr id="6" name="Content Placeholder 5">
+          <p:cNvPr id="5" name="Subtitle 4">
             <a:extLst>
               <a:ext uri="{FF2B5EF4-FFF2-40B4-BE49-F238E27FC236}">
-                <a16:creationId xmlns:a16="http://schemas.microsoft.com/office/drawing/2014/main" id="{21F9A24A-83A7-D527-C4C1-4D66562F404D}"/>
+                <a16:creationId xmlns:a16="http://schemas.microsoft.com/office/drawing/2014/main" id="{6B60C942-B0D9-3B3D-2E01-EE42B9A3E257}"/>
               </a:ext>
             </a:extLst>
           </p:cNvPr>
@@ -11717,116 +15079,228 @@
             <a:spLocks noGrp="1"/>
           </p:cNvSpPr>
           <p:nvPr>
-            <p:ph idx="1"/>
+            <p:ph type="subTitle" idx="1"/>
           </p:nvPr>
         </p:nvSpPr>
-        <p:spPr/>
+        <p:spPr>
+          <a:xfrm>
+            <a:off x="1100051" y="4645152"/>
+            <a:ext cx="10058400" cy="1143000"/>
+          </a:xfrm>
+        </p:spPr>
         <p:txBody>
-          <a:bodyPr/>
+          <a:bodyPr>
+            <a:normAutofit/>
+          </a:bodyPr>
           <a:lstStyle/>
           <a:p>
-            <a:endParaRPr lang="en-US"/>
+            <a:endParaRPr lang="en-US" dirty="0">
+              <a:solidFill>
+                <a:srgbClr val="FFFFFF"/>
+              </a:solidFill>
+            </a:endParaRPr>
+          </a:p>
+        </p:txBody>
+      </p:sp>
+      <p:cxnSp>
+        <p:nvCxnSpPr>
+          <p:cNvPr id="16" name="Straight Connector 15">
+            <a:extLst>
+              <a:ext uri="{FF2B5EF4-FFF2-40B4-BE49-F238E27FC236}">
+                <a16:creationId xmlns:a16="http://schemas.microsoft.com/office/drawing/2014/main" id="{A07787ED-5EDC-4C54-AD87-55B60D0FE397}"/>
+              </a:ext>
+              <a:ext uri="{C183D7F6-B498-43B3-948B-1728B52AA6E4}">
+                <adec:decorative xmlns:adec="http://schemas.microsoft.com/office/drawing/2017/decorative" val="1"/>
+              </a:ext>
+            </a:extLst>
+          </p:cNvPr>
+          <p:cNvCxnSpPr>
+            <a:cxnSpLocks noGrp="1" noRot="1" noChangeAspect="1" noMove="1" noResize="1" noEditPoints="1" noAdjustHandles="1" noChangeArrowheads="1" noChangeShapeType="1"/>
+          </p:cNvCxnSpPr>
+          <p:nvPr>
+            <p:extLst>
+              <p:ext uri="{386F3935-93C4-4BCD-93E2-E3B085C9AB24}">
+                <p16:designElem xmlns:p16="http://schemas.microsoft.com/office/powerpoint/2015/main" val="1"/>
+              </p:ext>
+            </p:extLst>
+          </p:nvPr>
+        </p:nvCxnSpPr>
+        <p:spPr>
+          <a:xfrm>
+            <a:off x="1207658" y="4474741"/>
+            <a:ext cx="9875520" cy="0"/>
+          </a:xfrm>
+          <a:prstGeom prst="line">
+            <a:avLst/>
+          </a:prstGeom>
+          <a:ln w="12700">
+            <a:solidFill>
+              <a:srgbClr val="FFFFFF"/>
+            </a:solidFill>
+          </a:ln>
+        </p:spPr>
+        <p:style>
+          <a:lnRef idx="1">
+            <a:schemeClr val="accent1"/>
+          </a:lnRef>
+          <a:fillRef idx="0">
+            <a:schemeClr val="accent1"/>
+          </a:fillRef>
+          <a:effectRef idx="0">
+            <a:schemeClr val="accent1"/>
+          </a:effectRef>
+          <a:fontRef idx="minor">
+            <a:schemeClr val="tx1"/>
+          </a:fontRef>
+        </p:style>
+      </p:cxnSp>
+      <p:sp>
+        <p:nvSpPr>
+          <p:cNvPr id="18" name="!!footer rectangle">
+            <a:extLst>
+              <a:ext uri="{FF2B5EF4-FFF2-40B4-BE49-F238E27FC236}">
+                <a16:creationId xmlns:a16="http://schemas.microsoft.com/office/drawing/2014/main" id="{B40A8CA7-7D5A-43B0-A1A0-B558ECA9EED1}"/>
+              </a:ext>
+              <a:ext uri="{C183D7F6-B498-43B3-948B-1728B52AA6E4}">
+                <adec:decorative xmlns:adec="http://schemas.microsoft.com/office/drawing/2017/decorative" val="1"/>
+              </a:ext>
+            </a:extLst>
+          </p:cNvPr>
+          <p:cNvSpPr>
+            <a:spLocks noGrp="1" noRot="1" noChangeAspect="1" noMove="1" noResize="1" noEditPoints="1" noAdjustHandles="1" noChangeArrowheads="1" noChangeShapeType="1" noTextEdit="1"/>
+          </p:cNvSpPr>
+          <p:nvPr>
+            <p:extLst>
+              <p:ext uri="{386F3935-93C4-4BCD-93E2-E3B085C9AB24}">
+                <p16:designElem xmlns:p16="http://schemas.microsoft.com/office/powerpoint/2015/main" val="1"/>
+              </p:ext>
+            </p:extLst>
+          </p:nvPr>
+        </p:nvSpPr>
+        <p:spPr>
+          <a:xfrm>
+            <a:off x="3175" y="6400800"/>
+            <a:ext cx="12188825" cy="457200"/>
+          </a:xfrm>
+          <a:prstGeom prst="rect">
+            <a:avLst/>
+          </a:prstGeom>
+          <a:solidFill>
+            <a:srgbClr val="262626">
+              <a:alpha val="95000"/>
+            </a:srgbClr>
+          </a:solidFill>
+          <a:ln>
+            <a:noFill/>
+          </a:ln>
+        </p:spPr>
+        <p:style>
+          <a:lnRef idx="2">
+            <a:schemeClr val="accent1">
+              <a:shade val="50000"/>
+            </a:schemeClr>
+          </a:lnRef>
+          <a:fillRef idx="1">
+            <a:schemeClr val="accent1"/>
+          </a:fillRef>
+          <a:effectRef idx="0">
+            <a:schemeClr val="accent1"/>
+          </a:effectRef>
+          <a:fontRef idx="minor">
+            <a:schemeClr val="lt1"/>
+          </a:fontRef>
+        </p:style>
+      </p:sp>
+      <p:sp>
+        <p:nvSpPr>
+          <p:cNvPr id="9" name="TextBox 8">
+            <a:extLst>
+              <a:ext uri="{FF2B5EF4-FFF2-40B4-BE49-F238E27FC236}">
+                <a16:creationId xmlns:a16="http://schemas.microsoft.com/office/drawing/2014/main" id="{0D423589-137B-FC7E-6EAC-B1F45C19A211}"/>
+              </a:ext>
+            </a:extLst>
+          </p:cNvPr>
+          <p:cNvSpPr txBox="1"/>
+          <p:nvPr/>
+        </p:nvSpPr>
+        <p:spPr>
+          <a:xfrm>
+            <a:off x="9812824" y="6657945"/>
+            <a:ext cx="2379176" cy="200055"/>
+          </a:xfrm>
+          <a:prstGeom prst="rect">
+            <a:avLst/>
+          </a:prstGeom>
+          <a:solidFill>
+            <a:srgbClr val="000000"/>
+          </a:solidFill>
+        </p:spPr>
+        <p:txBody>
+          <a:bodyPr wrap="none" rtlCol="0">
+            <a:spAutoFit/>
+          </a:bodyPr>
+          <a:lstStyle/>
+          <a:p>
+            <a:pPr algn="r">
+              <a:spcAft>
+                <a:spcPts val="600"/>
+              </a:spcAft>
+            </a:pPr>
+            <a:r>
+              <a:rPr lang="en-US" sz="700" dirty="0">
+                <a:solidFill>
+                  <a:srgbClr val="FFFFFF"/>
+                </a:solidFill>
+                <a:hlinkClick r:id="rId3" tooltip="https://singularityhub.com/2020/01/15/how-googles-new-weather-ai-makes-instant-accurate-forecasts/">
+                  <a:extLst>
+                    <a:ext uri="{A12FA001-AC4F-418D-AE19-62706E023703}">
+                      <ahyp:hlinkClr xmlns:ahyp="http://schemas.microsoft.com/office/drawing/2018/hyperlinkcolor" val="tx"/>
+                    </a:ext>
+                  </a:extLst>
+                </a:hlinkClick>
+              </a:rPr>
+              <a:t>This Photo</a:t>
+            </a:r>
+            <a:r>
+              <a:rPr lang="en-US" sz="700" dirty="0">
+                <a:solidFill>
+                  <a:srgbClr val="FFFFFF"/>
+                </a:solidFill>
+              </a:rPr>
+              <a:t> by Unknown Author is licensed under </a:t>
+            </a:r>
+            <a:r>
+              <a:rPr lang="en-US" sz="700" dirty="0">
+                <a:solidFill>
+                  <a:srgbClr val="FFFFFF"/>
+                </a:solidFill>
+                <a:hlinkClick r:id="rId4" tooltip="https://creativecommons.org/licenses/by-nd/3.0/">
+                  <a:extLst>
+                    <a:ext uri="{A12FA001-AC4F-418D-AE19-62706E023703}">
+                      <ahyp:hlinkClr xmlns:ahyp="http://schemas.microsoft.com/office/drawing/2018/hyperlinkcolor" val="tx"/>
+                    </a:ext>
+                  </a:extLst>
+                </a:hlinkClick>
+              </a:rPr>
+              <a:t>CC BY-ND</a:t>
+            </a:r>
+            <a:endParaRPr lang="en-US" sz="700" dirty="0">
+              <a:solidFill>
+                <a:srgbClr val="FFFFFF"/>
+              </a:solidFill>
+            </a:endParaRPr>
           </a:p>
         </p:txBody>
       </p:sp>
     </p:spTree>
     <p:extLst>
       <p:ext uri="{BB962C8B-B14F-4D97-AF65-F5344CB8AC3E}">
-        <p14:creationId xmlns:p14="http://schemas.microsoft.com/office/powerpoint/2010/main" val="2770968654"/>
+        <p14:creationId xmlns:p14="http://schemas.microsoft.com/office/powerpoint/2010/main" val="3248102328"/>
       </p:ext>
     </p:extLst>
   </p:cSld>
   <p:clrMapOvr>
-    <a:masterClrMapping/>
-  </p:clrMapOvr>
-</p:sld>
-</file>
-
-<file path=ppt/slides/slide16.xml><?xml version="1.0" encoding="utf-8"?>
-<p:sld xmlns:a="http://schemas.openxmlformats.org/drawingml/2006/main" xmlns:r="http://schemas.openxmlformats.org/officeDocument/2006/relationships" xmlns:p="http://schemas.openxmlformats.org/presentationml/2006/main">
-  <p:cSld>
-    <p:spTree>
-      <p:nvGrpSpPr>
-        <p:cNvPr id="1" name=""/>
-        <p:cNvGrpSpPr/>
-        <p:nvPr/>
-      </p:nvGrpSpPr>
-      <p:grpSpPr>
-        <a:xfrm>
-          <a:off x="0" y="0"/>
-          <a:ext cx="0" cy="0"/>
-          <a:chOff x="0" y="0"/>
-          <a:chExt cx="0" cy="0"/>
-        </a:xfrm>
-      </p:grpSpPr>
-      <p:sp>
-        <p:nvSpPr>
-          <p:cNvPr id="5" name="Title 4">
-            <a:extLst>
-              <a:ext uri="{FF2B5EF4-FFF2-40B4-BE49-F238E27FC236}">
-                <a16:creationId xmlns:a16="http://schemas.microsoft.com/office/drawing/2014/main" id="{2B05747A-A010-4074-83BC-4F274C86DEB4}"/>
-              </a:ext>
-            </a:extLst>
-          </p:cNvPr>
-          <p:cNvSpPr>
-            <a:spLocks noGrp="1"/>
-          </p:cNvSpPr>
-          <p:nvPr>
-            <p:ph type="title"/>
-          </p:nvPr>
-        </p:nvSpPr>
-        <p:spPr/>
-        <p:txBody>
-          <a:bodyPr/>
-          <a:lstStyle/>
-          <a:p>
-            <a:r>
-              <a:rPr lang="en-US" dirty="0"/>
-              <a:t>Limitations</a:t>
-            </a:r>
-          </a:p>
-        </p:txBody>
-      </p:sp>
-      <p:sp>
-        <p:nvSpPr>
-          <p:cNvPr id="6" name="Content Placeholder 5">
-            <a:extLst>
-              <a:ext uri="{FF2B5EF4-FFF2-40B4-BE49-F238E27FC236}">
-                <a16:creationId xmlns:a16="http://schemas.microsoft.com/office/drawing/2014/main" id="{D89585F6-1411-E2D7-B88E-F6B41183079D}"/>
-              </a:ext>
-            </a:extLst>
-          </p:cNvPr>
-          <p:cNvSpPr>
-            <a:spLocks noGrp="1"/>
-          </p:cNvSpPr>
-          <p:nvPr>
-            <p:ph idx="1"/>
-          </p:nvPr>
-        </p:nvSpPr>
-        <p:spPr/>
-        <p:txBody>
-          <a:bodyPr/>
-          <a:lstStyle/>
-          <a:p>
-            <a:r>
-              <a:rPr lang="en-US" dirty="0"/>
-              <a:t>-Atlanta Weather is not broken down by  neighborhood while crime type is broken down by neighborhood</a:t>
-            </a:r>
-          </a:p>
-          <a:p>
-            <a:endParaRPr lang="en-US" dirty="0"/>
-          </a:p>
-        </p:txBody>
-      </p:sp>
-    </p:spTree>
-    <p:extLst>
-      <p:ext uri="{BB962C8B-B14F-4D97-AF65-F5344CB8AC3E}">
-        <p14:creationId xmlns:p14="http://schemas.microsoft.com/office/powerpoint/2010/main" val="3456646603"/>
-      </p:ext>
-    </p:extLst>
-  </p:cSld>
-  <p:clrMapOvr>
-    <a:masterClrMapping/>
+    <a:overrideClrMapping bg1="dk1" tx1="lt1" bg2="dk2" tx2="lt2" accent1="accent1" accent2="accent2" accent3="accent3" accent4="accent4" accent5="accent5" accent6="accent6" hlink="hlink" folHlink="folHlink"/>
   </p:clrMapOvr>
 </p:sld>
 </file>
@@ -12137,6 +15611,132 @@
   <p:clrMapOvr>
     <a:masterClrMapping/>
   </p:clrMapOvr>
+  <p:timing>
+    <p:tnLst>
+      <p:par>
+        <p:cTn id="1" dur="indefinite" restart="never" nodeType="tmRoot">
+          <p:childTnLst>
+            <p:seq concurrent="1" nextAc="seek">
+              <p:cTn id="2" dur="indefinite" nodeType="mainSeq">
+                <p:childTnLst>
+                  <p:par>
+                    <p:cTn id="3" fill="hold">
+                      <p:stCondLst>
+                        <p:cond delay="indefinite"/>
+                      </p:stCondLst>
+                      <p:childTnLst>
+                        <p:par>
+                          <p:cTn id="4" fill="hold">
+                            <p:stCondLst>
+                              <p:cond delay="0"/>
+                            </p:stCondLst>
+                            <p:childTnLst>
+                              <p:par>
+                                <p:cTn id="5" presetID="1" presetClass="entr" presetSubtype="0" fill="hold" grpId="0" nodeType="clickEffect">
+                                  <p:stCondLst>
+                                    <p:cond delay="0"/>
+                                  </p:stCondLst>
+                                  <p:childTnLst>
+                                    <p:set>
+                                      <p:cBhvr>
+                                        <p:cTn id="6" dur="1" fill="hold">
+                                          <p:stCondLst>
+                                            <p:cond delay="0"/>
+                                          </p:stCondLst>
+                                        </p:cTn>
+                                        <p:tgtEl>
+                                          <p:spTgt spid="2"/>
+                                        </p:tgtEl>
+                                        <p:attrNameLst>
+                                          <p:attrName>style.visibility</p:attrName>
+                                        </p:attrNameLst>
+                                      </p:cBhvr>
+                                      <p:to>
+                                        <p:strVal val="visible"/>
+                                      </p:to>
+                                    </p:set>
+                                  </p:childTnLst>
+                                </p:cTn>
+                              </p:par>
+                            </p:childTnLst>
+                          </p:cTn>
+                        </p:par>
+                      </p:childTnLst>
+                    </p:cTn>
+                  </p:par>
+                  <p:par>
+                    <p:cTn id="7" fill="hold">
+                      <p:stCondLst>
+                        <p:cond delay="indefinite"/>
+                      </p:stCondLst>
+                      <p:childTnLst>
+                        <p:par>
+                          <p:cTn id="8" fill="hold">
+                            <p:stCondLst>
+                              <p:cond delay="0"/>
+                            </p:stCondLst>
+                            <p:childTnLst>
+                              <p:par>
+                                <p:cTn id="9" presetID="1" presetClass="entr" presetSubtype="0" fill="hold" grpId="0" nodeType="clickEffect">
+                                  <p:stCondLst>
+                                    <p:cond delay="0"/>
+                                  </p:stCondLst>
+                                  <p:childTnLst>
+                                    <p:set>
+                                      <p:cBhvr>
+                                        <p:cTn id="10" dur="1" fill="hold">
+                                          <p:stCondLst>
+                                            <p:cond delay="0"/>
+                                          </p:stCondLst>
+                                        </p:cTn>
+                                        <p:tgtEl>
+                                          <p:spTgt spid="4"/>
+                                        </p:tgtEl>
+                                        <p:attrNameLst>
+                                          <p:attrName>style.visibility</p:attrName>
+                                        </p:attrNameLst>
+                                      </p:cBhvr>
+                                      <p:to>
+                                        <p:strVal val="visible"/>
+                                      </p:to>
+                                    </p:set>
+                                  </p:childTnLst>
+                                </p:cTn>
+                              </p:par>
+                            </p:childTnLst>
+                          </p:cTn>
+                        </p:par>
+                      </p:childTnLst>
+                    </p:cTn>
+                  </p:par>
+                </p:childTnLst>
+              </p:cTn>
+              <p:prevCondLst>
+                <p:cond evt="onPrev" delay="0">
+                  <p:tgtEl>
+                    <p:sldTgt/>
+                  </p:tgtEl>
+                </p:cond>
+              </p:prevCondLst>
+              <p:nextCondLst>
+                <p:cond evt="onNext" delay="0">
+                  <p:tgtEl>
+                    <p:sldTgt/>
+                  </p:tgtEl>
+                </p:cond>
+              </p:nextCondLst>
+            </p:seq>
+          </p:childTnLst>
+        </p:cTn>
+      </p:par>
+    </p:tnLst>
+    <p:bldLst>
+      <p:bldP spid="2" grpId="0"/>
+      <p:bldGraphic spid="4" grpId="0">
+        <p:bldAsOne/>
+      </p:bldGraphic>
+    </p:bldLst>
+  </p:timing>
 </p:sld>
 </file>
 
@@ -12412,7 +16012,7 @@
                                         <p:tgtEl>
                                           <p:spTgt spid="3">
                                             <p:txEl>
-                                              <p:pRg st="2" end="2"/>
+                                              <p:pRg st="1" end="1"/>
                                             </p:txEl>
                                           </p:spTgt>
                                         </p:tgtEl>
@@ -12443,7 +16043,7 @@
                                         <p:tgtEl>
                                           <p:spTgt spid="3">
                                             <p:txEl>
-                                              <p:pRg st="1" end="1"/>
+                                              <p:pRg st="2" end="2"/>
                                             </p:txEl>
                                           </p:spTgt>
                                         </p:tgtEl>
@@ -13249,7 +16849,7 @@
           <a:lstStyle/>
           <a:p>
             <a:r>
-              <a:rPr lang="en-US" sz="4000">
+              <a:rPr lang="en-US" sz="4000" dirty="0">
                 <a:solidFill>
                   <a:srgbClr val="FFFFFF"/>
                 </a:solidFill>
@@ -13347,7 +16947,7 @@
               <a:buAutoNum type="arabicPeriod"/>
             </a:pPr>
             <a:r>
-              <a:rPr lang="en-US" sz="1400">
+              <a:rPr lang="en-US" sz="1400" dirty="0">
                 <a:solidFill>
                   <a:srgbClr val="FFFFFF"/>
                 </a:solidFill>
@@ -13364,7 +16964,7 @@
               <a:buAutoNum type="arabicPeriod"/>
             </a:pPr>
             <a:r>
-              <a:rPr lang="en-US" sz="1400">
+              <a:rPr lang="en-US" sz="1400" dirty="0">
                 <a:solidFill>
                   <a:srgbClr val="FFFFFF"/>
                 </a:solidFill>
@@ -13381,12 +16981,12 @@
               <a:buAutoNum type="arabicPeriod"/>
             </a:pPr>
             <a:r>
-              <a:rPr lang="en-US" sz="1400">
+              <a:rPr lang="en-US" sz="1400" dirty="0">
                 <a:solidFill>
                   <a:srgbClr val="FFFFFF"/>
                 </a:solidFill>
               </a:rPr>
-              <a:t>Does the Moon phase influence the volume or type of part 1 offenses in Atlanta, GA?</a:t>
+              <a:t>Does the Moon phase influence the volume or type of part 1 offenses in Atlanta, GA? Specifically the Full moon.</a:t>
             </a:r>
           </a:p>
           <a:p>
@@ -13398,7 +16998,7 @@
               <a:buAutoNum type="arabicPeriod"/>
             </a:pPr>
             <a:r>
-              <a:rPr lang="en-US" sz="1400">
+              <a:rPr lang="en-US" sz="1400" dirty="0">
                 <a:solidFill>
                   <a:srgbClr val="FFFFFF"/>
                 </a:solidFill>
@@ -13414,7 +17014,7 @@
               <a:buFont typeface="+mj-lt"/>
               <a:buAutoNum type="arabicPeriod"/>
             </a:pPr>
-            <a:endParaRPr lang="en-US" sz="1400">
+            <a:endParaRPr lang="en-US" sz="1400" dirty="0">
               <a:solidFill>
                 <a:srgbClr val="FFFFFF"/>
               </a:solidFill>
@@ -13467,6 +17067,326 @@
   <p:clrMapOvr>
     <a:overrideClrMapping bg1="dk1" tx1="lt1" bg2="dk2" tx2="lt2" accent1="accent1" accent2="accent2" accent3="accent3" accent4="accent4" accent5="accent5" accent6="accent6" hlink="hlink" folHlink="folHlink"/>
   </p:clrMapOvr>
+  <p:timing>
+    <p:tnLst>
+      <p:par>
+        <p:cTn id="1" dur="indefinite" restart="never" nodeType="tmRoot">
+          <p:childTnLst>
+            <p:seq concurrent="1" nextAc="seek">
+              <p:cTn id="2" dur="indefinite" nodeType="mainSeq">
+                <p:childTnLst>
+                  <p:par>
+                    <p:cTn id="3" fill="hold">
+                      <p:stCondLst>
+                        <p:cond delay="indefinite"/>
+                      </p:stCondLst>
+                      <p:childTnLst>
+                        <p:par>
+                          <p:cTn id="4" fill="hold">
+                            <p:stCondLst>
+                              <p:cond delay="0"/>
+                            </p:stCondLst>
+                            <p:childTnLst>
+                              <p:par>
+                                <p:cTn id="5" presetID="1" presetClass="entr" presetSubtype="0" fill="hold" nodeType="clickEffect">
+                                  <p:stCondLst>
+                                    <p:cond delay="0"/>
+                                  </p:stCondLst>
+                                  <p:childTnLst>
+                                    <p:set>
+                                      <p:cBhvr>
+                                        <p:cTn id="6" dur="1" fill="hold">
+                                          <p:stCondLst>
+                                            <p:cond delay="0"/>
+                                          </p:stCondLst>
+                                        </p:cTn>
+                                        <p:tgtEl>
+                                          <p:spTgt spid="5"/>
+                                        </p:tgtEl>
+                                        <p:attrNameLst>
+                                          <p:attrName>style.visibility</p:attrName>
+                                        </p:attrNameLst>
+                                      </p:cBhvr>
+                                      <p:to>
+                                        <p:strVal val="visible"/>
+                                      </p:to>
+                                    </p:set>
+                                  </p:childTnLst>
+                                </p:cTn>
+                              </p:par>
+                            </p:childTnLst>
+                          </p:cTn>
+                        </p:par>
+                      </p:childTnLst>
+                    </p:cTn>
+                  </p:par>
+                  <p:par>
+                    <p:cTn id="7" fill="hold">
+                      <p:stCondLst>
+                        <p:cond delay="indefinite"/>
+                      </p:stCondLst>
+                      <p:childTnLst>
+                        <p:par>
+                          <p:cTn id="8" fill="hold">
+                            <p:stCondLst>
+                              <p:cond delay="0"/>
+                            </p:stCondLst>
+                            <p:childTnLst>
+                              <p:par>
+                                <p:cTn id="9" presetID="1" presetClass="entr" presetSubtype="0" fill="hold" grpId="0" nodeType="clickEffect">
+                                  <p:stCondLst>
+                                    <p:cond delay="0"/>
+                                  </p:stCondLst>
+                                  <p:childTnLst>
+                                    <p:set>
+                                      <p:cBhvr>
+                                        <p:cTn id="10" dur="1" fill="hold">
+                                          <p:stCondLst>
+                                            <p:cond delay="0"/>
+                                          </p:stCondLst>
+                                        </p:cTn>
+                                        <p:tgtEl>
+                                          <p:spTgt spid="2"/>
+                                        </p:tgtEl>
+                                        <p:attrNameLst>
+                                          <p:attrName>style.visibility</p:attrName>
+                                        </p:attrNameLst>
+                                      </p:cBhvr>
+                                      <p:to>
+                                        <p:strVal val="visible"/>
+                                      </p:to>
+                                    </p:set>
+                                  </p:childTnLst>
+                                </p:cTn>
+                              </p:par>
+                            </p:childTnLst>
+                          </p:cTn>
+                        </p:par>
+                      </p:childTnLst>
+                    </p:cTn>
+                  </p:par>
+                  <p:par>
+                    <p:cTn id="11" fill="hold">
+                      <p:stCondLst>
+                        <p:cond delay="indefinite"/>
+                      </p:stCondLst>
+                      <p:childTnLst>
+                        <p:par>
+                          <p:cTn id="12" fill="hold">
+                            <p:stCondLst>
+                              <p:cond delay="0"/>
+                            </p:stCondLst>
+                            <p:childTnLst>
+                              <p:par>
+                                <p:cTn id="13" presetID="1" presetClass="entr" presetSubtype="0" fill="hold" grpId="0" nodeType="clickEffect">
+                                  <p:stCondLst>
+                                    <p:cond delay="0"/>
+                                  </p:stCondLst>
+                                  <p:childTnLst>
+                                    <p:set>
+                                      <p:cBhvr>
+                                        <p:cTn id="14" dur="1" fill="hold">
+                                          <p:stCondLst>
+                                            <p:cond delay="0"/>
+                                          </p:stCondLst>
+                                        </p:cTn>
+                                        <p:tgtEl>
+                                          <p:spTgt spid="3">
+                                            <p:txEl>
+                                              <p:pRg st="0" end="0"/>
+                                            </p:txEl>
+                                          </p:spTgt>
+                                        </p:tgtEl>
+                                        <p:attrNameLst>
+                                          <p:attrName>style.visibility</p:attrName>
+                                        </p:attrNameLst>
+                                      </p:cBhvr>
+                                      <p:to>
+                                        <p:strVal val="visible"/>
+                                      </p:to>
+                                    </p:set>
+                                  </p:childTnLst>
+                                </p:cTn>
+                              </p:par>
+                            </p:childTnLst>
+                          </p:cTn>
+                        </p:par>
+                      </p:childTnLst>
+                    </p:cTn>
+                  </p:par>
+                  <p:par>
+                    <p:cTn id="15" fill="hold">
+                      <p:stCondLst>
+                        <p:cond delay="indefinite"/>
+                      </p:stCondLst>
+                      <p:childTnLst>
+                        <p:par>
+                          <p:cTn id="16" fill="hold">
+                            <p:stCondLst>
+                              <p:cond delay="0"/>
+                            </p:stCondLst>
+                            <p:childTnLst>
+                              <p:par>
+                                <p:cTn id="17" presetID="1" presetClass="entr" presetSubtype="0" fill="hold" grpId="0" nodeType="clickEffect">
+                                  <p:stCondLst>
+                                    <p:cond delay="0"/>
+                                  </p:stCondLst>
+                                  <p:childTnLst>
+                                    <p:set>
+                                      <p:cBhvr>
+                                        <p:cTn id="18" dur="1" fill="hold">
+                                          <p:stCondLst>
+                                            <p:cond delay="0"/>
+                                          </p:stCondLst>
+                                        </p:cTn>
+                                        <p:tgtEl>
+                                          <p:spTgt spid="3">
+                                            <p:txEl>
+                                              <p:pRg st="1" end="1"/>
+                                            </p:txEl>
+                                          </p:spTgt>
+                                        </p:tgtEl>
+                                        <p:attrNameLst>
+                                          <p:attrName>style.visibility</p:attrName>
+                                        </p:attrNameLst>
+                                      </p:cBhvr>
+                                      <p:to>
+                                        <p:strVal val="visible"/>
+                                      </p:to>
+                                    </p:set>
+                                  </p:childTnLst>
+                                </p:cTn>
+                              </p:par>
+                            </p:childTnLst>
+                          </p:cTn>
+                        </p:par>
+                      </p:childTnLst>
+                    </p:cTn>
+                  </p:par>
+                  <p:par>
+                    <p:cTn id="19" fill="hold">
+                      <p:stCondLst>
+                        <p:cond delay="indefinite"/>
+                      </p:stCondLst>
+                      <p:childTnLst>
+                        <p:par>
+                          <p:cTn id="20" fill="hold">
+                            <p:stCondLst>
+                              <p:cond delay="0"/>
+                            </p:stCondLst>
+                            <p:childTnLst>
+                              <p:par>
+                                <p:cTn id="21" presetID="1" presetClass="entr" presetSubtype="0" fill="hold" grpId="0" nodeType="clickEffect">
+                                  <p:stCondLst>
+                                    <p:cond delay="0"/>
+                                  </p:stCondLst>
+                                  <p:childTnLst>
+                                    <p:set>
+                                      <p:cBhvr>
+                                        <p:cTn id="22" dur="1" fill="hold">
+                                          <p:stCondLst>
+                                            <p:cond delay="0"/>
+                                          </p:stCondLst>
+                                        </p:cTn>
+                                        <p:tgtEl>
+                                          <p:spTgt spid="3">
+                                            <p:txEl>
+                                              <p:pRg st="2" end="2"/>
+                                            </p:txEl>
+                                          </p:spTgt>
+                                        </p:tgtEl>
+                                        <p:attrNameLst>
+                                          <p:attrName>style.visibility</p:attrName>
+                                        </p:attrNameLst>
+                                      </p:cBhvr>
+                                      <p:to>
+                                        <p:strVal val="visible"/>
+                                      </p:to>
+                                    </p:set>
+                                  </p:childTnLst>
+                                </p:cTn>
+                              </p:par>
+                            </p:childTnLst>
+                          </p:cTn>
+                        </p:par>
+                      </p:childTnLst>
+                    </p:cTn>
+                  </p:par>
+                  <p:par>
+                    <p:cTn id="23" fill="hold">
+                      <p:stCondLst>
+                        <p:cond delay="indefinite"/>
+                      </p:stCondLst>
+                      <p:childTnLst>
+                        <p:par>
+                          <p:cTn id="24" fill="hold">
+                            <p:stCondLst>
+                              <p:cond delay="0"/>
+                            </p:stCondLst>
+                            <p:childTnLst>
+                              <p:par>
+                                <p:cTn id="25" presetID="1" presetClass="entr" presetSubtype="0" fill="hold" grpId="0" nodeType="clickEffect">
+                                  <p:stCondLst>
+                                    <p:cond delay="0"/>
+                                  </p:stCondLst>
+                                  <p:childTnLst>
+                                    <p:set>
+                                      <p:cBhvr>
+                                        <p:cTn id="26" dur="1" fill="hold">
+                                          <p:stCondLst>
+                                            <p:cond delay="0"/>
+                                          </p:stCondLst>
+                                        </p:cTn>
+                                        <p:tgtEl>
+                                          <p:spTgt spid="3">
+                                            <p:txEl>
+                                              <p:pRg st="3" end="3"/>
+                                            </p:txEl>
+                                          </p:spTgt>
+                                        </p:tgtEl>
+                                        <p:attrNameLst>
+                                          <p:attrName>style.visibility</p:attrName>
+                                        </p:attrNameLst>
+                                      </p:cBhvr>
+                                      <p:to>
+                                        <p:strVal val="visible"/>
+                                      </p:to>
+                                    </p:set>
+                                  </p:childTnLst>
+                                </p:cTn>
+                              </p:par>
+                            </p:childTnLst>
+                          </p:cTn>
+                        </p:par>
+                      </p:childTnLst>
+                    </p:cTn>
+                  </p:par>
+                </p:childTnLst>
+              </p:cTn>
+              <p:prevCondLst>
+                <p:cond evt="onPrev" delay="0">
+                  <p:tgtEl>
+                    <p:sldTgt/>
+                  </p:tgtEl>
+                </p:cond>
+              </p:prevCondLst>
+              <p:nextCondLst>
+                <p:cond evt="onNext" delay="0">
+                  <p:tgtEl>
+                    <p:sldTgt/>
+                  </p:tgtEl>
+                </p:cond>
+              </p:nextCondLst>
+            </p:seq>
+          </p:childTnLst>
+        </p:cTn>
+      </p:par>
+    </p:tnLst>
+    <p:bldLst>
+      <p:bldP spid="2" grpId="0"/>
+      <p:bldP spid="3" grpId="0" build="p"/>
+    </p:bldLst>
+  </p:timing>
 </p:sld>
 </file>
 
@@ -13554,7 +17474,7 @@
           <a:lstStyle/>
           <a:p>
             <a:pPr algn="ctr"/>
-            <a:endParaRPr lang="en-US"/>
+            <a:endParaRPr lang="en-US" dirty="0"/>
           </a:p>
         </p:txBody>
       </p:sp>
@@ -13680,7 +17600,7 @@
           </a:bodyPr>
           <a:lstStyle/>
           <a:p>
-            <a:endParaRPr lang="en-US">
+            <a:endParaRPr lang="en-US" dirty="0">
               <a:solidFill>
                 <a:srgbClr val="FFFFFF"/>
               </a:solidFill>
@@ -13777,28 +17697,51 @@
             </a:r>
           </a:p>
           <a:p>
+            <a:pPr marL="742950" lvl="1" indent="-285750">
+              <a:buFont typeface="Arial" panose="020B0604020202020204" pitchFamily="34" charset="0"/>
+              <a:buChar char="•"/>
+            </a:pPr>
+            <a:r>
+              <a:rPr lang="en-US" dirty="0">
+                <a:solidFill>
+                  <a:schemeClr val="bg1"/>
+                </a:solidFill>
+              </a:rPr>
+              <a:t>Crime “sweet spot”</a:t>
+            </a:r>
+          </a:p>
+          <a:p>
             <a:pPr marL="285750" indent="-285750">
               <a:buFont typeface="Arial" panose="020B0604020202020204" pitchFamily="34" charset="0"/>
               <a:buChar char="•"/>
             </a:pPr>
             <a:r>
               <a:rPr lang="en-US" dirty="0"/>
-              <a:t>Crime is at its lowest in below freezing </a:t>
+              <a:t>Crime is at its lowest in below freezing temperatures</a:t>
             </a:r>
+          </a:p>
+          <a:p>
+            <a:pPr marL="742950" lvl="1" indent="-285750">
+              <a:buFont typeface="Arial" panose="020B0604020202020204" pitchFamily="34" charset="0"/>
+              <a:buChar char="•"/>
+            </a:pPr>
             <a:r>
-              <a:rPr lang="en-US" dirty="0" err="1"/>
-              <a:t>tempreatures</a:t>
+              <a:rPr lang="en-US" dirty="0">
+                <a:solidFill>
+                  <a:schemeClr val="bg1"/>
+                </a:solidFill>
+              </a:rPr>
+              <a:t>No one really wants to commit crimes when it is freezing cold!</a:t>
             </a:r>
-            <a:endParaRPr lang="en-US" dirty="0"/>
           </a:p>
         </p:txBody>
       </p:sp>
       <p:pic>
         <p:nvPicPr>
-          <p:cNvPr id="8" name="Content Placeholder 7">
+          <p:cNvPr id="11" name="Content Placeholder 10" descr="A picture containing text, clipart, screenshot&#10;&#10;Description automatically generated">
             <a:extLst>
               <a:ext uri="{FF2B5EF4-FFF2-40B4-BE49-F238E27FC236}">
-                <a16:creationId xmlns:a16="http://schemas.microsoft.com/office/drawing/2014/main" id="{B1358242-FCDD-56D3-3E3C-6E2D8972A75D}"/>
+                <a16:creationId xmlns:a16="http://schemas.microsoft.com/office/drawing/2014/main" id="{D581D0B9-22A7-9998-3B17-5837778DB2E3}"/>
               </a:ext>
             </a:extLst>
           </p:cNvPr>
@@ -13820,9 +17763,6 @@
             <a:off x="5459413" y="1455538"/>
             <a:ext cx="5927725" cy="4008837"/>
           </a:xfrm>
-          <a:prstGeom prst="rect">
-            <a:avLst/>
-          </a:prstGeom>
         </p:spPr>
       </p:pic>
     </p:spTree>
@@ -13835,6 +17775,290 @@
   <p:clrMapOvr>
     <a:masterClrMapping/>
   </p:clrMapOvr>
+  <p:timing>
+    <p:tnLst>
+      <p:par>
+        <p:cTn id="1" dur="indefinite" restart="never" nodeType="tmRoot">
+          <p:childTnLst>
+            <p:seq concurrent="1" nextAc="seek">
+              <p:cTn id="2" dur="indefinite" nodeType="mainSeq">
+                <p:childTnLst>
+                  <p:par>
+                    <p:cTn id="3" fill="hold">
+                      <p:stCondLst>
+                        <p:cond delay="indefinite"/>
+                      </p:stCondLst>
+                      <p:childTnLst>
+                        <p:par>
+                          <p:cTn id="4" fill="hold">
+                            <p:stCondLst>
+                              <p:cond delay="0"/>
+                            </p:stCondLst>
+                            <p:childTnLst>
+                              <p:par>
+                                <p:cTn id="5" presetID="1" presetClass="entr" presetSubtype="0" fill="hold" grpId="0" nodeType="clickEffect">
+                                  <p:stCondLst>
+                                    <p:cond delay="0"/>
+                                  </p:stCondLst>
+                                  <p:childTnLst>
+                                    <p:set>
+                                      <p:cBhvr>
+                                        <p:cTn id="6" dur="1" fill="hold">
+                                          <p:stCondLst>
+                                            <p:cond delay="0"/>
+                                          </p:stCondLst>
+                                        </p:cTn>
+                                        <p:tgtEl>
+                                          <p:spTgt spid="2"/>
+                                        </p:tgtEl>
+                                        <p:attrNameLst>
+                                          <p:attrName>style.visibility</p:attrName>
+                                        </p:attrNameLst>
+                                      </p:cBhvr>
+                                      <p:to>
+                                        <p:strVal val="visible"/>
+                                      </p:to>
+                                    </p:set>
+                                  </p:childTnLst>
+                                </p:cTn>
+                              </p:par>
+                            </p:childTnLst>
+                          </p:cTn>
+                        </p:par>
+                      </p:childTnLst>
+                    </p:cTn>
+                  </p:par>
+                  <p:par>
+                    <p:cTn id="7" fill="hold">
+                      <p:stCondLst>
+                        <p:cond delay="indefinite"/>
+                      </p:stCondLst>
+                      <p:childTnLst>
+                        <p:par>
+                          <p:cTn id="8" fill="hold">
+                            <p:stCondLst>
+                              <p:cond delay="0"/>
+                            </p:stCondLst>
+                            <p:childTnLst>
+                              <p:par>
+                                <p:cTn id="9" presetID="1" presetClass="entr" presetSubtype="0" fill="hold" nodeType="clickEffect">
+                                  <p:stCondLst>
+                                    <p:cond delay="0"/>
+                                  </p:stCondLst>
+                                  <p:childTnLst>
+                                    <p:set>
+                                      <p:cBhvr>
+                                        <p:cTn id="10" dur="1" fill="hold">
+                                          <p:stCondLst>
+                                            <p:cond delay="0"/>
+                                          </p:stCondLst>
+                                        </p:cTn>
+                                        <p:tgtEl>
+                                          <p:spTgt spid="11"/>
+                                        </p:tgtEl>
+                                        <p:attrNameLst>
+                                          <p:attrName>style.visibility</p:attrName>
+                                        </p:attrNameLst>
+                                      </p:cBhvr>
+                                      <p:to>
+                                        <p:strVal val="visible"/>
+                                      </p:to>
+                                    </p:set>
+                                  </p:childTnLst>
+                                </p:cTn>
+                              </p:par>
+                            </p:childTnLst>
+                          </p:cTn>
+                        </p:par>
+                      </p:childTnLst>
+                    </p:cTn>
+                  </p:par>
+                  <p:par>
+                    <p:cTn id="11" fill="hold">
+                      <p:stCondLst>
+                        <p:cond delay="indefinite"/>
+                      </p:stCondLst>
+                      <p:childTnLst>
+                        <p:par>
+                          <p:cTn id="12" fill="hold">
+                            <p:stCondLst>
+                              <p:cond delay="0"/>
+                            </p:stCondLst>
+                            <p:childTnLst>
+                              <p:par>
+                                <p:cTn id="13" presetID="1" presetClass="entr" presetSubtype="0" fill="hold" grpId="0" nodeType="clickEffect">
+                                  <p:stCondLst>
+                                    <p:cond delay="0"/>
+                                  </p:stCondLst>
+                                  <p:childTnLst>
+                                    <p:set>
+                                      <p:cBhvr>
+                                        <p:cTn id="14" dur="1" fill="hold">
+                                          <p:stCondLst>
+                                            <p:cond delay="0"/>
+                                          </p:stCondLst>
+                                        </p:cTn>
+                                        <p:tgtEl>
+                                          <p:spTgt spid="4">
+                                            <p:txEl>
+                                              <p:pRg st="0" end="0"/>
+                                            </p:txEl>
+                                          </p:spTgt>
+                                        </p:tgtEl>
+                                        <p:attrNameLst>
+                                          <p:attrName>style.visibility</p:attrName>
+                                        </p:attrNameLst>
+                                      </p:cBhvr>
+                                      <p:to>
+                                        <p:strVal val="visible"/>
+                                      </p:to>
+                                    </p:set>
+                                  </p:childTnLst>
+                                </p:cTn>
+                              </p:par>
+                              <p:par>
+                                <p:cTn id="15" presetID="1" presetClass="entr" presetSubtype="0" fill="hold" grpId="0" nodeType="withEffect">
+                                  <p:stCondLst>
+                                    <p:cond delay="0"/>
+                                  </p:stCondLst>
+                                  <p:childTnLst>
+                                    <p:set>
+                                      <p:cBhvr>
+                                        <p:cTn id="16" dur="1" fill="hold">
+                                          <p:stCondLst>
+                                            <p:cond delay="0"/>
+                                          </p:stCondLst>
+                                        </p:cTn>
+                                        <p:tgtEl>
+                                          <p:spTgt spid="4">
+                                            <p:txEl>
+                                              <p:pRg st="1" end="1"/>
+                                            </p:txEl>
+                                          </p:spTgt>
+                                        </p:tgtEl>
+                                        <p:attrNameLst>
+                                          <p:attrName>style.visibility</p:attrName>
+                                        </p:attrNameLst>
+                                      </p:cBhvr>
+                                      <p:to>
+                                        <p:strVal val="visible"/>
+                                      </p:to>
+                                    </p:set>
+                                  </p:childTnLst>
+                                </p:cTn>
+                              </p:par>
+                            </p:childTnLst>
+                          </p:cTn>
+                        </p:par>
+                      </p:childTnLst>
+                    </p:cTn>
+                  </p:par>
+                  <p:par>
+                    <p:cTn id="17" fill="hold">
+                      <p:stCondLst>
+                        <p:cond delay="indefinite"/>
+                      </p:stCondLst>
+                      <p:childTnLst>
+                        <p:par>
+                          <p:cTn id="18" fill="hold">
+                            <p:stCondLst>
+                              <p:cond delay="0"/>
+                            </p:stCondLst>
+                            <p:childTnLst>
+                              <p:par>
+                                <p:cTn id="19" presetID="1" presetClass="entr" presetSubtype="0" fill="hold" grpId="0" nodeType="clickEffect">
+                                  <p:stCondLst>
+                                    <p:cond delay="0"/>
+                                  </p:stCondLst>
+                                  <p:childTnLst>
+                                    <p:set>
+                                      <p:cBhvr>
+                                        <p:cTn id="20" dur="1" fill="hold">
+                                          <p:stCondLst>
+                                            <p:cond delay="0"/>
+                                          </p:stCondLst>
+                                        </p:cTn>
+                                        <p:tgtEl>
+                                          <p:spTgt spid="4">
+                                            <p:txEl>
+                                              <p:pRg st="2" end="2"/>
+                                            </p:txEl>
+                                          </p:spTgt>
+                                        </p:tgtEl>
+                                        <p:attrNameLst>
+                                          <p:attrName>style.visibility</p:attrName>
+                                        </p:attrNameLst>
+                                      </p:cBhvr>
+                                      <p:to>
+                                        <p:strVal val="visible"/>
+                                      </p:to>
+                                    </p:set>
+                                  </p:childTnLst>
+                                </p:cTn>
+                              </p:par>
+                              <p:par>
+                                <p:cTn id="21" presetID="1" presetClass="entr" presetSubtype="0" fill="hold" grpId="0" nodeType="withEffect">
+                                  <p:stCondLst>
+                                    <p:cond delay="0"/>
+                                  </p:stCondLst>
+                                  <p:childTnLst>
+                                    <p:set>
+                                      <p:cBhvr>
+                                        <p:cTn id="22" dur="1" fill="hold">
+                                          <p:stCondLst>
+                                            <p:cond delay="0"/>
+                                          </p:stCondLst>
+                                        </p:cTn>
+                                        <p:tgtEl>
+                                          <p:spTgt spid="4">
+                                            <p:txEl>
+                                              <p:pRg st="3" end="3"/>
+                                            </p:txEl>
+                                          </p:spTgt>
+                                        </p:tgtEl>
+                                        <p:attrNameLst>
+                                          <p:attrName>style.visibility</p:attrName>
+                                        </p:attrNameLst>
+                                      </p:cBhvr>
+                                      <p:to>
+                                        <p:strVal val="visible"/>
+                                      </p:to>
+                                    </p:set>
+                                  </p:childTnLst>
+                                </p:cTn>
+                              </p:par>
+                            </p:childTnLst>
+                          </p:cTn>
+                        </p:par>
+                      </p:childTnLst>
+                    </p:cTn>
+                  </p:par>
+                </p:childTnLst>
+              </p:cTn>
+              <p:prevCondLst>
+                <p:cond evt="onPrev" delay="0">
+                  <p:tgtEl>
+                    <p:sldTgt/>
+                  </p:tgtEl>
+                </p:cond>
+              </p:prevCondLst>
+              <p:nextCondLst>
+                <p:cond evt="onNext" delay="0">
+                  <p:tgtEl>
+                    <p:sldTgt/>
+                  </p:tgtEl>
+                </p:cond>
+              </p:nextCondLst>
+            </p:seq>
+          </p:childTnLst>
+        </p:cTn>
+      </p:par>
+    </p:tnLst>
+    <p:bldLst>
+      <p:bldP spid="2" grpId="0"/>
+      <p:bldP spid="4" grpId="0" build="p"/>
+    </p:bldLst>
+  </p:timing>
 </p:sld>
 </file>
 
@@ -13883,35 +18107,6 @@
           </a:p>
         </p:txBody>
       </p:sp>
-      <p:pic>
-        <p:nvPicPr>
-          <p:cNvPr id="6" name="Content Placeholder 5" descr="Histogram&#10;&#10;Description automatically generated">
-            <a:extLst>
-              <a:ext uri="{FF2B5EF4-FFF2-40B4-BE49-F238E27FC236}">
-                <a16:creationId xmlns:a16="http://schemas.microsoft.com/office/drawing/2014/main" id="{9F8EAC59-53C0-8998-788A-D13AE8CF10C3}"/>
-              </a:ext>
-            </a:extLst>
-          </p:cNvPr>
-          <p:cNvPicPr>
-            <a:picLocks noGrp="1" noChangeAspect="1"/>
-          </p:cNvPicPr>
-          <p:nvPr>
-            <p:ph idx="1"/>
-          </p:nvPr>
-        </p:nvPicPr>
-        <p:blipFill>
-          <a:blip r:embed="rId2"/>
-          <a:stretch>
-            <a:fillRect/>
-          </a:stretch>
-        </p:blipFill>
-        <p:spPr>
-          <a:xfrm>
-            <a:off x="5864545" y="1339321"/>
-            <a:ext cx="5117460" cy="4241270"/>
-          </a:xfrm>
-        </p:spPr>
-      </p:pic>
       <p:sp>
         <p:nvSpPr>
           <p:cNvPr id="4" name="Text Placeholder 3">
@@ -13966,6 +18161,35 @@
           </a:p>
         </p:txBody>
       </p:sp>
+      <p:pic>
+        <p:nvPicPr>
+          <p:cNvPr id="8" name="Content Placeholder 7" descr="Chart, histogram&#10;&#10;Description automatically generated">
+            <a:extLst>
+              <a:ext uri="{FF2B5EF4-FFF2-40B4-BE49-F238E27FC236}">
+                <a16:creationId xmlns:a16="http://schemas.microsoft.com/office/drawing/2014/main" id="{BAB3701F-F16A-FEB2-CADE-5BAF857F096D}"/>
+              </a:ext>
+            </a:extLst>
+          </p:cNvPr>
+          <p:cNvPicPr>
+            <a:picLocks noGrp="1" noChangeAspect="1"/>
+          </p:cNvPicPr>
+          <p:nvPr>
+            <p:ph idx="1"/>
+          </p:nvPr>
+        </p:nvPicPr>
+        <p:blipFill>
+          <a:blip r:embed="rId2"/>
+          <a:stretch>
+            <a:fillRect/>
+          </a:stretch>
+        </p:blipFill>
+        <p:spPr>
+          <a:xfrm>
+            <a:off x="5459413" y="1438153"/>
+            <a:ext cx="5927725" cy="4043607"/>
+          </a:xfrm>
+        </p:spPr>
+      </p:pic>
     </p:spTree>
     <p:extLst>
       <p:ext uri="{BB962C8B-B14F-4D97-AF65-F5344CB8AC3E}">
@@ -13976,6 +18200,277 @@
   <p:clrMapOvr>
     <a:masterClrMapping/>
   </p:clrMapOvr>
+  <p:timing>
+    <p:tnLst>
+      <p:par>
+        <p:cTn id="1" dur="indefinite" restart="never" nodeType="tmRoot">
+          <p:childTnLst>
+            <p:seq concurrent="1" nextAc="seek">
+              <p:cTn id="2" dur="indefinite" nodeType="mainSeq">
+                <p:childTnLst>
+                  <p:par>
+                    <p:cTn id="3" fill="hold">
+                      <p:stCondLst>
+                        <p:cond delay="indefinite"/>
+                      </p:stCondLst>
+                      <p:childTnLst>
+                        <p:par>
+                          <p:cTn id="4" fill="hold">
+                            <p:stCondLst>
+                              <p:cond delay="0"/>
+                            </p:stCondLst>
+                            <p:childTnLst>
+                              <p:par>
+                                <p:cTn id="5" presetID="1" presetClass="entr" presetSubtype="0" fill="hold" grpId="0" nodeType="clickEffect">
+                                  <p:stCondLst>
+                                    <p:cond delay="0"/>
+                                  </p:stCondLst>
+                                  <p:childTnLst>
+                                    <p:set>
+                                      <p:cBhvr>
+                                        <p:cTn id="6" dur="1" fill="hold">
+                                          <p:stCondLst>
+                                            <p:cond delay="0"/>
+                                          </p:stCondLst>
+                                        </p:cTn>
+                                        <p:tgtEl>
+                                          <p:spTgt spid="2"/>
+                                        </p:tgtEl>
+                                        <p:attrNameLst>
+                                          <p:attrName>style.visibility</p:attrName>
+                                        </p:attrNameLst>
+                                      </p:cBhvr>
+                                      <p:to>
+                                        <p:strVal val="visible"/>
+                                      </p:to>
+                                    </p:set>
+                                  </p:childTnLst>
+                                </p:cTn>
+                              </p:par>
+                            </p:childTnLst>
+                          </p:cTn>
+                        </p:par>
+                      </p:childTnLst>
+                    </p:cTn>
+                  </p:par>
+                  <p:par>
+                    <p:cTn id="7" fill="hold">
+                      <p:stCondLst>
+                        <p:cond delay="indefinite"/>
+                      </p:stCondLst>
+                      <p:childTnLst>
+                        <p:par>
+                          <p:cTn id="8" fill="hold">
+                            <p:stCondLst>
+                              <p:cond delay="0"/>
+                            </p:stCondLst>
+                            <p:childTnLst>
+                              <p:par>
+                                <p:cTn id="9" presetID="1" presetClass="entr" presetSubtype="0" fill="hold" nodeType="clickEffect">
+                                  <p:stCondLst>
+                                    <p:cond delay="0"/>
+                                  </p:stCondLst>
+                                  <p:childTnLst>
+                                    <p:set>
+                                      <p:cBhvr>
+                                        <p:cTn id="10" dur="1" fill="hold">
+                                          <p:stCondLst>
+                                            <p:cond delay="0"/>
+                                          </p:stCondLst>
+                                        </p:cTn>
+                                        <p:tgtEl>
+                                          <p:spTgt spid="8"/>
+                                        </p:tgtEl>
+                                        <p:attrNameLst>
+                                          <p:attrName>style.visibility</p:attrName>
+                                        </p:attrNameLst>
+                                      </p:cBhvr>
+                                      <p:to>
+                                        <p:strVal val="visible"/>
+                                      </p:to>
+                                    </p:set>
+                                  </p:childTnLst>
+                                </p:cTn>
+                              </p:par>
+                            </p:childTnLst>
+                          </p:cTn>
+                        </p:par>
+                      </p:childTnLst>
+                    </p:cTn>
+                  </p:par>
+                  <p:par>
+                    <p:cTn id="11" fill="hold">
+                      <p:stCondLst>
+                        <p:cond delay="indefinite"/>
+                      </p:stCondLst>
+                      <p:childTnLst>
+                        <p:par>
+                          <p:cTn id="12" fill="hold">
+                            <p:stCondLst>
+                              <p:cond delay="0"/>
+                            </p:stCondLst>
+                            <p:childTnLst>
+                              <p:par>
+                                <p:cTn id="13" presetID="1" presetClass="entr" presetSubtype="0" fill="hold" grpId="0" nodeType="clickEffect">
+                                  <p:stCondLst>
+                                    <p:cond delay="0"/>
+                                  </p:stCondLst>
+                                  <p:childTnLst>
+                                    <p:set>
+                                      <p:cBhvr>
+                                        <p:cTn id="14" dur="1" fill="hold">
+                                          <p:stCondLst>
+                                            <p:cond delay="0"/>
+                                          </p:stCondLst>
+                                        </p:cTn>
+                                        <p:tgtEl>
+                                          <p:spTgt spid="4">
+                                            <p:txEl>
+                                              <p:pRg st="0" end="0"/>
+                                            </p:txEl>
+                                          </p:spTgt>
+                                        </p:tgtEl>
+                                        <p:attrNameLst>
+                                          <p:attrName>style.visibility</p:attrName>
+                                        </p:attrNameLst>
+                                      </p:cBhvr>
+                                      <p:to>
+                                        <p:strVal val="visible"/>
+                                      </p:to>
+                                    </p:set>
+                                  </p:childTnLst>
+                                </p:cTn>
+                              </p:par>
+                            </p:childTnLst>
+                          </p:cTn>
+                        </p:par>
+                      </p:childTnLst>
+                    </p:cTn>
+                  </p:par>
+                  <p:par>
+                    <p:cTn id="15" fill="hold">
+                      <p:stCondLst>
+                        <p:cond delay="indefinite"/>
+                      </p:stCondLst>
+                      <p:childTnLst>
+                        <p:par>
+                          <p:cTn id="16" fill="hold">
+                            <p:stCondLst>
+                              <p:cond delay="0"/>
+                            </p:stCondLst>
+                            <p:childTnLst>
+                              <p:par>
+                                <p:cTn id="17" presetID="1" presetClass="entr" presetSubtype="0" fill="hold" grpId="0" nodeType="clickEffect">
+                                  <p:stCondLst>
+                                    <p:cond delay="0"/>
+                                  </p:stCondLst>
+                                  <p:childTnLst>
+                                    <p:set>
+                                      <p:cBhvr>
+                                        <p:cTn id="18" dur="1" fill="hold">
+                                          <p:stCondLst>
+                                            <p:cond delay="0"/>
+                                          </p:stCondLst>
+                                        </p:cTn>
+                                        <p:tgtEl>
+                                          <p:spTgt spid="4">
+                                            <p:txEl>
+                                              <p:pRg st="1" end="1"/>
+                                            </p:txEl>
+                                          </p:spTgt>
+                                        </p:tgtEl>
+                                        <p:attrNameLst>
+                                          <p:attrName>style.visibility</p:attrName>
+                                        </p:attrNameLst>
+                                      </p:cBhvr>
+                                      <p:to>
+                                        <p:strVal val="visible"/>
+                                      </p:to>
+                                    </p:set>
+                                  </p:childTnLst>
+                                </p:cTn>
+                              </p:par>
+                            </p:childTnLst>
+                          </p:cTn>
+                        </p:par>
+                      </p:childTnLst>
+                    </p:cTn>
+                  </p:par>
+                  <p:par>
+                    <p:cTn id="19" fill="hold">
+                      <p:stCondLst>
+                        <p:cond delay="indefinite"/>
+                      </p:stCondLst>
+                      <p:childTnLst>
+                        <p:par>
+                          <p:cTn id="20" fill="hold">
+                            <p:stCondLst>
+                              <p:cond delay="0"/>
+                            </p:stCondLst>
+                            <p:childTnLst>
+                              <p:par>
+                                <p:cTn id="21" presetID="1" presetClass="entr" presetSubtype="0" fill="hold" grpId="0" nodeType="clickEffect">
+                                  <p:stCondLst>
+                                    <p:cond delay="0"/>
+                                  </p:stCondLst>
+                                  <p:childTnLst>
+                                    <p:set>
+                                      <p:cBhvr>
+                                        <p:cTn id="22" dur="1" fill="hold">
+                                          <p:stCondLst>
+                                            <p:cond delay="0"/>
+                                          </p:stCondLst>
+                                        </p:cTn>
+                                        <p:tgtEl>
+                                          <p:spTgt spid="4">
+                                            <p:txEl>
+                                              <p:pRg st="2" end="2"/>
+                                            </p:txEl>
+                                          </p:spTgt>
+                                        </p:tgtEl>
+                                        <p:attrNameLst>
+                                          <p:attrName>style.visibility</p:attrName>
+                                        </p:attrNameLst>
+                                      </p:cBhvr>
+                                      <p:to>
+                                        <p:strVal val="visible"/>
+                                      </p:to>
+                                    </p:set>
+                                  </p:childTnLst>
+                                </p:cTn>
+                              </p:par>
+                            </p:childTnLst>
+                          </p:cTn>
+                        </p:par>
+                      </p:childTnLst>
+                    </p:cTn>
+                  </p:par>
+                </p:childTnLst>
+              </p:cTn>
+              <p:prevCondLst>
+                <p:cond evt="onPrev" delay="0">
+                  <p:tgtEl>
+                    <p:sldTgt/>
+                  </p:tgtEl>
+                </p:cond>
+              </p:prevCondLst>
+              <p:nextCondLst>
+                <p:cond evt="onNext" delay="0">
+                  <p:tgtEl>
+                    <p:sldTgt/>
+                  </p:tgtEl>
+                </p:cond>
+              </p:nextCondLst>
+            </p:seq>
+          </p:childTnLst>
+        </p:cTn>
+      </p:par>
+    </p:tnLst>
+    <p:bldLst>
+      <p:bldP spid="2" grpId="0"/>
+      <p:bldP spid="4" grpId="0" build="p"/>
+    </p:bldLst>
+  </p:timing>
 </p:sld>
 </file>
 
@@ -14170,10 +18665,10 @@
       </p:sp>
       <p:pic>
         <p:nvPicPr>
-          <p:cNvPr id="16" name="Content Placeholder 15" descr="Chart, line chart&#10;&#10;Description automatically generated">
+          <p:cNvPr id="7" name="Content Placeholder 6" descr="Chart, line chart&#10;&#10;Description automatically generated">
             <a:extLst>
               <a:ext uri="{FF2B5EF4-FFF2-40B4-BE49-F238E27FC236}">
-                <a16:creationId xmlns:a16="http://schemas.microsoft.com/office/drawing/2014/main" id="{A992C926-9D74-CF7E-646F-8B0ABA02FCFC}"/>
+                <a16:creationId xmlns:a16="http://schemas.microsoft.com/office/drawing/2014/main" id="{181C6D20-8651-89C9-9588-191A5F011321}"/>
               </a:ext>
             </a:extLst>
           </p:cNvPr>
@@ -14192,8 +18687,8 @@
         </p:blipFill>
         <p:spPr>
           <a:xfrm>
-            <a:off x="5680418" y="1631385"/>
-            <a:ext cx="5485714" cy="3657143"/>
+            <a:off x="4996063" y="853395"/>
+            <a:ext cx="7006895" cy="4379309"/>
           </a:xfrm>
         </p:spPr>
       </p:pic>
@@ -14207,6 +18702,432 @@
   <p:clrMapOvr>
     <a:masterClrMapping/>
   </p:clrMapOvr>
+  <p:timing>
+    <p:tnLst>
+      <p:par>
+        <p:cTn id="1" dur="indefinite" restart="never" nodeType="tmRoot">
+          <p:childTnLst>
+            <p:seq concurrent="1" nextAc="seek">
+              <p:cTn id="2" dur="indefinite" nodeType="mainSeq">
+                <p:childTnLst>
+                  <p:par>
+                    <p:cTn id="3" fill="hold">
+                      <p:stCondLst>
+                        <p:cond delay="indefinite"/>
+                      </p:stCondLst>
+                      <p:childTnLst>
+                        <p:par>
+                          <p:cTn id="4" fill="hold">
+                            <p:stCondLst>
+                              <p:cond delay="0"/>
+                            </p:stCondLst>
+                            <p:childTnLst>
+                              <p:par>
+                                <p:cTn id="5" presetID="1" presetClass="entr" presetSubtype="0" fill="hold" grpId="0" nodeType="clickEffect">
+                                  <p:stCondLst>
+                                    <p:cond delay="0"/>
+                                  </p:stCondLst>
+                                  <p:childTnLst>
+                                    <p:set>
+                                      <p:cBhvr>
+                                        <p:cTn id="6" dur="1" fill="hold">
+                                          <p:stCondLst>
+                                            <p:cond delay="0"/>
+                                          </p:stCondLst>
+                                        </p:cTn>
+                                        <p:tgtEl>
+                                          <p:spTgt spid="2"/>
+                                        </p:tgtEl>
+                                        <p:attrNameLst>
+                                          <p:attrName>style.visibility</p:attrName>
+                                        </p:attrNameLst>
+                                      </p:cBhvr>
+                                      <p:to>
+                                        <p:strVal val="visible"/>
+                                      </p:to>
+                                    </p:set>
+                                  </p:childTnLst>
+                                </p:cTn>
+                              </p:par>
+                            </p:childTnLst>
+                          </p:cTn>
+                        </p:par>
+                      </p:childTnLst>
+                    </p:cTn>
+                  </p:par>
+                  <p:par>
+                    <p:cTn id="7" fill="hold">
+                      <p:stCondLst>
+                        <p:cond delay="indefinite"/>
+                      </p:stCondLst>
+                      <p:childTnLst>
+                        <p:par>
+                          <p:cTn id="8" fill="hold">
+                            <p:stCondLst>
+                              <p:cond delay="0"/>
+                            </p:stCondLst>
+                            <p:childTnLst>
+                              <p:par>
+                                <p:cTn id="9" presetID="1" presetClass="entr" presetSubtype="0" fill="hold" nodeType="clickEffect">
+                                  <p:stCondLst>
+                                    <p:cond delay="0"/>
+                                  </p:stCondLst>
+                                  <p:childTnLst>
+                                    <p:set>
+                                      <p:cBhvr>
+                                        <p:cTn id="10" dur="1" fill="hold">
+                                          <p:stCondLst>
+                                            <p:cond delay="0"/>
+                                          </p:stCondLst>
+                                        </p:cTn>
+                                        <p:tgtEl>
+                                          <p:spTgt spid="7"/>
+                                        </p:tgtEl>
+                                        <p:attrNameLst>
+                                          <p:attrName>style.visibility</p:attrName>
+                                        </p:attrNameLst>
+                                      </p:cBhvr>
+                                      <p:to>
+                                        <p:strVal val="visible"/>
+                                      </p:to>
+                                    </p:set>
+                                  </p:childTnLst>
+                                </p:cTn>
+                              </p:par>
+                            </p:childTnLst>
+                          </p:cTn>
+                        </p:par>
+                      </p:childTnLst>
+                    </p:cTn>
+                  </p:par>
+                  <p:par>
+                    <p:cTn id="11" fill="hold">
+                      <p:stCondLst>
+                        <p:cond delay="indefinite"/>
+                      </p:stCondLst>
+                      <p:childTnLst>
+                        <p:par>
+                          <p:cTn id="12" fill="hold">
+                            <p:stCondLst>
+                              <p:cond delay="0"/>
+                            </p:stCondLst>
+                            <p:childTnLst>
+                              <p:par>
+                                <p:cTn id="13" presetID="1" presetClass="entr" presetSubtype="0" fill="hold" grpId="0" nodeType="clickEffect">
+                                  <p:stCondLst>
+                                    <p:cond delay="0"/>
+                                  </p:stCondLst>
+                                  <p:childTnLst>
+                                    <p:set>
+                                      <p:cBhvr>
+                                        <p:cTn id="14" dur="1" fill="hold">
+                                          <p:stCondLst>
+                                            <p:cond delay="0"/>
+                                          </p:stCondLst>
+                                        </p:cTn>
+                                        <p:tgtEl>
+                                          <p:spTgt spid="4">
+                                            <p:txEl>
+                                              <p:pRg st="0" end="0"/>
+                                            </p:txEl>
+                                          </p:spTgt>
+                                        </p:tgtEl>
+                                        <p:attrNameLst>
+                                          <p:attrName>style.visibility</p:attrName>
+                                        </p:attrNameLst>
+                                      </p:cBhvr>
+                                      <p:to>
+                                        <p:strVal val="visible"/>
+                                      </p:to>
+                                    </p:set>
+                                  </p:childTnLst>
+                                </p:cTn>
+                              </p:par>
+                              <p:par>
+                                <p:cTn id="15" presetID="1" presetClass="entr" presetSubtype="0" fill="hold" grpId="0" nodeType="withEffect">
+                                  <p:stCondLst>
+                                    <p:cond delay="0"/>
+                                  </p:stCondLst>
+                                  <p:childTnLst>
+                                    <p:set>
+                                      <p:cBhvr>
+                                        <p:cTn id="16" dur="1" fill="hold">
+                                          <p:stCondLst>
+                                            <p:cond delay="0"/>
+                                          </p:stCondLst>
+                                        </p:cTn>
+                                        <p:tgtEl>
+                                          <p:spTgt spid="4">
+                                            <p:txEl>
+                                              <p:pRg st="1" end="1"/>
+                                            </p:txEl>
+                                          </p:spTgt>
+                                        </p:tgtEl>
+                                        <p:attrNameLst>
+                                          <p:attrName>style.visibility</p:attrName>
+                                        </p:attrNameLst>
+                                      </p:cBhvr>
+                                      <p:to>
+                                        <p:strVal val="visible"/>
+                                      </p:to>
+                                    </p:set>
+                                  </p:childTnLst>
+                                </p:cTn>
+                              </p:par>
+                              <p:par>
+                                <p:cTn id="17" presetID="1" presetClass="entr" presetSubtype="0" fill="hold" grpId="0" nodeType="withEffect">
+                                  <p:stCondLst>
+                                    <p:cond delay="0"/>
+                                  </p:stCondLst>
+                                  <p:childTnLst>
+                                    <p:set>
+                                      <p:cBhvr>
+                                        <p:cTn id="18" dur="1" fill="hold">
+                                          <p:stCondLst>
+                                            <p:cond delay="0"/>
+                                          </p:stCondLst>
+                                        </p:cTn>
+                                        <p:tgtEl>
+                                          <p:spTgt spid="4">
+                                            <p:txEl>
+                                              <p:pRg st="2" end="2"/>
+                                            </p:txEl>
+                                          </p:spTgt>
+                                        </p:tgtEl>
+                                        <p:attrNameLst>
+                                          <p:attrName>style.visibility</p:attrName>
+                                        </p:attrNameLst>
+                                      </p:cBhvr>
+                                      <p:to>
+                                        <p:strVal val="visible"/>
+                                      </p:to>
+                                    </p:set>
+                                  </p:childTnLst>
+                                </p:cTn>
+                              </p:par>
+                            </p:childTnLst>
+                          </p:cTn>
+                        </p:par>
+                      </p:childTnLst>
+                    </p:cTn>
+                  </p:par>
+                  <p:par>
+                    <p:cTn id="19" fill="hold">
+                      <p:stCondLst>
+                        <p:cond delay="indefinite"/>
+                      </p:stCondLst>
+                      <p:childTnLst>
+                        <p:par>
+                          <p:cTn id="20" fill="hold">
+                            <p:stCondLst>
+                              <p:cond delay="0"/>
+                            </p:stCondLst>
+                            <p:childTnLst>
+                              <p:par>
+                                <p:cTn id="21" presetID="1" presetClass="entr" presetSubtype="0" fill="hold" grpId="0" nodeType="clickEffect">
+                                  <p:stCondLst>
+                                    <p:cond delay="0"/>
+                                  </p:stCondLst>
+                                  <p:childTnLst>
+                                    <p:set>
+                                      <p:cBhvr>
+                                        <p:cTn id="22" dur="1" fill="hold">
+                                          <p:stCondLst>
+                                            <p:cond delay="0"/>
+                                          </p:stCondLst>
+                                        </p:cTn>
+                                        <p:tgtEl>
+                                          <p:spTgt spid="4">
+                                            <p:txEl>
+                                              <p:pRg st="3" end="3"/>
+                                            </p:txEl>
+                                          </p:spTgt>
+                                        </p:tgtEl>
+                                        <p:attrNameLst>
+                                          <p:attrName>style.visibility</p:attrName>
+                                        </p:attrNameLst>
+                                      </p:cBhvr>
+                                      <p:to>
+                                        <p:strVal val="visible"/>
+                                      </p:to>
+                                    </p:set>
+                                  </p:childTnLst>
+                                </p:cTn>
+                              </p:par>
+                              <p:par>
+                                <p:cTn id="23" presetID="1" presetClass="entr" presetSubtype="0" fill="hold" grpId="0" nodeType="withEffect">
+                                  <p:stCondLst>
+                                    <p:cond delay="0"/>
+                                  </p:stCondLst>
+                                  <p:childTnLst>
+                                    <p:set>
+                                      <p:cBhvr>
+                                        <p:cTn id="24" dur="1" fill="hold">
+                                          <p:stCondLst>
+                                            <p:cond delay="0"/>
+                                          </p:stCondLst>
+                                        </p:cTn>
+                                        <p:tgtEl>
+                                          <p:spTgt spid="4">
+                                            <p:txEl>
+                                              <p:pRg st="4" end="4"/>
+                                            </p:txEl>
+                                          </p:spTgt>
+                                        </p:tgtEl>
+                                        <p:attrNameLst>
+                                          <p:attrName>style.visibility</p:attrName>
+                                        </p:attrNameLst>
+                                      </p:cBhvr>
+                                      <p:to>
+                                        <p:strVal val="visible"/>
+                                      </p:to>
+                                    </p:set>
+                                  </p:childTnLst>
+                                </p:cTn>
+                              </p:par>
+                              <p:par>
+                                <p:cTn id="25" presetID="1" presetClass="entr" presetSubtype="0" fill="hold" grpId="0" nodeType="withEffect">
+                                  <p:stCondLst>
+                                    <p:cond delay="0"/>
+                                  </p:stCondLst>
+                                  <p:childTnLst>
+                                    <p:set>
+                                      <p:cBhvr>
+                                        <p:cTn id="26" dur="1" fill="hold">
+                                          <p:stCondLst>
+                                            <p:cond delay="0"/>
+                                          </p:stCondLst>
+                                        </p:cTn>
+                                        <p:tgtEl>
+                                          <p:spTgt spid="4">
+                                            <p:txEl>
+                                              <p:pRg st="5" end="5"/>
+                                            </p:txEl>
+                                          </p:spTgt>
+                                        </p:tgtEl>
+                                        <p:attrNameLst>
+                                          <p:attrName>style.visibility</p:attrName>
+                                        </p:attrNameLst>
+                                      </p:cBhvr>
+                                      <p:to>
+                                        <p:strVal val="visible"/>
+                                      </p:to>
+                                    </p:set>
+                                  </p:childTnLst>
+                                </p:cTn>
+                              </p:par>
+                            </p:childTnLst>
+                          </p:cTn>
+                        </p:par>
+                      </p:childTnLst>
+                    </p:cTn>
+                  </p:par>
+                  <p:par>
+                    <p:cTn id="27" fill="hold">
+                      <p:stCondLst>
+                        <p:cond delay="indefinite"/>
+                      </p:stCondLst>
+                      <p:childTnLst>
+                        <p:par>
+                          <p:cTn id="28" fill="hold">
+                            <p:stCondLst>
+                              <p:cond delay="0"/>
+                            </p:stCondLst>
+                            <p:childTnLst>
+                              <p:par>
+                                <p:cTn id="29" presetID="1" presetClass="entr" presetSubtype="0" fill="hold" grpId="0" nodeType="clickEffect">
+                                  <p:stCondLst>
+                                    <p:cond delay="0"/>
+                                  </p:stCondLst>
+                                  <p:childTnLst>
+                                    <p:set>
+                                      <p:cBhvr>
+                                        <p:cTn id="30" dur="1" fill="hold">
+                                          <p:stCondLst>
+                                            <p:cond delay="0"/>
+                                          </p:stCondLst>
+                                        </p:cTn>
+                                        <p:tgtEl>
+                                          <p:spTgt spid="4">
+                                            <p:txEl>
+                                              <p:pRg st="6" end="6"/>
+                                            </p:txEl>
+                                          </p:spTgt>
+                                        </p:tgtEl>
+                                        <p:attrNameLst>
+                                          <p:attrName>style.visibility</p:attrName>
+                                        </p:attrNameLst>
+                                      </p:cBhvr>
+                                      <p:to>
+                                        <p:strVal val="visible"/>
+                                      </p:to>
+                                    </p:set>
+                                  </p:childTnLst>
+                                </p:cTn>
+                              </p:par>
+                              <p:par>
+                                <p:cTn id="31" presetID="1" presetClass="entr" presetSubtype="0" fill="hold" grpId="0" nodeType="withEffect">
+                                  <p:stCondLst>
+                                    <p:cond delay="0"/>
+                                  </p:stCondLst>
+                                  <p:childTnLst>
+                                    <p:set>
+                                      <p:cBhvr>
+                                        <p:cTn id="32" dur="1" fill="hold">
+                                          <p:stCondLst>
+                                            <p:cond delay="0"/>
+                                          </p:stCondLst>
+                                        </p:cTn>
+                                        <p:tgtEl>
+                                          <p:spTgt spid="4">
+                                            <p:txEl>
+                                              <p:pRg st="7" end="7"/>
+                                            </p:txEl>
+                                          </p:spTgt>
+                                        </p:tgtEl>
+                                        <p:attrNameLst>
+                                          <p:attrName>style.visibility</p:attrName>
+                                        </p:attrNameLst>
+                                      </p:cBhvr>
+                                      <p:to>
+                                        <p:strVal val="visible"/>
+                                      </p:to>
+                                    </p:set>
+                                  </p:childTnLst>
+                                </p:cTn>
+                              </p:par>
+                            </p:childTnLst>
+                          </p:cTn>
+                        </p:par>
+                      </p:childTnLst>
+                    </p:cTn>
+                  </p:par>
+                </p:childTnLst>
+              </p:cTn>
+              <p:prevCondLst>
+                <p:cond evt="onPrev" delay="0">
+                  <p:tgtEl>
+                    <p:sldTgt/>
+                  </p:tgtEl>
+                </p:cond>
+              </p:prevCondLst>
+              <p:nextCondLst>
+                <p:cond evt="onNext" delay="0">
+                  <p:tgtEl>
+                    <p:sldTgt/>
+                  </p:tgtEl>
+                </p:cond>
+              </p:nextCondLst>
+            </p:seq>
+          </p:childTnLst>
+        </p:cTn>
+      </p:par>
+    </p:tnLst>
+    <p:bldLst>
+      <p:bldP spid="2" grpId="0"/>
+      <p:bldP spid="4" grpId="0" build="p"/>
+    </p:bldLst>
+  </p:timing>
 </p:sld>
 </file>
 
@@ -14537,12 +19458,12 @@
 </file>
 
 <file path=customXml/item1.xml><?xml version="1.0" encoding="utf-8"?>
-<?mso-contentType ?>
-<FormTemplates xmlns="http://schemas.microsoft.com/sharepoint/v3/contenttype/forms">
-  <Display>DocumentLibraryForm</Display>
-  <Edit>DocumentLibraryForm</Edit>
-  <New>DocumentLibraryForm</New>
-</FormTemplates>
+<p:properties xmlns:p="http://schemas.microsoft.com/office/2006/metadata/properties" xmlns:xsi="http://www.w3.org/2001/XMLSchema-instance" xmlns:pc="http://schemas.microsoft.com/office/infopath/2007/PartnerControls">
+  <documentManagement>
+    <Status xmlns="71af3243-3dd4-4a8d-8c0d-dd76da1f02a5">Not started</Status>
+    <MediaServiceKeyPoints xmlns="71af3243-3dd4-4a8d-8c0d-dd76da1f02a5" xsi:nil="true"/>
+  </documentManagement>
+</p:properties>
 </file>
 
 <file path=customXml/item2.xml><?xml version="1.0" encoding="utf-8"?>
@@ -14767,18 +19688,20 @@
 </file>
 
 <file path=customXml/item3.xml><?xml version="1.0" encoding="utf-8"?>
-<p:properties xmlns:p="http://schemas.microsoft.com/office/2006/metadata/properties" xmlns:xsi="http://www.w3.org/2001/XMLSchema-instance" xmlns:pc="http://schemas.microsoft.com/office/infopath/2007/PartnerControls">
-  <documentManagement>
-    <Status xmlns="71af3243-3dd4-4a8d-8c0d-dd76da1f02a5">Not started</Status>
-    <MediaServiceKeyPoints xmlns="71af3243-3dd4-4a8d-8c0d-dd76da1f02a5" xsi:nil="true"/>
-  </documentManagement>
-</p:properties>
+<?mso-contentType ?>
+<FormTemplates xmlns="http://schemas.microsoft.com/sharepoint/v3/contenttype/forms">
+  <Display>DocumentLibraryForm</Display>
+  <Edit>DocumentLibraryForm</Edit>
+  <New>DocumentLibraryForm</New>
+</FormTemplates>
 </file>
 
 <file path=customXml/itemProps1.xml><?xml version="1.0" encoding="utf-8"?>
-<ds:datastoreItem xmlns:ds="http://schemas.openxmlformats.org/officeDocument/2006/customXml" ds:itemID="{AA3F7EDC-E5B4-4BBC-9D2A-CBE6D46C37AD}">
+<ds:datastoreItem xmlns:ds="http://schemas.openxmlformats.org/officeDocument/2006/customXml" ds:itemID="{A03EEFF0-FB57-4CB4-8BFC-DF397689E2ED}">
   <ds:schemaRefs>
-    <ds:schemaRef ds:uri="http://schemas.microsoft.com/sharepoint/v3/contenttype/forms"/>
+    <ds:schemaRef ds:uri="http://schemas.microsoft.com/office/2006/metadata/properties"/>
+    <ds:schemaRef ds:uri="http://schemas.microsoft.com/office/infopath/2007/PartnerControls"/>
+    <ds:schemaRef ds:uri="71af3243-3dd4-4a8d-8c0d-dd76da1f02a5"/>
   </ds:schemaRefs>
 </ds:datastoreItem>
 </file>
@@ -14803,11 +19726,9 @@
 </file>
 
 <file path=customXml/itemProps3.xml><?xml version="1.0" encoding="utf-8"?>
-<ds:datastoreItem xmlns:ds="http://schemas.openxmlformats.org/officeDocument/2006/customXml" ds:itemID="{A03EEFF0-FB57-4CB4-8BFC-DF397689E2ED}">
+<ds:datastoreItem xmlns:ds="http://schemas.openxmlformats.org/officeDocument/2006/customXml" ds:itemID="{AA3F7EDC-E5B4-4BBC-9D2A-CBE6D46C37AD}">
   <ds:schemaRefs>
-    <ds:schemaRef ds:uri="http://schemas.microsoft.com/office/2006/metadata/properties"/>
-    <ds:schemaRef ds:uri="http://schemas.microsoft.com/office/infopath/2007/PartnerControls"/>
-    <ds:schemaRef ds:uri="71af3243-3dd4-4a8d-8c0d-dd76da1f02a5"/>
+    <ds:schemaRef ds:uri="http://schemas.microsoft.com/sharepoint/v3/contenttype/forms"/>
   </ds:schemaRefs>
 </ds:datastoreItem>
 </file>
--- a/Crime Rate in relation to Weather in Atlanta.pptx
+++ b/Crime Rate in relation to Weather in Atlanta.pptx
@@ -11107,6 +11107,55 @@
                       </p:childTnLst>
                     </p:cTn>
                   </p:par>
+                  <p:par>
+                    <p:cTn id="7" fill="hold">
+                      <p:stCondLst>
+                        <p:cond delay="indefinite"/>
+                      </p:stCondLst>
+                      <p:childTnLst>
+                        <p:par>
+                          <p:cTn id="8" fill="hold">
+                            <p:stCondLst>
+                              <p:cond delay="0"/>
+                            </p:stCondLst>
+                            <p:childTnLst>
+                              <p:par>
+                                <p:cTn id="9" presetID="1" presetClass="entr" presetSubtype="0" fill="hold" grpId="0" nodeType="clickEffect">
+                                  <p:stCondLst>
+                                    <p:cond delay="0"/>
+                                  </p:stCondLst>
+                                  <p:childTnLst>
+                                    <p:set>
+                                      <p:cBhvr>
+                                        <p:cTn id="10" dur="1" fill="hold">
+                                          <p:stCondLst>
+                                            <p:cond delay="0"/>
+                                          </p:stCondLst>
+                                        </p:cTn>
+                                        <p:tgtEl>
+                                          <p:spTgt spid="3">
+                                            <p:txEl>
+                                              <p:pRg st="0" end="0"/>
+                                            </p:txEl>
+                                          </p:spTgt>
+                                        </p:tgtEl>
+                                        <p:attrNameLst>
+                                          <p:attrName>style.visibility</p:attrName>
+                                        </p:attrNameLst>
+                                      </p:cBhvr>
+                                      <p:to>
+                                        <p:strVal val="visible"/>
+                                      </p:to>
+                                    </p:set>
+                                  </p:childTnLst>
+                                </p:cTn>
+                              </p:par>
+                            </p:childTnLst>
+                          </p:cTn>
+                        </p:par>
+                      </p:childTnLst>
+                    </p:cTn>
+                  </p:par>
                 </p:childTnLst>
               </p:cTn>
               <p:prevCondLst>
@@ -11130,6 +11179,7 @@
     </p:tnLst>
     <p:bldLst>
       <p:bldP spid="2" grpId="0"/>
+      <p:bldP spid="3" grpId="0" build="p"/>
     </p:bldLst>
   </p:timing>
 </p:sld>
@@ -13049,21 +13099,8 @@
                   <a:schemeClr val="bg1"/>
                 </a:solidFill>
               </a:rPr>
-              <a:t>Zero values </a:t>
+              <a:t>Zero values were removed.</a:t>
             </a:r>
-            <a:r>
-              <a:rPr lang="en-US" sz="1600">
-                <a:solidFill>
-                  <a:schemeClr val="bg1"/>
-                </a:solidFill>
-              </a:rPr>
-              <a:t>were removed.</a:t>
-            </a:r>
-            <a:endParaRPr lang="en-US" sz="1600" dirty="0">
-              <a:solidFill>
-                <a:schemeClr val="bg1"/>
-              </a:solidFill>
-            </a:endParaRPr>
           </a:p>
         </p:txBody>
       </p:sp>
@@ -14449,7 +14486,17 @@
             </a:pPr>
             <a:r>
               <a:rPr lang="en-US" dirty="0"/>
-              <a:t>Weather can change on an hour to hour basis</a:t>
+              <a:t>Weather can change on an hour to hour basis but our datasets only show overall weather for the whole day</a:t>
+            </a:r>
+          </a:p>
+          <a:p>
+            <a:pPr>
+              <a:buFont typeface="Wingdings" panose="05000000000000000000" pitchFamily="2" charset="2"/>
+              <a:buChar char="Ø"/>
+            </a:pPr>
+            <a:r>
+              <a:rPr lang="en-US" dirty="0"/>
+              <a:t>Specific weather data was limited to the year of 2016 as was our crime datasets from APD</a:t>
             </a:r>
           </a:p>
           <a:p>
@@ -14854,6 +14901,55 @@
                                           <p:spTgt spid="6">
                                             <p:txEl>
                                               <p:pRg st="4" end="4"/>
+                                            </p:txEl>
+                                          </p:spTgt>
+                                        </p:tgtEl>
+                                        <p:attrNameLst>
+                                          <p:attrName>style.visibility</p:attrName>
+                                        </p:attrNameLst>
+                                      </p:cBhvr>
+                                      <p:to>
+                                        <p:strVal val="visible"/>
+                                      </p:to>
+                                    </p:set>
+                                  </p:childTnLst>
+                                </p:cTn>
+                              </p:par>
+                            </p:childTnLst>
+                          </p:cTn>
+                        </p:par>
+                      </p:childTnLst>
+                    </p:cTn>
+                  </p:par>
+                  <p:par>
+                    <p:cTn id="23" fill="hold">
+                      <p:stCondLst>
+                        <p:cond delay="indefinite"/>
+                      </p:stCondLst>
+                      <p:childTnLst>
+                        <p:par>
+                          <p:cTn id="24" fill="hold">
+                            <p:stCondLst>
+                              <p:cond delay="0"/>
+                            </p:stCondLst>
+                            <p:childTnLst>
+                              <p:par>
+                                <p:cTn id="25" presetID="1" presetClass="entr" presetSubtype="0" fill="hold" grpId="0" nodeType="clickEffect">
+                                  <p:stCondLst>
+                                    <p:cond delay="0"/>
+                                  </p:stCondLst>
+                                  <p:childTnLst>
+                                    <p:set>
+                                      <p:cBhvr>
+                                        <p:cTn id="26" dur="1" fill="hold">
+                                          <p:stCondLst>
+                                            <p:cond delay="0"/>
+                                          </p:stCondLst>
+                                        </p:cTn>
+                                        <p:tgtEl>
+                                          <p:spTgt spid="6">
+                                            <p:txEl>
+                                              <p:pRg st="5" end="5"/>
                                             </p:txEl>
                                           </p:spTgt>
                                         </p:tgtEl>
@@ -16421,7 +16517,7 @@
             <a:pPr lvl="1"/>
             <a:r>
               <a:rPr lang="en-US" dirty="0"/>
-              <a:t>Part 1 offenses used in our dataset and analysis</a:t>
+              <a:t>Part 1 offenses used in our dataset and analysis taken from APD reporting</a:t>
             </a:r>
           </a:p>
           <a:p>
@@ -19458,12 +19554,12 @@
 </file>
 
 <file path=customXml/item1.xml><?xml version="1.0" encoding="utf-8"?>
-<p:properties xmlns:p="http://schemas.microsoft.com/office/2006/metadata/properties" xmlns:xsi="http://www.w3.org/2001/XMLSchema-instance" xmlns:pc="http://schemas.microsoft.com/office/infopath/2007/PartnerControls">
-  <documentManagement>
-    <Status xmlns="71af3243-3dd4-4a8d-8c0d-dd76da1f02a5">Not started</Status>
-    <MediaServiceKeyPoints xmlns="71af3243-3dd4-4a8d-8c0d-dd76da1f02a5" xsi:nil="true"/>
-  </documentManagement>
-</p:properties>
+<?mso-contentType ?>
+<FormTemplates xmlns="http://schemas.microsoft.com/sharepoint/v3/contenttype/forms">
+  <Display>DocumentLibraryForm</Display>
+  <Edit>DocumentLibraryForm</Edit>
+  <New>DocumentLibraryForm</New>
+</FormTemplates>
 </file>
 
 <file path=customXml/item2.xml><?xml version="1.0" encoding="utf-8"?>
@@ -19688,20 +19784,18 @@
 </file>
 
 <file path=customXml/item3.xml><?xml version="1.0" encoding="utf-8"?>
-<?mso-contentType ?>
-<FormTemplates xmlns="http://schemas.microsoft.com/sharepoint/v3/contenttype/forms">
-  <Display>DocumentLibraryForm</Display>
-  <Edit>DocumentLibraryForm</Edit>
-  <New>DocumentLibraryForm</New>
-</FormTemplates>
+<p:properties xmlns:p="http://schemas.microsoft.com/office/2006/metadata/properties" xmlns:xsi="http://www.w3.org/2001/XMLSchema-instance" xmlns:pc="http://schemas.microsoft.com/office/infopath/2007/PartnerControls">
+  <documentManagement>
+    <Status xmlns="71af3243-3dd4-4a8d-8c0d-dd76da1f02a5">Not started</Status>
+    <MediaServiceKeyPoints xmlns="71af3243-3dd4-4a8d-8c0d-dd76da1f02a5" xsi:nil="true"/>
+  </documentManagement>
+</p:properties>
 </file>
 
 <file path=customXml/itemProps1.xml><?xml version="1.0" encoding="utf-8"?>
-<ds:datastoreItem xmlns:ds="http://schemas.openxmlformats.org/officeDocument/2006/customXml" ds:itemID="{A03EEFF0-FB57-4CB4-8BFC-DF397689E2ED}">
+<ds:datastoreItem xmlns:ds="http://schemas.openxmlformats.org/officeDocument/2006/customXml" ds:itemID="{AA3F7EDC-E5B4-4BBC-9D2A-CBE6D46C37AD}">
   <ds:schemaRefs>
-    <ds:schemaRef ds:uri="http://schemas.microsoft.com/office/2006/metadata/properties"/>
-    <ds:schemaRef ds:uri="http://schemas.microsoft.com/office/infopath/2007/PartnerControls"/>
-    <ds:schemaRef ds:uri="71af3243-3dd4-4a8d-8c0d-dd76da1f02a5"/>
+    <ds:schemaRef ds:uri="http://schemas.microsoft.com/sharepoint/v3/contenttype/forms"/>
   </ds:schemaRefs>
 </ds:datastoreItem>
 </file>
@@ -19726,9 +19820,11 @@
 </file>
 
 <file path=customXml/itemProps3.xml><?xml version="1.0" encoding="utf-8"?>
-<ds:datastoreItem xmlns:ds="http://schemas.openxmlformats.org/officeDocument/2006/customXml" ds:itemID="{AA3F7EDC-E5B4-4BBC-9D2A-CBE6D46C37AD}">
+<ds:datastoreItem xmlns:ds="http://schemas.openxmlformats.org/officeDocument/2006/customXml" ds:itemID="{A03EEFF0-FB57-4CB4-8BFC-DF397689E2ED}">
   <ds:schemaRefs>
-    <ds:schemaRef ds:uri="http://schemas.microsoft.com/sharepoint/v3/contenttype/forms"/>
+    <ds:schemaRef ds:uri="http://schemas.microsoft.com/office/2006/metadata/properties"/>
+    <ds:schemaRef ds:uri="http://schemas.microsoft.com/office/infopath/2007/PartnerControls"/>
+    <ds:schemaRef ds:uri="71af3243-3dd4-4a8d-8c0d-dd76da1f02a5"/>
   </ds:schemaRefs>
 </ds:datastoreItem>
 </file>